--- a/marketanalyst/docs/Module 4.pptx
+++ b/marketanalyst/docs/Module 4.pptx
@@ -30,6 +30,8 @@
     <p:sldId id="277" r:id="rId25"/>
     <p:sldId id="278" r:id="rId26"/>
     <p:sldId id="279" r:id="rId27"/>
+    <p:sldId id="280" r:id="rId28"/>
+    <p:sldId id="281" r:id="rId29"/>
   </p:sldIdLst>
   <p:sldSz cx="10080625" cy="7559675"/>
   <p:notesSz cx="7559675" cy="10691812"/>
@@ -88,7 +90,7 @@
         <p:spPr>
           <a:xfrm>
             <a:off x="504000" y="301320"/>
-            <a:ext cx="9071280" cy="637200"/>
+            <a:ext cx="9072000" cy="1261800"/>
           </a:xfrm>
           <a:prstGeom prst="rect">
             <a:avLst/>
@@ -116,8 +118,8 @@
         </p:nvSpPr>
         <p:spPr>
           <a:xfrm>
-            <a:off x="504000" y="1769040"/>
-            <a:ext cx="9071280" cy="2090880"/>
+            <a:off x="504000" y="1768680"/>
+            <a:ext cx="9072000" cy="2090880"/>
           </a:xfrm>
           <a:prstGeom prst="rect">
             <a:avLst/>
@@ -146,8 +148,8 @@
         </p:nvSpPr>
         <p:spPr>
           <a:xfrm>
-            <a:off x="504000" y="4059000"/>
-            <a:ext cx="9071280" cy="2090880"/>
+            <a:off x="504000" y="4058640"/>
+            <a:ext cx="9072000" cy="2090880"/>
           </a:xfrm>
           <a:prstGeom prst="rect">
             <a:avLst/>
@@ -199,7 +201,7 @@
         <p:spPr>
           <a:xfrm>
             <a:off x="504000" y="301320"/>
-            <a:ext cx="9071280" cy="637200"/>
+            <a:ext cx="9072000" cy="1261800"/>
           </a:xfrm>
           <a:prstGeom prst="rect">
             <a:avLst/>
@@ -227,8 +229,8 @@
         </p:nvSpPr>
         <p:spPr>
           <a:xfrm>
-            <a:off x="504000" y="1769040"/>
-            <a:ext cx="4426560" cy="2090880"/>
+            <a:off x="504000" y="1768680"/>
+            <a:ext cx="4426920" cy="2090880"/>
           </a:xfrm>
           <a:prstGeom prst="rect">
             <a:avLst/>
@@ -257,8 +259,8 @@
         </p:nvSpPr>
         <p:spPr>
           <a:xfrm>
-            <a:off x="5152320" y="1769040"/>
-            <a:ext cx="4426560" cy="2090880"/>
+            <a:off x="5152680" y="1768680"/>
+            <a:ext cx="4426920" cy="2090880"/>
           </a:xfrm>
           <a:prstGeom prst="rect">
             <a:avLst/>
@@ -287,8 +289,8 @@
         </p:nvSpPr>
         <p:spPr>
           <a:xfrm>
-            <a:off x="504000" y="4059000"/>
-            <a:ext cx="4426560" cy="2090880"/>
+            <a:off x="504000" y="4058640"/>
+            <a:ext cx="4426920" cy="2090880"/>
           </a:xfrm>
           <a:prstGeom prst="rect">
             <a:avLst/>
@@ -317,8 +319,8 @@
         </p:nvSpPr>
         <p:spPr>
           <a:xfrm>
-            <a:off x="5152320" y="4059000"/>
-            <a:ext cx="4426560" cy="2090880"/>
+            <a:off x="5152680" y="4058640"/>
+            <a:ext cx="4426920" cy="2090880"/>
           </a:xfrm>
           <a:prstGeom prst="rect">
             <a:avLst/>
@@ -370,7 +372,7 @@
         <p:spPr>
           <a:xfrm>
             <a:off x="504000" y="301320"/>
-            <a:ext cx="9071280" cy="637200"/>
+            <a:ext cx="9072000" cy="1261800"/>
           </a:xfrm>
           <a:prstGeom prst="rect">
             <a:avLst/>
@@ -398,8 +400,8 @@
         </p:nvSpPr>
         <p:spPr>
           <a:xfrm>
-            <a:off x="504000" y="1769040"/>
-            <a:ext cx="2920680" cy="2090880"/>
+            <a:off x="504000" y="1768680"/>
+            <a:ext cx="2921040" cy="2090880"/>
           </a:xfrm>
           <a:prstGeom prst="rect">
             <a:avLst/>
@@ -428,8 +430,8 @@
         </p:nvSpPr>
         <p:spPr>
           <a:xfrm>
-            <a:off x="3571200" y="1769040"/>
-            <a:ext cx="2920680" cy="2090880"/>
+            <a:off x="3571560" y="1768680"/>
+            <a:ext cx="2921040" cy="2090880"/>
           </a:xfrm>
           <a:prstGeom prst="rect">
             <a:avLst/>
@@ -458,8 +460,8 @@
         </p:nvSpPr>
         <p:spPr>
           <a:xfrm>
-            <a:off x="6638040" y="1769040"/>
-            <a:ext cx="2920680" cy="2090880"/>
+            <a:off x="6639120" y="1768680"/>
+            <a:ext cx="2921040" cy="2090880"/>
           </a:xfrm>
           <a:prstGeom prst="rect">
             <a:avLst/>
@@ -488,8 +490,8 @@
         </p:nvSpPr>
         <p:spPr>
           <a:xfrm>
-            <a:off x="504000" y="4059000"/>
-            <a:ext cx="2920680" cy="2090880"/>
+            <a:off x="504000" y="4058640"/>
+            <a:ext cx="2921040" cy="2090880"/>
           </a:xfrm>
           <a:prstGeom prst="rect">
             <a:avLst/>
@@ -518,8 +520,8 @@
         </p:nvSpPr>
         <p:spPr>
           <a:xfrm>
-            <a:off x="3571200" y="4059000"/>
-            <a:ext cx="2920680" cy="2090880"/>
+            <a:off x="3571560" y="4058640"/>
+            <a:ext cx="2921040" cy="2090880"/>
           </a:xfrm>
           <a:prstGeom prst="rect">
             <a:avLst/>
@@ -548,8 +550,8 @@
         </p:nvSpPr>
         <p:spPr>
           <a:xfrm>
-            <a:off x="6638040" y="4059000"/>
-            <a:ext cx="2920680" cy="2090880"/>
+            <a:off x="6639120" y="4058640"/>
+            <a:ext cx="2921040" cy="2090880"/>
           </a:xfrm>
           <a:prstGeom prst="rect">
             <a:avLst/>
@@ -623,7 +625,7 @@
         <p:spPr>
           <a:xfrm>
             <a:off x="504000" y="301320"/>
-            <a:ext cx="9071280" cy="637200"/>
+            <a:ext cx="9072000" cy="1261800"/>
           </a:xfrm>
           <a:prstGeom prst="rect">
             <a:avLst/>
@@ -651,8 +653,8 @@
         </p:nvSpPr>
         <p:spPr>
           <a:xfrm>
-            <a:off x="504000" y="1769040"/>
-            <a:ext cx="9071280" cy="4384080"/>
+            <a:off x="504000" y="1768680"/>
+            <a:ext cx="9072000" cy="4384080"/>
           </a:xfrm>
           <a:prstGeom prst="rect">
             <a:avLst/>
@@ -703,7 +705,7 @@
         <p:spPr>
           <a:xfrm>
             <a:off x="504000" y="301320"/>
-            <a:ext cx="9071280" cy="637200"/>
+            <a:ext cx="9072000" cy="1261800"/>
           </a:xfrm>
           <a:prstGeom prst="rect">
             <a:avLst/>
@@ -731,8 +733,8 @@
         </p:nvSpPr>
         <p:spPr>
           <a:xfrm>
-            <a:off x="504000" y="1769040"/>
-            <a:ext cx="9071280" cy="4384080"/>
+            <a:off x="504000" y="1768680"/>
+            <a:ext cx="9072000" cy="4384080"/>
           </a:xfrm>
           <a:prstGeom prst="rect">
             <a:avLst/>
@@ -784,7 +786,7 @@
         <p:spPr>
           <a:xfrm>
             <a:off x="504000" y="301320"/>
-            <a:ext cx="9071280" cy="637200"/>
+            <a:ext cx="9072000" cy="1261800"/>
           </a:xfrm>
           <a:prstGeom prst="rect">
             <a:avLst/>
@@ -812,8 +814,8 @@
         </p:nvSpPr>
         <p:spPr>
           <a:xfrm>
-            <a:off x="504000" y="1769040"/>
-            <a:ext cx="4426560" cy="4384080"/>
+            <a:off x="504000" y="1768680"/>
+            <a:ext cx="4426920" cy="4384080"/>
           </a:xfrm>
           <a:prstGeom prst="rect">
             <a:avLst/>
@@ -842,8 +844,8 @@
         </p:nvSpPr>
         <p:spPr>
           <a:xfrm>
-            <a:off x="5152320" y="1769040"/>
-            <a:ext cx="4426560" cy="4384080"/>
+            <a:off x="5152680" y="1768680"/>
+            <a:ext cx="4426920" cy="4384080"/>
           </a:xfrm>
           <a:prstGeom prst="rect">
             <a:avLst/>
@@ -895,7 +897,7 @@
         <p:spPr>
           <a:xfrm>
             <a:off x="504000" y="301320"/>
-            <a:ext cx="9071280" cy="637200"/>
+            <a:ext cx="9072000" cy="1261800"/>
           </a:xfrm>
           <a:prstGeom prst="rect">
             <a:avLst/>
@@ -946,7 +948,7 @@
         <p:spPr>
           <a:xfrm>
             <a:off x="504000" y="301320"/>
-            <a:ext cx="9071280" cy="2954880"/>
+            <a:ext cx="9072000" cy="5850360"/>
           </a:xfrm>
           <a:prstGeom prst="rect">
             <a:avLst/>
@@ -997,7 +999,7 @@
         <p:spPr>
           <a:xfrm>
             <a:off x="504000" y="301320"/>
-            <a:ext cx="9071280" cy="637200"/>
+            <a:ext cx="9072000" cy="1261800"/>
           </a:xfrm>
           <a:prstGeom prst="rect">
             <a:avLst/>
@@ -1025,8 +1027,8 @@
         </p:nvSpPr>
         <p:spPr>
           <a:xfrm>
-            <a:off x="504000" y="1769040"/>
-            <a:ext cx="4426560" cy="2090880"/>
+            <a:off x="504000" y="1768680"/>
+            <a:ext cx="4426920" cy="2090880"/>
           </a:xfrm>
           <a:prstGeom prst="rect">
             <a:avLst/>
@@ -1055,8 +1057,8 @@
         </p:nvSpPr>
         <p:spPr>
           <a:xfrm>
-            <a:off x="5152320" y="1769040"/>
-            <a:ext cx="4426560" cy="4384080"/>
+            <a:off x="5152680" y="1768680"/>
+            <a:ext cx="4426920" cy="4384080"/>
           </a:xfrm>
           <a:prstGeom prst="rect">
             <a:avLst/>
@@ -1085,8 +1087,8 @@
         </p:nvSpPr>
         <p:spPr>
           <a:xfrm>
-            <a:off x="504000" y="4059000"/>
-            <a:ext cx="4426560" cy="2090880"/>
+            <a:off x="504000" y="4058640"/>
+            <a:ext cx="4426920" cy="2090880"/>
           </a:xfrm>
           <a:prstGeom prst="rect">
             <a:avLst/>
@@ -1138,7 +1140,7 @@
         <p:spPr>
           <a:xfrm>
             <a:off x="504000" y="301320"/>
-            <a:ext cx="9071280" cy="637200"/>
+            <a:ext cx="9072000" cy="1261800"/>
           </a:xfrm>
           <a:prstGeom prst="rect">
             <a:avLst/>
@@ -1166,8 +1168,8 @@
         </p:nvSpPr>
         <p:spPr>
           <a:xfrm>
-            <a:off x="504000" y="1769040"/>
-            <a:ext cx="9071280" cy="4384080"/>
+            <a:off x="504000" y="1768680"/>
+            <a:ext cx="9072000" cy="4384080"/>
           </a:xfrm>
           <a:prstGeom prst="rect">
             <a:avLst/>
@@ -1218,7 +1220,7 @@
         <p:spPr>
           <a:xfrm>
             <a:off x="504000" y="301320"/>
-            <a:ext cx="9071280" cy="637200"/>
+            <a:ext cx="9072000" cy="1261800"/>
           </a:xfrm>
           <a:prstGeom prst="rect">
             <a:avLst/>
@@ -1246,8 +1248,8 @@
         </p:nvSpPr>
         <p:spPr>
           <a:xfrm>
-            <a:off x="504000" y="1769040"/>
-            <a:ext cx="4426560" cy="4384080"/>
+            <a:off x="504000" y="1768680"/>
+            <a:ext cx="4426920" cy="4384080"/>
           </a:xfrm>
           <a:prstGeom prst="rect">
             <a:avLst/>
@@ -1276,8 +1278,8 @@
         </p:nvSpPr>
         <p:spPr>
           <a:xfrm>
-            <a:off x="5152320" y="1769040"/>
-            <a:ext cx="4426560" cy="2090880"/>
+            <a:off x="5152680" y="1768680"/>
+            <a:ext cx="4426920" cy="2090880"/>
           </a:xfrm>
           <a:prstGeom prst="rect">
             <a:avLst/>
@@ -1306,8 +1308,8 @@
         </p:nvSpPr>
         <p:spPr>
           <a:xfrm>
-            <a:off x="5152320" y="4059000"/>
-            <a:ext cx="4426560" cy="2090880"/>
+            <a:off x="5152680" y="4058640"/>
+            <a:ext cx="4426920" cy="2090880"/>
           </a:xfrm>
           <a:prstGeom prst="rect">
             <a:avLst/>
@@ -1359,7 +1361,7 @@
         <p:spPr>
           <a:xfrm>
             <a:off x="504000" y="301320"/>
-            <a:ext cx="9071280" cy="637200"/>
+            <a:ext cx="9072000" cy="1261800"/>
           </a:xfrm>
           <a:prstGeom prst="rect">
             <a:avLst/>
@@ -1387,8 +1389,8 @@
         </p:nvSpPr>
         <p:spPr>
           <a:xfrm>
-            <a:off x="504000" y="1769040"/>
-            <a:ext cx="4426560" cy="2090880"/>
+            <a:off x="504000" y="1768680"/>
+            <a:ext cx="4426920" cy="2090880"/>
           </a:xfrm>
           <a:prstGeom prst="rect">
             <a:avLst/>
@@ -1417,8 +1419,8 @@
         </p:nvSpPr>
         <p:spPr>
           <a:xfrm>
-            <a:off x="5152320" y="1769040"/>
-            <a:ext cx="4426560" cy="2090880"/>
+            <a:off x="5152680" y="1768680"/>
+            <a:ext cx="4426920" cy="2090880"/>
           </a:xfrm>
           <a:prstGeom prst="rect">
             <a:avLst/>
@@ -1447,8 +1449,8 @@
         </p:nvSpPr>
         <p:spPr>
           <a:xfrm>
-            <a:off x="504000" y="4059000"/>
-            <a:ext cx="9071280" cy="2090880"/>
+            <a:off x="504000" y="4058640"/>
+            <a:ext cx="9072000" cy="2090880"/>
           </a:xfrm>
           <a:prstGeom prst="rect">
             <a:avLst/>
@@ -1500,7 +1502,7 @@
         <p:spPr>
           <a:xfrm>
             <a:off x="504000" y="301320"/>
-            <a:ext cx="9071280" cy="637200"/>
+            <a:ext cx="9072000" cy="1261800"/>
           </a:xfrm>
           <a:prstGeom prst="rect">
             <a:avLst/>
@@ -1528,8 +1530,8 @@
         </p:nvSpPr>
         <p:spPr>
           <a:xfrm>
-            <a:off x="504000" y="1769040"/>
-            <a:ext cx="9071280" cy="2090880"/>
+            <a:off x="504000" y="1768680"/>
+            <a:ext cx="9072000" cy="2090880"/>
           </a:xfrm>
           <a:prstGeom prst="rect">
             <a:avLst/>
@@ -1558,8 +1560,8 @@
         </p:nvSpPr>
         <p:spPr>
           <a:xfrm>
-            <a:off x="504000" y="4059000"/>
-            <a:ext cx="9071280" cy="2090880"/>
+            <a:off x="504000" y="4058640"/>
+            <a:ext cx="9072000" cy="2090880"/>
           </a:xfrm>
           <a:prstGeom prst="rect">
             <a:avLst/>
@@ -1611,7 +1613,7 @@
         <p:spPr>
           <a:xfrm>
             <a:off x="504000" y="301320"/>
-            <a:ext cx="9071280" cy="637200"/>
+            <a:ext cx="9072000" cy="1261800"/>
           </a:xfrm>
           <a:prstGeom prst="rect">
             <a:avLst/>
@@ -1639,8 +1641,8 @@
         </p:nvSpPr>
         <p:spPr>
           <a:xfrm>
-            <a:off x="504000" y="1769040"/>
-            <a:ext cx="4426560" cy="2090880"/>
+            <a:off x="504000" y="1768680"/>
+            <a:ext cx="4426920" cy="2090880"/>
           </a:xfrm>
           <a:prstGeom prst="rect">
             <a:avLst/>
@@ -1669,8 +1671,8 @@
         </p:nvSpPr>
         <p:spPr>
           <a:xfrm>
-            <a:off x="5152320" y="1769040"/>
-            <a:ext cx="4426560" cy="2090880"/>
+            <a:off x="5152680" y="1768680"/>
+            <a:ext cx="4426920" cy="2090880"/>
           </a:xfrm>
           <a:prstGeom prst="rect">
             <a:avLst/>
@@ -1699,8 +1701,8 @@
         </p:nvSpPr>
         <p:spPr>
           <a:xfrm>
-            <a:off x="504000" y="4059000"/>
-            <a:ext cx="4426560" cy="2090880"/>
+            <a:off x="504000" y="4058640"/>
+            <a:ext cx="4426920" cy="2090880"/>
           </a:xfrm>
           <a:prstGeom prst="rect">
             <a:avLst/>
@@ -1729,8 +1731,8 @@
         </p:nvSpPr>
         <p:spPr>
           <a:xfrm>
-            <a:off x="5152320" y="4059000"/>
-            <a:ext cx="4426560" cy="2090880"/>
+            <a:off x="5152680" y="4058640"/>
+            <a:ext cx="4426920" cy="2090880"/>
           </a:xfrm>
           <a:prstGeom prst="rect">
             <a:avLst/>
@@ -1782,7 +1784,7 @@
         <p:spPr>
           <a:xfrm>
             <a:off x="504000" y="301320"/>
-            <a:ext cx="9071280" cy="637200"/>
+            <a:ext cx="9072000" cy="1261800"/>
           </a:xfrm>
           <a:prstGeom prst="rect">
             <a:avLst/>
@@ -1810,8 +1812,8 @@
         </p:nvSpPr>
         <p:spPr>
           <a:xfrm>
-            <a:off x="504000" y="1769040"/>
-            <a:ext cx="2920680" cy="2090880"/>
+            <a:off x="504000" y="1768680"/>
+            <a:ext cx="2921040" cy="2090880"/>
           </a:xfrm>
           <a:prstGeom prst="rect">
             <a:avLst/>
@@ -1840,8 +1842,8 @@
         </p:nvSpPr>
         <p:spPr>
           <a:xfrm>
-            <a:off x="3571200" y="1769040"/>
-            <a:ext cx="2920680" cy="2090880"/>
+            <a:off x="3571560" y="1768680"/>
+            <a:ext cx="2921040" cy="2090880"/>
           </a:xfrm>
           <a:prstGeom prst="rect">
             <a:avLst/>
@@ -1870,8 +1872,8 @@
         </p:nvSpPr>
         <p:spPr>
           <a:xfrm>
-            <a:off x="6638040" y="1769040"/>
-            <a:ext cx="2920680" cy="2090880"/>
+            <a:off x="6639120" y="1768680"/>
+            <a:ext cx="2921040" cy="2090880"/>
           </a:xfrm>
           <a:prstGeom prst="rect">
             <a:avLst/>
@@ -1900,8 +1902,8 @@
         </p:nvSpPr>
         <p:spPr>
           <a:xfrm>
-            <a:off x="504000" y="4059000"/>
-            <a:ext cx="2920680" cy="2090880"/>
+            <a:off x="504000" y="4058640"/>
+            <a:ext cx="2921040" cy="2090880"/>
           </a:xfrm>
           <a:prstGeom prst="rect">
             <a:avLst/>
@@ -1930,8 +1932,8 @@
         </p:nvSpPr>
         <p:spPr>
           <a:xfrm>
-            <a:off x="3571200" y="4059000"/>
-            <a:ext cx="2920680" cy="2090880"/>
+            <a:off x="3571560" y="4058640"/>
+            <a:ext cx="2921040" cy="2090880"/>
           </a:xfrm>
           <a:prstGeom prst="rect">
             <a:avLst/>
@@ -1960,8 +1962,8 @@
         </p:nvSpPr>
         <p:spPr>
           <a:xfrm>
-            <a:off x="6638040" y="4059000"/>
-            <a:ext cx="2920680" cy="2090880"/>
+            <a:off x="6639120" y="4058640"/>
+            <a:ext cx="2921040" cy="2090880"/>
           </a:xfrm>
           <a:prstGeom prst="rect">
             <a:avLst/>
@@ -2013,7 +2015,7 @@
         <p:spPr>
           <a:xfrm>
             <a:off x="504000" y="301320"/>
-            <a:ext cx="9071280" cy="637200"/>
+            <a:ext cx="9072000" cy="1261800"/>
           </a:xfrm>
           <a:prstGeom prst="rect">
             <a:avLst/>
@@ -2041,8 +2043,8 @@
         </p:nvSpPr>
         <p:spPr>
           <a:xfrm>
-            <a:off x="504000" y="1769040"/>
-            <a:ext cx="9071280" cy="4384080"/>
+            <a:off x="504000" y="1768680"/>
+            <a:ext cx="9072000" cy="4384080"/>
           </a:xfrm>
           <a:prstGeom prst="rect">
             <a:avLst/>
@@ -2094,7 +2096,7 @@
         <p:spPr>
           <a:xfrm>
             <a:off x="504000" y="301320"/>
-            <a:ext cx="9071280" cy="637200"/>
+            <a:ext cx="9072000" cy="1261800"/>
           </a:xfrm>
           <a:prstGeom prst="rect">
             <a:avLst/>
@@ -2122,8 +2124,8 @@
         </p:nvSpPr>
         <p:spPr>
           <a:xfrm>
-            <a:off x="504000" y="1769040"/>
-            <a:ext cx="4426560" cy="4384080"/>
+            <a:off x="504000" y="1768680"/>
+            <a:ext cx="4426920" cy="4384080"/>
           </a:xfrm>
           <a:prstGeom prst="rect">
             <a:avLst/>
@@ -2152,8 +2154,8 @@
         </p:nvSpPr>
         <p:spPr>
           <a:xfrm>
-            <a:off x="5152320" y="1769040"/>
-            <a:ext cx="4426560" cy="4384080"/>
+            <a:off x="5152680" y="1768680"/>
+            <a:ext cx="4426920" cy="4384080"/>
           </a:xfrm>
           <a:prstGeom prst="rect">
             <a:avLst/>
@@ -2205,7 +2207,7 @@
         <p:spPr>
           <a:xfrm>
             <a:off x="504000" y="301320"/>
-            <a:ext cx="9071280" cy="637200"/>
+            <a:ext cx="9072000" cy="1261800"/>
           </a:xfrm>
           <a:prstGeom prst="rect">
             <a:avLst/>
@@ -2256,7 +2258,7 @@
         <p:spPr>
           <a:xfrm>
             <a:off x="504000" y="301320"/>
-            <a:ext cx="9071280" cy="2954880"/>
+            <a:ext cx="9072000" cy="5850360"/>
           </a:xfrm>
           <a:prstGeom prst="rect">
             <a:avLst/>
@@ -2307,7 +2309,7 @@
         <p:spPr>
           <a:xfrm>
             <a:off x="504000" y="301320"/>
-            <a:ext cx="9071280" cy="637200"/>
+            <a:ext cx="9072000" cy="1261800"/>
           </a:xfrm>
           <a:prstGeom prst="rect">
             <a:avLst/>
@@ -2335,8 +2337,8 @@
         </p:nvSpPr>
         <p:spPr>
           <a:xfrm>
-            <a:off x="504000" y="1769040"/>
-            <a:ext cx="4426560" cy="2090880"/>
+            <a:off x="504000" y="1768680"/>
+            <a:ext cx="4426920" cy="2090880"/>
           </a:xfrm>
           <a:prstGeom prst="rect">
             <a:avLst/>
@@ -2365,8 +2367,8 @@
         </p:nvSpPr>
         <p:spPr>
           <a:xfrm>
-            <a:off x="5152320" y="1769040"/>
-            <a:ext cx="4426560" cy="4384080"/>
+            <a:off x="5152680" y="1768680"/>
+            <a:ext cx="4426920" cy="4384080"/>
           </a:xfrm>
           <a:prstGeom prst="rect">
             <a:avLst/>
@@ -2395,8 +2397,8 @@
         </p:nvSpPr>
         <p:spPr>
           <a:xfrm>
-            <a:off x="504000" y="4059000"/>
-            <a:ext cx="4426560" cy="2090880"/>
+            <a:off x="504000" y="4058640"/>
+            <a:ext cx="4426920" cy="2090880"/>
           </a:xfrm>
           <a:prstGeom prst="rect">
             <a:avLst/>
@@ -2448,7 +2450,7 @@
         <p:spPr>
           <a:xfrm>
             <a:off x="504000" y="301320"/>
-            <a:ext cx="9071280" cy="637200"/>
+            <a:ext cx="9072000" cy="1261800"/>
           </a:xfrm>
           <a:prstGeom prst="rect">
             <a:avLst/>
@@ -2476,8 +2478,8 @@
         </p:nvSpPr>
         <p:spPr>
           <a:xfrm>
-            <a:off x="504000" y="1769040"/>
-            <a:ext cx="4426560" cy="4384080"/>
+            <a:off x="504000" y="1768680"/>
+            <a:ext cx="4426920" cy="4384080"/>
           </a:xfrm>
           <a:prstGeom prst="rect">
             <a:avLst/>
@@ -2506,8 +2508,8 @@
         </p:nvSpPr>
         <p:spPr>
           <a:xfrm>
-            <a:off x="5152320" y="1769040"/>
-            <a:ext cx="4426560" cy="2090880"/>
+            <a:off x="5152680" y="1768680"/>
+            <a:ext cx="4426920" cy="2090880"/>
           </a:xfrm>
           <a:prstGeom prst="rect">
             <a:avLst/>
@@ -2536,8 +2538,8 @@
         </p:nvSpPr>
         <p:spPr>
           <a:xfrm>
-            <a:off x="5152320" y="4059000"/>
-            <a:ext cx="4426560" cy="2090880"/>
+            <a:off x="5152680" y="4058640"/>
+            <a:ext cx="4426920" cy="2090880"/>
           </a:xfrm>
           <a:prstGeom prst="rect">
             <a:avLst/>
@@ -2589,7 +2591,7 @@
         <p:spPr>
           <a:xfrm>
             <a:off x="504000" y="301320"/>
-            <a:ext cx="9071280" cy="637200"/>
+            <a:ext cx="9072000" cy="1261800"/>
           </a:xfrm>
           <a:prstGeom prst="rect">
             <a:avLst/>
@@ -2617,8 +2619,8 @@
         </p:nvSpPr>
         <p:spPr>
           <a:xfrm>
-            <a:off x="504000" y="1769040"/>
-            <a:ext cx="4426560" cy="2090880"/>
+            <a:off x="504000" y="1768680"/>
+            <a:ext cx="4426920" cy="2090880"/>
           </a:xfrm>
           <a:prstGeom prst="rect">
             <a:avLst/>
@@ -2647,8 +2649,8 @@
         </p:nvSpPr>
         <p:spPr>
           <a:xfrm>
-            <a:off x="5152320" y="1769040"/>
-            <a:ext cx="4426560" cy="2090880"/>
+            <a:off x="5152680" y="1768680"/>
+            <a:ext cx="4426920" cy="2090880"/>
           </a:xfrm>
           <a:prstGeom prst="rect">
             <a:avLst/>
@@ -2677,8 +2679,8 @@
         </p:nvSpPr>
         <p:spPr>
           <a:xfrm>
-            <a:off x="504000" y="4059000"/>
-            <a:ext cx="9071280" cy="2090880"/>
+            <a:off x="504000" y="4058640"/>
+            <a:ext cx="9072000" cy="2090880"/>
           </a:xfrm>
           <a:prstGeom prst="rect">
             <a:avLst/>
@@ -2730,7 +2732,7 @@
         <p:spPr>
           <a:xfrm>
             <a:off x="0" y="5806440"/>
-            <a:ext cx="10079280" cy="1753920"/>
+            <a:ext cx="10078920" cy="1753560"/>
           </a:xfrm>
           <a:prstGeom prst="rect">
             <a:avLst/>
@@ -2753,7 +2755,7 @@
         <p:spPr>
           <a:xfrm>
             <a:off x="504000" y="301320"/>
-            <a:ext cx="9071280" cy="637200"/>
+            <a:ext cx="9070920" cy="636840"/>
           </a:xfrm>
           <a:prstGeom prst="rect">
             <a:avLst/>
@@ -2762,14 +2764,13 @@
         <p:txBody>
           <a:bodyPr lIns="0" rIns="0" tIns="0" bIns="0" anchor="ctr"/>
           <a:p>
-            <a:pPr algn="ctr"/>
             <a:r>
-              <a:rPr b="0" lang="en-IE" sz="4400" spc="-1" strike="noStrike">
+              <a:rPr b="0" lang="en-IE" sz="1800" spc="-1" strike="noStrike">
                 <a:latin typeface="Arial"/>
               </a:rPr>
               <a:t>Click to edit the title text format</a:t>
             </a:r>
-            <a:endParaRPr b="0" lang="en-IE" sz="4400" spc="-1" strike="noStrike">
+            <a:endParaRPr b="0" lang="en-IE" sz="1800" spc="-1" strike="noStrike">
               <a:latin typeface="Arial"/>
             </a:endParaRPr>
           </a:p>
@@ -3000,7 +3001,7 @@
         <p:spPr>
           <a:xfrm>
             <a:off x="0" y="0"/>
-            <a:ext cx="10076400" cy="941400"/>
+            <a:ext cx="10076040" cy="941040"/>
           </a:xfrm>
           <a:prstGeom prst="rect">
             <a:avLst/>
@@ -3036,7 +3037,7 @@
         <p:spPr>
           <a:xfrm>
             <a:off x="0" y="6620400"/>
-            <a:ext cx="10076400" cy="941400"/>
+            <a:ext cx="10076040" cy="941040"/>
           </a:xfrm>
           <a:prstGeom prst="rect">
             <a:avLst/>
@@ -3076,7 +3077,7 @@
         <p:spPr>
           <a:xfrm>
             <a:off x="504000" y="301320"/>
-            <a:ext cx="9071280" cy="637200"/>
+            <a:ext cx="9072000" cy="1261800"/>
           </a:xfrm>
           <a:prstGeom prst="rect">
             <a:avLst/>
@@ -3110,8 +3111,8 @@
         </p:nvSpPr>
         <p:spPr>
           <a:xfrm>
-            <a:off x="504000" y="1769040"/>
-            <a:ext cx="9071280" cy="4384080"/>
+            <a:off x="504000" y="1768680"/>
+            <a:ext cx="9072000" cy="4384080"/>
           </a:xfrm>
           <a:prstGeom prst="rect">
             <a:avLst/>
@@ -3323,7 +3324,7 @@
         <p:spPr>
           <a:xfrm>
             <a:off x="0" y="2341080"/>
-            <a:ext cx="9071280" cy="1261800"/>
+            <a:ext cx="9070920" cy="1261440"/>
           </a:xfrm>
           <a:prstGeom prst="rect">
             <a:avLst/>
@@ -3353,8 +3354,9 @@
                   <a:srgbClr val="006699"/>
                 </a:solidFill>
                 <a:latin typeface="Arial"/>
+                <a:ea typeface="DejaVu Sans"/>
               </a:rPr>
-              <a:t>Trading Strategies with Python</a:t>
+              <a:t>Data Visualization with Python</a:t>
             </a:r>
             <a:endParaRPr b="0" lang="en-IE" sz="4400" spc="-1" strike="noStrike">
               <a:latin typeface="Arial"/>
@@ -3420,7 +3422,7 @@
         <p:spPr>
           <a:xfrm>
             <a:off x="504000" y="301320"/>
-            <a:ext cx="9071280" cy="637200"/>
+            <a:ext cx="9070920" cy="636840"/>
           </a:xfrm>
           <a:prstGeom prst="rect">
             <a:avLst/>
@@ -3450,8 +3452,9 @@
                   <a:srgbClr val="ffffff"/>
                 </a:solidFill>
                 <a:latin typeface="Arial"/>
+                <a:ea typeface="DejaVu Sans"/>
               </a:rPr>
-              <a:t>Implenting Trading Strategies</a:t>
+              <a:t>Data Visualization</a:t>
             </a:r>
             <a:endParaRPr b="0" lang="en-IE" sz="4400" spc="-1" strike="noStrike">
               <a:latin typeface="Arial"/>
@@ -3468,7 +3471,7 @@
         <p:spPr>
           <a:xfrm>
             <a:off x="504000" y="1769040"/>
-            <a:ext cx="9071280" cy="4384080"/>
+            <a:ext cx="9070920" cy="4383720"/>
           </a:xfrm>
           <a:prstGeom prst="rect">
             <a:avLst/>
@@ -3487,7 +3490,20 @@
         <p:txBody>
           <a:bodyPr lIns="0" rIns="0" tIns="0" bIns="0"/>
           <a:p>
-            <a:pPr marL="432000" indent="-323640">
+            <a:pPr>
+              <a:lnSpc>
+                <a:spcPct val="100000"/>
+              </a:lnSpc>
+              <a:spcBef>
+                <a:spcPts val="1417"/>
+              </a:spcBef>
+            </a:pPr>
+            <a:endParaRPr b="0" lang="en-IE" sz="1800" spc="-1" strike="noStrike">
+              <a:latin typeface="Arial"/>
+            </a:endParaRPr>
+          </a:p>
+          <a:p>
+            <a:pPr marL="432000" indent="-323280">
               <a:lnSpc>
                 <a:spcPct val="100000"/>
               </a:lnSpc>
@@ -3507,37 +3523,43 @@
                   <a:srgbClr val="0066cc"/>
                 </a:solidFill>
                 <a:latin typeface="Arial"/>
+                <a:ea typeface="DejaVu Sans"/>
               </a:rPr>
-              <a:t>We can also calculate the volatility of the commodity by calculating the standard deviation of the 21 day rolling average. </a:t>
+              <a:t>Note that the previous example showcases a powerful feature of the Python language known as </a:t>
+            </a:r>
+            <a:r>
+              <a:rPr b="0" i="1" lang="en-IE" sz="3200" spc="-1" strike="noStrike">
+                <a:solidFill>
+                  <a:srgbClr val="0066cc"/>
+                </a:solidFill>
+                <a:latin typeface="Arial"/>
+                <a:ea typeface="DejaVu Sans"/>
+              </a:rPr>
+              <a:t>list comprehension</a:t>
+            </a:r>
+            <a:r>
+              <a:rPr b="0" lang="en-IE" sz="3200" spc="-1" strike="noStrike">
+                <a:solidFill>
+                  <a:srgbClr val="0066cc"/>
+                </a:solidFill>
+                <a:latin typeface="Arial"/>
+                <a:ea typeface="DejaVu Sans"/>
+              </a:rPr>
+              <a:t>.  List comprehension allows us to build lists programmatically in a compact fashion. </a:t>
             </a:r>
             <a:endParaRPr b="0" lang="en-IE" sz="3200" spc="-1" strike="noStrike">
               <a:latin typeface="Arial"/>
             </a:endParaRPr>
           </a:p>
           <a:p>
-            <a:pPr marL="432000" indent="-323640">
+            <a:pPr>
               <a:lnSpc>
                 <a:spcPct val="100000"/>
               </a:lnSpc>
               <a:spcBef>
                 <a:spcPts val="1417"/>
               </a:spcBef>
-              <a:buClr>
-                <a:srgbClr val="000000"/>
-              </a:buClr>
-              <a:buSzPct val="45000"/>
-              <a:buFont typeface="Wingdings" charset="2"/>
-              <a:buChar char=""/>
-            </a:pPr>
-            <a:r>
-              <a:rPr b="0" lang="en-IE" sz="3200" spc="-1" strike="noStrike">
-                <a:solidFill>
-                  <a:srgbClr val="0066cc"/>
-                </a:solidFill>
-                <a:latin typeface="Arial"/>
-              </a:rPr>
-              <a:t>Plotting a histogram of this data shows a trend towards negative volatility (i.e. prices trending downward) than positive volatility.  </a:t>
-            </a:r>
+            </a:pPr>
             <a:endParaRPr b="0" lang="en-IE" sz="3200" spc="-1" strike="noStrike">
               <a:latin typeface="Arial"/>
             </a:endParaRPr>
@@ -3602,7 +3624,7 @@
         <p:spPr>
           <a:xfrm>
             <a:off x="504000" y="301320"/>
-            <a:ext cx="9071280" cy="637200"/>
+            <a:ext cx="9070920" cy="636840"/>
           </a:xfrm>
           <a:prstGeom prst="rect">
             <a:avLst/>
@@ -3632,8 +3654,9 @@
                   <a:srgbClr val="ffffff"/>
                 </a:solidFill>
                 <a:latin typeface="Arial"/>
+                <a:ea typeface="DejaVu Sans"/>
               </a:rPr>
-              <a:t>Implenting Trading Strategies</a:t>
+              <a:t>Data Visualization</a:t>
             </a:r>
             <a:endParaRPr b="0" lang="en-IE" sz="4400" spc="-1" strike="noStrike">
               <a:latin typeface="Arial"/>
@@ -3650,7 +3673,7 @@
         <p:spPr>
           <a:xfrm>
             <a:off x="504000" y="1769040"/>
-            <a:ext cx="9071280" cy="4384080"/>
+            <a:ext cx="9070920" cy="4383720"/>
           </a:xfrm>
           <a:prstGeom prst="rect">
             <a:avLst/>
@@ -3669,7 +3692,20 @@
         <p:txBody>
           <a:bodyPr lIns="0" rIns="0" tIns="0" bIns="0"/>
           <a:p>
-            <a:pPr marL="432000" indent="-323640">
+            <a:pPr>
+              <a:lnSpc>
+                <a:spcPct val="100000"/>
+              </a:lnSpc>
+              <a:spcBef>
+                <a:spcPts val="1417"/>
+              </a:spcBef>
+            </a:pPr>
+            <a:endParaRPr b="0" lang="en-IE" sz="1800" spc="-1" strike="noStrike">
+              <a:latin typeface="Arial"/>
+            </a:endParaRPr>
+          </a:p>
+          <a:p>
+            <a:pPr marL="432000" indent="-323280">
               <a:lnSpc>
                 <a:spcPct val="100000"/>
               </a:lnSpc>
@@ -3689,15 +3725,36 @@
                   <a:srgbClr val="0066cc"/>
                 </a:solidFill>
                 <a:latin typeface="Arial"/>
+                <a:ea typeface="DejaVu Sans"/>
               </a:rPr>
-              <a:t>Finally we can calculate the magnitude of the change (The expected change modeled by taking the standard deviation vs the actual change represented by empirical data).</a:t>
+              <a:t>Many times, it is useful to create multiple plots rather than having all of the plots on a single graph.  To do this, we use the </a:t>
+            </a:r>
+            <a:r>
+              <a:rPr b="0" i="1" lang="en-IE" sz="3200" spc="-1" strike="noStrike">
+                <a:solidFill>
+                  <a:srgbClr val="0066cc"/>
+                </a:solidFill>
+                <a:latin typeface="Arial"/>
+                <a:ea typeface="DejaVu Sans"/>
+              </a:rPr>
+              <a:t>subplot() </a:t>
+            </a:r>
+            <a:r>
+              <a:rPr b="0" lang="en-IE" sz="3200" spc="-1" strike="noStrike">
+                <a:solidFill>
+                  <a:srgbClr val="0066cc"/>
+                </a:solidFill>
+                <a:latin typeface="Arial"/>
+                <a:ea typeface="DejaVu Sans"/>
+              </a:rPr>
+              <a:t>method from matplotlib.pyplot. </a:t>
             </a:r>
             <a:endParaRPr b="0" lang="en-IE" sz="3200" spc="-1" strike="noStrike">
               <a:latin typeface="Arial"/>
             </a:endParaRPr>
           </a:p>
           <a:p>
-            <a:pPr marL="432000" indent="-323640">
+            <a:pPr marL="432000" indent="-323280">
               <a:lnSpc>
                 <a:spcPct val="100000"/>
               </a:lnSpc>
@@ -3717,8 +3774,9 @@
                   <a:srgbClr val="0066cc"/>
                 </a:solidFill>
                 <a:latin typeface="Arial"/>
+                <a:ea typeface="DejaVu Sans"/>
               </a:rPr>
-              <a:t>Using these values can indicate to us a trading strategy that we can use to decide whether to buy, hold or sell the commodity. </a:t>
+              <a:t>For example:</a:t>
             </a:r>
             <a:endParaRPr b="0" lang="en-IE" sz="3200" spc="-1" strike="noStrike">
               <a:latin typeface="Arial"/>
@@ -3784,7 +3842,7 @@
         <p:spPr>
           <a:xfrm>
             <a:off x="504000" y="301320"/>
-            <a:ext cx="9071280" cy="637200"/>
+            <a:ext cx="9070920" cy="636840"/>
           </a:xfrm>
           <a:prstGeom prst="rect">
             <a:avLst/>
@@ -3814,8 +3872,9 @@
                   <a:srgbClr val="ffffff"/>
                 </a:solidFill>
                 <a:latin typeface="Arial"/>
+                <a:ea typeface="DejaVu Sans"/>
               </a:rPr>
-              <a:t>Regression and Classification Algorithms</a:t>
+              <a:t>Data Visualization</a:t>
             </a:r>
             <a:endParaRPr b="0" lang="en-IE" sz="4400" spc="-1" strike="noStrike">
               <a:latin typeface="Arial"/>
@@ -3832,7 +3891,7 @@
         <p:spPr>
           <a:xfrm>
             <a:off x="504000" y="1769040"/>
-            <a:ext cx="9071280" cy="4384080"/>
+            <a:ext cx="9070920" cy="4383720"/>
           </a:xfrm>
           <a:prstGeom prst="rect">
             <a:avLst/>
@@ -3851,127 +3910,324 @@
         <p:txBody>
           <a:bodyPr lIns="0" rIns="0" tIns="0" bIns="0"/>
           <a:p>
-            <a:pPr marL="432000" indent="-323640">
+            <a:pPr>
               <a:lnSpc>
                 <a:spcPct val="100000"/>
               </a:lnSpc>
               <a:spcBef>
                 <a:spcPts val="1417"/>
               </a:spcBef>
-              <a:buClr>
-                <a:srgbClr val="000000"/>
-              </a:buClr>
-              <a:buSzPct val="45000"/>
-              <a:buFont typeface="Wingdings" charset="2"/>
-              <a:buChar char=""/>
-            </a:pPr>
-            <a:r>
-              <a:rPr b="0" lang="en-IE" sz="3200" spc="-1" strike="noStrike">
-                <a:solidFill>
-                  <a:srgbClr val="0066cc"/>
-                </a:solidFill>
-                <a:latin typeface="Arial"/>
-              </a:rPr>
-              <a:t>There are a number of algorithms that we can use to determine our trading strategy. </a:t>
-            </a:r>
-            <a:endParaRPr b="0" lang="en-IE" sz="3200" spc="-1" strike="noStrike">
-              <a:latin typeface="Arial"/>
-            </a:endParaRPr>
-          </a:p>
-          <a:p>
-            <a:pPr marL="432000" indent="-323640">
+            </a:pPr>
+            <a:endParaRPr b="0" lang="en-IE" sz="1800" spc="-1" strike="noStrike">
+              <a:latin typeface="Arial"/>
+            </a:endParaRPr>
+          </a:p>
+          <a:p>
+            <a:pPr>
               <a:lnSpc>
                 <a:spcPct val="100000"/>
               </a:lnSpc>
               <a:spcBef>
                 <a:spcPts val="1417"/>
               </a:spcBef>
-              <a:buClr>
-                <a:srgbClr val="000000"/>
-              </a:buClr>
-              <a:buSzPct val="45000"/>
-              <a:buFont typeface="Wingdings" charset="2"/>
-              <a:buChar char=""/>
-            </a:pPr>
-            <a:r>
-              <a:rPr b="0" lang="en-IE" sz="3200" spc="-1" strike="noStrike">
-                <a:solidFill>
-                  <a:srgbClr val="0066cc"/>
-                </a:solidFill>
-                <a:latin typeface="Arial"/>
-              </a:rPr>
-              <a:t>These algorithms are usually either </a:t>
-            </a:r>
-            <a:r>
-              <a:rPr b="0" i="1" lang="en-IE" sz="3200" spc="-1" strike="noStrike">
-                <a:solidFill>
-                  <a:srgbClr val="0066cc"/>
-                </a:solidFill>
-                <a:latin typeface="Arial"/>
-              </a:rPr>
-              <a:t>predictive</a:t>
-            </a:r>
-            <a:r>
-              <a:rPr b="0" lang="en-IE" sz="3200" spc="-1" strike="noStrike">
-                <a:solidFill>
-                  <a:srgbClr val="0066cc"/>
-                </a:solidFill>
-                <a:latin typeface="Arial"/>
-              </a:rPr>
-              <a:t> i.e.a regression algorithm, or </a:t>
-            </a:r>
-            <a:r>
-              <a:rPr b="0" i="1" lang="en-IE" sz="3200" spc="-1" strike="noStrike">
-                <a:solidFill>
-                  <a:srgbClr val="0066cc"/>
-                </a:solidFill>
-                <a:latin typeface="Arial"/>
-              </a:rPr>
-              <a:t>categorical</a:t>
-            </a:r>
-            <a:r>
-              <a:rPr b="0" lang="en-IE" sz="3200" spc="-1" strike="noStrike">
-                <a:solidFill>
-                  <a:srgbClr val="0066cc"/>
-                </a:solidFill>
-                <a:latin typeface="Arial"/>
-              </a:rPr>
-              <a:t>. </a:t>
-            </a:r>
-            <a:endParaRPr b="0" lang="en-IE" sz="3200" spc="-1" strike="noStrike">
-              <a:latin typeface="Arial"/>
-            </a:endParaRPr>
-          </a:p>
-          <a:p>
-            <a:pPr marL="432000" indent="-323640">
-              <a:lnSpc>
-                <a:spcPct val="100000"/>
-              </a:lnSpc>
-              <a:spcBef>
-                <a:spcPts val="1417"/>
-              </a:spcBef>
-              <a:buClr>
-                <a:srgbClr val="000000"/>
-              </a:buClr>
-              <a:buSzPct val="45000"/>
-              <a:buFont typeface="Wingdings" charset="2"/>
-              <a:buChar char=""/>
-            </a:pPr>
-            <a:r>
-              <a:rPr b="0" lang="en-IE" sz="3200" spc="-1" strike="noStrike">
-                <a:solidFill>
-                  <a:srgbClr val="0066cc"/>
-                </a:solidFill>
-                <a:latin typeface="Arial"/>
-              </a:rPr>
-              <a:t>We’ll look at a sample of different algorithms that we can employ to determine our optimal trading strategy</a:t>
-            </a:r>
-            <a:endParaRPr b="0" lang="en-IE" sz="3200" spc="-1" strike="noStrike">
-              <a:latin typeface="Arial"/>
-            </a:endParaRPr>
-          </a:p>
-        </p:txBody>
-      </p:sp>
+            </a:pPr>
+            <a:endParaRPr b="0" lang="en-IE" sz="1800" spc="-1" strike="noStrike">
+              <a:latin typeface="Arial"/>
+            </a:endParaRPr>
+          </a:p>
+        </p:txBody>
+      </p:sp>
+      <p:graphicFrame>
+        <p:nvGraphicFramePr>
+          <p:cNvPr id="105" name="Table 3"/>
+          <p:cNvGraphicFramePr/>
+          <p:nvPr/>
+        </p:nvGraphicFramePr>
+        <p:xfrm>
+          <a:off x="298440" y="1764000"/>
+          <a:ext cx="9421560" cy="1754640"/>
+        </p:xfrm>
+        <a:graphic>
+          <a:graphicData uri="http://schemas.openxmlformats.org/drawingml/2006/table">
+            <a:tbl>
+              <a:tblPr/>
+              <a:tblGrid>
+                <a:gridCol w="9421920"/>
+              </a:tblGrid>
+              <a:tr h="1755000">
+                <a:tc>
+                  <a:txBody>
+                    <a:bodyPr lIns="90000" rIns="90000"/>
+                    <a:p>
+                      <a:pPr>
+                        <a:lnSpc>
+                          <a:spcPct val="100000"/>
+                        </a:lnSpc>
+                      </a:pPr>
+                      <a:r>
+                        <a:rPr b="0" lang="en-IE" sz="1600" spc="-1" strike="noStrike">
+                          <a:latin typeface="Courier New"/>
+                        </a:rPr>
+                        <a:t>import numpy as np</a:t>
+                      </a:r>
+                      <a:endParaRPr b="0" lang="en-IE" sz="1600" spc="-1" strike="noStrike">
+                        <a:latin typeface="Arial"/>
+                      </a:endParaRPr>
+                    </a:p>
+                    <a:p>
+                      <a:pPr>
+                        <a:lnSpc>
+                          <a:spcPct val="100000"/>
+                        </a:lnSpc>
+                      </a:pPr>
+                      <a:r>
+                        <a:rPr b="0" lang="en-IE" sz="1600" spc="-1" strike="noStrike">
+                          <a:latin typeface="Courier New"/>
+                        </a:rPr>
+                        <a:t>import matplotlib.pyplot as plt</a:t>
+                      </a:r>
+                      <a:endParaRPr b="0" lang="en-IE" sz="1600" spc="-1" strike="noStrike">
+                        <a:latin typeface="Arial"/>
+                      </a:endParaRPr>
+                    </a:p>
+                    <a:p>
+                      <a:pPr>
+                        <a:lnSpc>
+                          <a:spcPct val="100000"/>
+                        </a:lnSpc>
+                      </a:pPr>
+                      <a:endParaRPr b="0" lang="en-IE" sz="1600" spc="-1" strike="noStrike">
+                        <a:latin typeface="Arial"/>
+                      </a:endParaRPr>
+                    </a:p>
+                    <a:p>
+                      <a:pPr>
+                        <a:lnSpc>
+                          <a:spcPct val="100000"/>
+                        </a:lnSpc>
+                      </a:pPr>
+                      <a:r>
+                        <a:rPr b="0" lang="en-IE" sz="1600" spc="-1" strike="noStrike">
+                          <a:latin typeface="Courier New"/>
+                        </a:rPr>
+                        <a:t>def f(t):</a:t>
+                      </a:r>
+                      <a:endParaRPr b="0" lang="en-IE" sz="1600" spc="-1" strike="noStrike">
+                        <a:latin typeface="Arial"/>
+                      </a:endParaRPr>
+                    </a:p>
+                    <a:p>
+                      <a:pPr>
+                        <a:lnSpc>
+                          <a:spcPct val="100000"/>
+                        </a:lnSpc>
+                      </a:pPr>
+                      <a:r>
+                        <a:rPr b="0" lang="en-IE" sz="1600" spc="-1" strike="noStrike">
+                          <a:latin typeface="Courier New"/>
+                        </a:rPr>
+                        <a:t>    </a:t>
+                      </a:r>
+                      <a:r>
+                        <a:rPr b="0" lang="en-IE" sz="1600" spc="-1" strike="noStrike">
+                          <a:latin typeface="Courier New"/>
+                        </a:rPr>
+                        <a:t>return np.exp(-t) * np.cos(2*np.pi*t)</a:t>
+                      </a:r>
+                      <a:endParaRPr b="0" lang="en-IE" sz="1600" spc="-1" strike="noStrike">
+                        <a:latin typeface="Arial"/>
+                      </a:endParaRPr>
+                    </a:p>
+                    <a:p>
+                      <a:pPr>
+                        <a:lnSpc>
+                          <a:spcPct val="100000"/>
+                        </a:lnSpc>
+                      </a:pPr>
+                      <a:endParaRPr b="0" lang="en-IE" sz="1600" spc="-1" strike="noStrike">
+                        <a:latin typeface="Arial"/>
+                      </a:endParaRPr>
+                    </a:p>
+                    <a:p>
+                      <a:pPr>
+                        <a:lnSpc>
+                          <a:spcPct val="100000"/>
+                        </a:lnSpc>
+                      </a:pPr>
+                      <a:r>
+                        <a:rPr b="0" lang="en-IE" sz="1600" spc="-1" strike="noStrike">
+                          <a:latin typeface="Courier New"/>
+                        </a:rPr>
+                        <a:t>t1 = np.arange(0.0, 5.0, 0.1)</a:t>
+                      </a:r>
+                      <a:endParaRPr b="0" lang="en-IE" sz="1600" spc="-1" strike="noStrike">
+                        <a:latin typeface="Arial"/>
+                      </a:endParaRPr>
+                    </a:p>
+                    <a:p>
+                      <a:pPr>
+                        <a:lnSpc>
+                          <a:spcPct val="100000"/>
+                        </a:lnSpc>
+                      </a:pPr>
+                      <a:r>
+                        <a:rPr b="0" lang="en-IE" sz="1600" spc="-1" strike="noStrike">
+                          <a:latin typeface="Courier New"/>
+                        </a:rPr>
+                        <a:t>t2 = np.arange(0.0, 5.0, 0.02)</a:t>
+                      </a:r>
+                      <a:endParaRPr b="0" lang="en-IE" sz="1600" spc="-1" strike="noStrike">
+                        <a:latin typeface="Arial"/>
+                      </a:endParaRPr>
+                    </a:p>
+                    <a:p>
+                      <a:pPr>
+                        <a:lnSpc>
+                          <a:spcPct val="100000"/>
+                        </a:lnSpc>
+                      </a:pPr>
+                      <a:endParaRPr b="0" lang="en-IE" sz="1600" spc="-1" strike="noStrike">
+                        <a:latin typeface="Arial"/>
+                      </a:endParaRPr>
+                    </a:p>
+                    <a:p>
+                      <a:pPr>
+                        <a:lnSpc>
+                          <a:spcPct val="100000"/>
+                        </a:lnSpc>
+                      </a:pPr>
+                      <a:r>
+                        <a:rPr b="0" lang="en-IE" sz="1600" spc="-1" strike="noStrike">
+                          <a:latin typeface="Courier New"/>
+                        </a:rPr>
+                        <a:t>plt.figure(1)</a:t>
+                      </a:r>
+                      <a:endParaRPr b="0" lang="en-IE" sz="1600" spc="-1" strike="noStrike">
+                        <a:latin typeface="Arial"/>
+                      </a:endParaRPr>
+                    </a:p>
+                    <a:p>
+                      <a:pPr>
+                        <a:lnSpc>
+                          <a:spcPct val="100000"/>
+                        </a:lnSpc>
+                      </a:pPr>
+                      <a:r>
+                        <a:rPr b="0" lang="en-IE" sz="1600" spc="-1" strike="noStrike">
+                          <a:latin typeface="Courier New"/>
+                        </a:rPr>
+                        <a:t>plt.subplot(211)</a:t>
+                      </a:r>
+                      <a:endParaRPr b="0" lang="en-IE" sz="1600" spc="-1" strike="noStrike">
+                        <a:latin typeface="Arial"/>
+                      </a:endParaRPr>
+                    </a:p>
+                    <a:p>
+                      <a:pPr>
+                        <a:lnSpc>
+                          <a:spcPct val="100000"/>
+                        </a:lnSpc>
+                      </a:pPr>
+                      <a:r>
+                        <a:rPr b="0" lang="en-IE" sz="1600" spc="-1" strike="noStrike">
+                          <a:latin typeface="Courier New"/>
+                        </a:rPr>
+                        <a:t>plt.plot(t1, f(t1), 'bo', t2, f(t2), 'k')</a:t>
+                      </a:r>
+                      <a:endParaRPr b="0" lang="en-IE" sz="1600" spc="-1" strike="noStrike">
+                        <a:latin typeface="Arial"/>
+                      </a:endParaRPr>
+                    </a:p>
+                    <a:p>
+                      <a:pPr>
+                        <a:lnSpc>
+                          <a:spcPct val="100000"/>
+                        </a:lnSpc>
+                      </a:pPr>
+                      <a:endParaRPr b="0" lang="en-IE" sz="1600" spc="-1" strike="noStrike">
+                        <a:latin typeface="Arial"/>
+                      </a:endParaRPr>
+                    </a:p>
+                    <a:p>
+                      <a:pPr>
+                        <a:lnSpc>
+                          <a:spcPct val="100000"/>
+                        </a:lnSpc>
+                      </a:pPr>
+                      <a:r>
+                        <a:rPr b="0" lang="en-IE" sz="1600" spc="-1" strike="noStrike">
+                          <a:latin typeface="Courier New"/>
+                        </a:rPr>
+                        <a:t>plt.subplot(212)</a:t>
+                      </a:r>
+                      <a:endParaRPr b="0" lang="en-IE" sz="1600" spc="-1" strike="noStrike">
+                        <a:latin typeface="Arial"/>
+                      </a:endParaRPr>
+                    </a:p>
+                    <a:p>
+                      <a:pPr>
+                        <a:lnSpc>
+                          <a:spcPct val="100000"/>
+                        </a:lnSpc>
+                      </a:pPr>
+                      <a:r>
+                        <a:rPr b="0" lang="en-IE" sz="1600" spc="-1" strike="noStrike">
+                          <a:latin typeface="Courier New"/>
+                        </a:rPr>
+                        <a:t>plt.plot(t2, np.cos(2*np.pi*t2), 'r--')</a:t>
+                      </a:r>
+                      <a:endParaRPr b="0" lang="en-IE" sz="1600" spc="-1" strike="noStrike">
+                        <a:latin typeface="Arial"/>
+                      </a:endParaRPr>
+                    </a:p>
+                    <a:p>
+                      <a:pPr>
+                        <a:lnSpc>
+                          <a:spcPct val="100000"/>
+                        </a:lnSpc>
+                      </a:pPr>
+                      <a:r>
+                        <a:rPr b="0" lang="en-IE" sz="1600" spc="-1" strike="noStrike">
+                          <a:latin typeface="Courier New"/>
+                        </a:rPr>
+                        <a:t>plt.show()</a:t>
+                      </a:r>
+                      <a:endParaRPr b="0" lang="en-IE" sz="1600" spc="-1" strike="noStrike">
+                        <a:latin typeface="Arial"/>
+                      </a:endParaRPr>
+                    </a:p>
+                  </a:txBody>
+                  <a:tcPr marL="90000" marR="90000">
+                    <a:lnL w="720">
+                      <a:solidFill>
+                        <a:srgbClr val="ffffff"/>
+                      </a:solidFill>
+                    </a:lnL>
+                    <a:lnR w="720">
+                      <a:solidFill>
+                        <a:srgbClr val="ffffff"/>
+                      </a:solidFill>
+                    </a:lnR>
+                    <a:lnT w="720">
+                      <a:solidFill>
+                        <a:srgbClr val="ffffff"/>
+                      </a:solidFill>
+                    </a:lnT>
+                    <a:lnB w="720">
+                      <a:solidFill>
+                        <a:srgbClr val="ffffff"/>
+                      </a:solidFill>
+                    </a:lnB>
+                    <a:solidFill>
+                      <a:srgbClr val="b3b3b3"/>
+                    </a:solidFill>
+                  </a:tcPr>
+                </a:tc>
+              </a:tr>
+            </a:tbl>
+          </a:graphicData>
+        </a:graphic>
+      </p:graphicFrame>
     </p:spTree>
   </p:cSld>
   <p:timing>
@@ -4023,14 +4279,14 @@
       </p:grpSpPr>
       <p:sp>
         <p:nvSpPr>
-          <p:cNvPr id="105" name="CustomShape 1"/>
+          <p:cNvPr id="106" name="CustomShape 1"/>
           <p:cNvSpPr/>
           <p:nvPr/>
         </p:nvSpPr>
         <p:spPr>
           <a:xfrm>
             <a:off x="504000" y="301320"/>
-            <a:ext cx="9071280" cy="637200"/>
+            <a:ext cx="9070920" cy="636840"/>
           </a:xfrm>
           <a:prstGeom prst="rect">
             <a:avLst/>
@@ -4060,8 +4316,9 @@
                   <a:srgbClr val="ffffff"/>
                 </a:solidFill>
                 <a:latin typeface="Arial"/>
+                <a:ea typeface="DejaVu Sans"/>
               </a:rPr>
-              <a:t>Implenting Trading Strategies</a:t>
+              <a:t>Data Visualization</a:t>
             </a:r>
             <a:endParaRPr b="0" lang="en-IE" sz="4400" spc="-1" strike="noStrike">
               <a:latin typeface="Arial"/>
@@ -4071,14 +4328,14 @@
       </p:sp>
       <p:sp>
         <p:nvSpPr>
-          <p:cNvPr id="106" name="CustomShape 2"/>
+          <p:cNvPr id="107" name="CustomShape 2"/>
           <p:cNvSpPr/>
           <p:nvPr/>
         </p:nvSpPr>
         <p:spPr>
           <a:xfrm>
             <a:off x="504000" y="1769040"/>
-            <a:ext cx="9071280" cy="4384080"/>
+            <a:ext cx="9070920" cy="4383720"/>
           </a:xfrm>
           <a:prstGeom prst="rect">
             <a:avLst/>
@@ -4097,7 +4354,20 @@
         <p:txBody>
           <a:bodyPr lIns="0" rIns="0" tIns="0" bIns="0"/>
           <a:p>
-            <a:pPr marL="432000" indent="-323640">
+            <a:pPr>
+              <a:lnSpc>
+                <a:spcPct val="100000"/>
+              </a:lnSpc>
+              <a:spcBef>
+                <a:spcPts val="1417"/>
+              </a:spcBef>
+            </a:pPr>
+            <a:endParaRPr b="0" lang="en-IE" sz="1800" spc="-1" strike="noStrike">
+              <a:latin typeface="Arial"/>
+            </a:endParaRPr>
+          </a:p>
+          <a:p>
+            <a:pPr marL="432000" indent="-323280">
               <a:lnSpc>
                 <a:spcPct val="100000"/>
               </a:lnSpc>
@@ -4117,15 +4387,16 @@
                   <a:srgbClr val="0066cc"/>
                 </a:solidFill>
                 <a:latin typeface="Arial"/>
+                <a:ea typeface="DejaVu Sans"/>
               </a:rPr>
-              <a:t>The previous set of slides gave some ideas on how to collect or compute the appropriate data sets. </a:t>
+              <a:t>There are a number of things to note in the previous example</a:t>
             </a:r>
             <a:endParaRPr b="0" lang="en-IE" sz="3200" spc="-1" strike="noStrike">
               <a:latin typeface="Arial"/>
             </a:endParaRPr>
           </a:p>
           <a:p>
-            <a:pPr marL="432000" indent="-323640">
+            <a:pPr marL="432000" indent="-323280">
               <a:lnSpc>
                 <a:spcPct val="100000"/>
               </a:lnSpc>
@@ -4145,36 +4416,9 @@
                   <a:srgbClr val="0066cc"/>
                 </a:solidFill>
                 <a:latin typeface="Arial"/>
+                <a:ea typeface="DejaVu Sans"/>
               </a:rPr>
-              <a:t>Now we have to use that data to power our algorithms. </a:t>
-            </a:r>
-            <a:endParaRPr b="0" lang="en-IE" sz="3200" spc="-1" strike="noStrike">
-              <a:latin typeface="Arial"/>
-            </a:endParaRPr>
-          </a:p>
-          <a:p>
-            <a:pPr marL="432000" indent="-323640">
-              <a:lnSpc>
-                <a:spcPct val="100000"/>
-              </a:lnSpc>
-              <a:spcBef>
-                <a:spcPts val="1417"/>
-              </a:spcBef>
-              <a:buClr>
-                <a:srgbClr val="000000"/>
-              </a:buClr>
-              <a:buSzPct val="45000"/>
-              <a:buFont typeface="Wingdings" charset="2"/>
-              <a:buChar char=""/>
-            </a:pPr>
-            <a:r>
-              <a:rPr b="0" lang="en-IE" sz="3200" spc="-1" strike="noStrike">
-                <a:solidFill>
-                  <a:srgbClr val="0066cc"/>
-                </a:solidFill>
-                <a:latin typeface="Arial"/>
-              </a:rPr>
-              <a:t>The first algorithm we will examine is </a:t>
+              <a:t>Instead of creating the data manually as in previous examples, we use another library called </a:t>
             </a:r>
             <a:r>
               <a:rPr b="0" i="1" lang="en-IE" sz="3200" spc="-1" strike="noStrike">
@@ -4182,8 +4426,9 @@
                   <a:srgbClr val="0066cc"/>
                 </a:solidFill>
                 <a:latin typeface="Arial"/>
+                <a:ea typeface="DejaVu Sans"/>
               </a:rPr>
-              <a:t>Linear Regression</a:t>
+              <a:t>numpy</a:t>
             </a:r>
             <a:r>
               <a:rPr b="0" lang="en-IE" sz="3200" spc="-1" strike="noStrike">
@@ -4191,9 +4436,23 @@
                   <a:srgbClr val="0066cc"/>
                 </a:solidFill>
                 <a:latin typeface="Arial"/>
+                <a:ea typeface="DejaVu Sans"/>
               </a:rPr>
-              <a:t>. </a:t>
+              <a:t> to generate ranges of values for us. </a:t>
             </a:r>
+            <a:endParaRPr b="0" lang="en-IE" sz="3200" spc="-1" strike="noStrike">
+              <a:latin typeface="Arial"/>
+            </a:endParaRPr>
+          </a:p>
+          <a:p>
+            <a:pPr>
+              <a:lnSpc>
+                <a:spcPct val="100000"/>
+              </a:lnSpc>
+              <a:spcBef>
+                <a:spcPts val="1417"/>
+              </a:spcBef>
+            </a:pPr>
             <a:endParaRPr b="0" lang="en-IE" sz="3200" spc="-1" strike="noStrike">
               <a:latin typeface="Arial"/>
             </a:endParaRPr>
@@ -4251,14 +4510,14 @@
       </p:grpSpPr>
       <p:sp>
         <p:nvSpPr>
-          <p:cNvPr id="107" name="CustomShape 1"/>
+          <p:cNvPr id="108" name="CustomShape 1"/>
           <p:cNvSpPr/>
           <p:nvPr/>
         </p:nvSpPr>
         <p:spPr>
           <a:xfrm>
             <a:off x="504000" y="301320"/>
-            <a:ext cx="9071280" cy="637200"/>
+            <a:ext cx="9070920" cy="636840"/>
           </a:xfrm>
           <a:prstGeom prst="rect">
             <a:avLst/>
@@ -4288,8 +4547,9 @@
                   <a:srgbClr val="ffffff"/>
                 </a:solidFill>
                 <a:latin typeface="Arial"/>
+                <a:ea typeface="DejaVu Sans"/>
               </a:rPr>
-              <a:t>Implenting Trading Strategies</a:t>
+              <a:t>Data Visualization</a:t>
             </a:r>
             <a:endParaRPr b="0" lang="en-IE" sz="4400" spc="-1" strike="noStrike">
               <a:latin typeface="Arial"/>
@@ -4299,14 +4559,14 @@
       </p:sp>
       <p:sp>
         <p:nvSpPr>
-          <p:cNvPr id="108" name="CustomShape 2"/>
+          <p:cNvPr id="109" name="CustomShape 2"/>
           <p:cNvSpPr/>
           <p:nvPr/>
         </p:nvSpPr>
         <p:spPr>
           <a:xfrm>
             <a:off x="504000" y="1769040"/>
-            <a:ext cx="9071280" cy="4384080"/>
+            <a:ext cx="9070920" cy="4383720"/>
           </a:xfrm>
           <a:prstGeom prst="rect">
             <a:avLst/>
@@ -4325,7 +4585,20 @@
         <p:txBody>
           <a:bodyPr lIns="0" rIns="0" tIns="0" bIns="0"/>
           <a:p>
-            <a:pPr marL="432000" indent="-323640">
+            <a:pPr>
+              <a:lnSpc>
+                <a:spcPct val="100000"/>
+              </a:lnSpc>
+              <a:spcBef>
+                <a:spcPts val="1417"/>
+              </a:spcBef>
+            </a:pPr>
+            <a:endParaRPr b="0" lang="en-IE" sz="1800" spc="-1" strike="noStrike">
+              <a:latin typeface="Arial"/>
+            </a:endParaRPr>
+          </a:p>
+          <a:p>
+            <a:pPr marL="432000" indent="-323280">
               <a:lnSpc>
                 <a:spcPct val="100000"/>
               </a:lnSpc>
@@ -4340,20 +4613,21 @@
               <a:buChar char=""/>
             </a:pPr>
             <a:r>
-              <a:rPr b="0" lang="en-IE" sz="3200" spc="-1" strike="noStrike">
+              <a:rPr b="0" lang="en-IE" sz="2800" spc="-1" strike="noStrike">
                 <a:solidFill>
                   <a:srgbClr val="0066cc"/>
                 </a:solidFill>
                 <a:latin typeface="Arial"/>
+                <a:ea typeface="DejaVu Sans"/>
               </a:rPr>
-              <a:t>We use linear regression to attempt to predict the value of a dependent variable by fitting a line through a plot of one or more independent variables.  </a:t>
+              <a:t>Instead of one plot, we have two, so we explicitly tell matplotlib that we are using one figure (plt.figure) and two subplot in the figure (plt.subplot)</a:t>
             </a:r>
-            <a:endParaRPr b="0" lang="en-IE" sz="3200" spc="-1" strike="noStrike">
-              <a:latin typeface="Arial"/>
-            </a:endParaRPr>
-          </a:p>
-          <a:p>
-            <a:pPr marL="432000" indent="-323640">
+            <a:endParaRPr b="0" lang="en-IE" sz="2800" spc="-1" strike="noStrike">
+              <a:latin typeface="Arial"/>
+            </a:endParaRPr>
+          </a:p>
+          <a:p>
+            <a:pPr marL="432000" indent="-323280">
               <a:lnSpc>
                 <a:spcPct val="100000"/>
               </a:lnSpc>
@@ -4368,14 +4642,67 @@
               <a:buChar char=""/>
             </a:pPr>
             <a:r>
+              <a:rPr b="0" lang="en-IE" sz="2800" spc="-1" strike="noStrike">
+                <a:solidFill>
+                  <a:srgbClr val="0066cc"/>
+                </a:solidFill>
+                <a:latin typeface="Arial"/>
+                <a:ea typeface="DejaVu Sans"/>
+              </a:rPr>
+              <a:t>The values passed to plt.figure and plt.subplot here are the number of rows, number of columns and an ID number).  </a:t>
+            </a:r>
+            <a:endParaRPr b="0" lang="en-IE" sz="2800" spc="-1" strike="noStrike">
+              <a:latin typeface="Arial"/>
+            </a:endParaRPr>
+          </a:p>
+          <a:p>
+            <a:pPr marL="432000" indent="-323280">
+              <a:lnSpc>
+                <a:spcPct val="100000"/>
+              </a:lnSpc>
+              <a:spcBef>
+                <a:spcPts val="1417"/>
+              </a:spcBef>
+              <a:buClr>
+                <a:srgbClr val="000000"/>
+              </a:buClr>
+              <a:buSzPct val="45000"/>
+              <a:buFont typeface="Wingdings" charset="2"/>
+              <a:buChar char=""/>
+            </a:pPr>
+            <a:r>
+              <a:rPr b="0" lang="en-IE" sz="2800" spc="-1" strike="noStrike">
+                <a:solidFill>
+                  <a:srgbClr val="0066cc"/>
+                </a:solidFill>
+                <a:latin typeface="Arial"/>
+                <a:ea typeface="DejaVu Sans"/>
+              </a:rPr>
+              <a:t>Note that plt.figure here is optional as matplotlib will always create at least one plt.figure instance for you.</a:t>
+            </a:r>
+            <a:r>
               <a:rPr b="0" lang="en-IE" sz="3200" spc="-1" strike="noStrike">
                 <a:solidFill>
                   <a:srgbClr val="0066cc"/>
                 </a:solidFill>
                 <a:latin typeface="Arial"/>
+                <a:ea typeface="DejaVu Sans"/>
               </a:rPr>
-              <a:t>We attempt to find a line that is our “best fit”. In other words, given an equation of y = mx + b, what is the optimal value for m and b that will give us the best possible prediction set.  </a:t>
+              <a:t> </a:t>
             </a:r>
+            <a:endParaRPr b="0" lang="en-IE" sz="3200" spc="-1" strike="noStrike">
+              <a:latin typeface="Arial"/>
+            </a:endParaRPr>
+          </a:p>
+          <a:p>
+            <a:pPr>
+              <a:lnSpc>
+                <a:spcPct val="100000"/>
+              </a:lnSpc>
+              <a:spcBef>
+                <a:spcPts val="1417"/>
+              </a:spcBef>
+            </a:pPr>
             <a:endParaRPr b="0" lang="en-IE" sz="3200" spc="-1" strike="noStrike">
               <a:latin typeface="Arial"/>
             </a:endParaRPr>
@@ -4433,14 +4760,14 @@
       </p:grpSpPr>
       <p:sp>
         <p:nvSpPr>
-          <p:cNvPr id="109" name="CustomShape 1"/>
+          <p:cNvPr id="110" name="CustomShape 1"/>
           <p:cNvSpPr/>
           <p:nvPr/>
         </p:nvSpPr>
         <p:spPr>
           <a:xfrm>
             <a:off x="504000" y="301320"/>
-            <a:ext cx="9071280" cy="637200"/>
+            <a:ext cx="9070920" cy="636840"/>
           </a:xfrm>
           <a:prstGeom prst="rect">
             <a:avLst/>
@@ -4470,8 +4797,9 @@
                   <a:srgbClr val="ffffff"/>
                 </a:solidFill>
                 <a:latin typeface="Arial"/>
+                <a:ea typeface="DejaVu Sans"/>
               </a:rPr>
-              <a:t>Implementing Trading Algorithms</a:t>
+              <a:t>Data Visualization</a:t>
             </a:r>
             <a:endParaRPr b="0" lang="en-IE" sz="4400" spc="-1" strike="noStrike">
               <a:latin typeface="Arial"/>
@@ -4481,14 +4809,14 @@
       </p:sp>
       <p:sp>
         <p:nvSpPr>
-          <p:cNvPr id="110" name="CustomShape 2"/>
+          <p:cNvPr id="111" name="CustomShape 2"/>
           <p:cNvSpPr/>
           <p:nvPr/>
         </p:nvSpPr>
         <p:spPr>
           <a:xfrm>
             <a:off x="504000" y="1769040"/>
-            <a:ext cx="9071280" cy="4384080"/>
+            <a:ext cx="9070920" cy="4383720"/>
           </a:xfrm>
           <a:prstGeom prst="rect">
             <a:avLst/>
@@ -4520,7 +4848,7 @@
             </a:endParaRPr>
           </a:p>
           <a:p>
-            <a:pPr marL="432000" indent="-323640">
+            <a:pPr marL="432000" indent="-323280">
               <a:lnSpc>
                 <a:spcPct val="100000"/>
               </a:lnSpc>
@@ -4535,38 +4863,21 @@
               <a:buChar char=""/>
             </a:pPr>
             <a:r>
-              <a:rPr b="0" lang="en-IE" sz="3200" spc="-1" strike="noStrike">
+              <a:rPr b="0" lang="en-IE" sz="2800" spc="-1" strike="noStrike">
                 <a:solidFill>
                   <a:srgbClr val="0066cc"/>
                 </a:solidFill>
                 <a:latin typeface="Arial"/>
+                <a:ea typeface="DejaVu Sans"/>
               </a:rPr>
-              <a:t>There are a number of toolkits that we can use to apply Linear Regression, however, the easiest one is the Python toolkit </a:t>
+              <a:t>We can also create histograms with matplotlib. </a:t>
             </a:r>
-            <a:r>
-              <a:rPr b="0" i="1" lang="en-IE" sz="3200" spc="-1" strike="noStrike">
-                <a:solidFill>
-                  <a:srgbClr val="0066cc"/>
-                </a:solidFill>
-                <a:latin typeface="Arial"/>
-              </a:rPr>
-              <a:t>sklearn</a:t>
-            </a:r>
-            <a:r>
-              <a:rPr b="0" lang="en-IE" sz="3200" spc="-1" strike="noStrike">
-                <a:solidFill>
-                  <a:srgbClr val="0066cc"/>
-                </a:solidFill>
-                <a:latin typeface="Arial"/>
-              </a:rPr>
-              <a:t>.  </a:t>
-            </a:r>
-            <a:endParaRPr b="0" lang="en-IE" sz="3200" spc="-1" strike="noStrike">
-              <a:latin typeface="Arial"/>
-            </a:endParaRPr>
-          </a:p>
-          <a:p>
-            <a:pPr marL="432000" indent="-323640">
+            <a:endParaRPr b="0" lang="en-IE" sz="2800" spc="-1" strike="noStrike">
+              <a:latin typeface="Arial"/>
+            </a:endParaRPr>
+          </a:p>
+          <a:p>
+            <a:pPr marL="432000" indent="-323280">
               <a:lnSpc>
                 <a:spcPct val="100000"/>
               </a:lnSpc>
@@ -4581,15 +4892,29 @@
               <a:buChar char=""/>
             </a:pPr>
             <a:r>
-              <a:rPr b="0" lang="en-IE" sz="3200" spc="-1" strike="noStrike">
+              <a:rPr b="0" lang="en-IE" sz="2800" spc="-1" strike="noStrike">
                 <a:solidFill>
                   <a:srgbClr val="0066cc"/>
                 </a:solidFill>
                 <a:latin typeface="Arial"/>
+                <a:ea typeface="DejaVu Sans"/>
               </a:rPr>
-              <a:t>Sklearn contains a number of regression and classification algorithmns that we can employ. </a:t>
+              <a:t>In the next example, we’re going to create a gaussian distribution of IQ’s and display it using a histogram. </a:t>
             </a:r>
-            <a:endParaRPr b="0" lang="en-IE" sz="3200" spc="-1" strike="noStrike">
+            <a:endParaRPr b="0" lang="en-IE" sz="2800" spc="-1" strike="noStrike">
+              <a:latin typeface="Arial"/>
+            </a:endParaRPr>
+          </a:p>
+          <a:p>
+            <a:pPr>
+              <a:lnSpc>
+                <a:spcPct val="100000"/>
+              </a:lnSpc>
+              <a:spcBef>
+                <a:spcPts val="1417"/>
+              </a:spcBef>
+            </a:pPr>
+            <a:endParaRPr b="0" lang="en-IE" sz="2800" spc="-1" strike="noStrike">
               <a:latin typeface="Arial"/>
             </a:endParaRPr>
           </a:p>
@@ -4646,14 +4971,14 @@
       </p:grpSpPr>
       <p:sp>
         <p:nvSpPr>
-          <p:cNvPr id="111" name="CustomShape 1"/>
+          <p:cNvPr id="112" name="CustomShape 1"/>
           <p:cNvSpPr/>
           <p:nvPr/>
         </p:nvSpPr>
         <p:spPr>
           <a:xfrm>
             <a:off x="504000" y="301320"/>
-            <a:ext cx="9071280" cy="637200"/>
+            <a:ext cx="9070920" cy="636840"/>
           </a:xfrm>
           <a:prstGeom prst="rect">
             <a:avLst/>
@@ -4683,8 +5008,9 @@
                   <a:srgbClr val="ffffff"/>
                 </a:solidFill>
                 <a:latin typeface="Arial"/>
+                <a:ea typeface="DejaVu Sans"/>
               </a:rPr>
-              <a:t>Implementing Trading Algorithms</a:t>
+              <a:t>Data Visualization</a:t>
             </a:r>
             <a:endParaRPr b="0" lang="en-IE" sz="4400" spc="-1" strike="noStrike">
               <a:latin typeface="Arial"/>
@@ -4694,14 +5020,14 @@
       </p:sp>
       <p:sp>
         <p:nvSpPr>
-          <p:cNvPr id="112" name="CustomShape 2"/>
+          <p:cNvPr id="113" name="CustomShape 2"/>
           <p:cNvSpPr/>
           <p:nvPr/>
         </p:nvSpPr>
         <p:spPr>
           <a:xfrm>
             <a:off x="504000" y="1769040"/>
-            <a:ext cx="9071280" cy="4384080"/>
+            <a:ext cx="9070920" cy="4383720"/>
           </a:xfrm>
           <a:prstGeom prst="rect">
             <a:avLst/>
@@ -4733,63 +5059,353 @@
             </a:endParaRPr>
           </a:p>
           <a:p>
-            <a:pPr marL="432000" indent="-323640">
+            <a:pPr>
               <a:lnSpc>
                 <a:spcPct val="100000"/>
               </a:lnSpc>
               <a:spcBef>
                 <a:spcPts val="1417"/>
               </a:spcBef>
-              <a:buClr>
-                <a:srgbClr val="000000"/>
-              </a:buClr>
-              <a:buSzPct val="45000"/>
-              <a:buFont typeface="Wingdings" charset="2"/>
-              <a:buChar char=""/>
-            </a:pPr>
-            <a:r>
-              <a:rPr b="0" lang="en-IE" sz="3200" spc="-1" strike="noStrike">
-                <a:solidFill>
-                  <a:srgbClr val="0066cc"/>
-                </a:solidFill>
-                <a:latin typeface="Arial"/>
-              </a:rPr>
-              <a:t>In the next example, we’ll see an application that takes data from Quandl and runs linear regression.</a:t>
-            </a:r>
-            <a:endParaRPr b="0" lang="en-IE" sz="3200" spc="-1" strike="noStrike">
-              <a:latin typeface="Arial"/>
-            </a:endParaRPr>
-          </a:p>
-          <a:p>
-            <a:pPr marL="432000" indent="-323640">
-              <a:lnSpc>
-                <a:spcPct val="100000"/>
-              </a:lnSpc>
-              <a:spcBef>
-                <a:spcPts val="1417"/>
-              </a:spcBef>
-              <a:buClr>
-                <a:srgbClr val="000000"/>
-              </a:buClr>
-              <a:buSzPct val="45000"/>
-              <a:buFont typeface="Wingdings" charset="2"/>
-              <a:buChar char=""/>
-            </a:pPr>
-            <a:r>
-              <a:rPr b="0" lang="en-IE" sz="3200" spc="-1" strike="noStrike">
-                <a:solidFill>
-                  <a:srgbClr val="0066cc"/>
-                </a:solidFill>
-                <a:latin typeface="Arial"/>
-              </a:rPr>
-              <a:t>In this example the dependent variable is the closing price, and the independent variable is the date</a:t>
-            </a:r>
-            <a:endParaRPr b="0" lang="en-IE" sz="3200" spc="-1" strike="noStrike">
-              <a:latin typeface="Arial"/>
-            </a:endParaRPr>
-          </a:p>
-        </p:txBody>
-      </p:sp>
+            </a:pPr>
+            <a:endParaRPr b="0" lang="en-IE" sz="1800" spc="-1" strike="noStrike">
+              <a:latin typeface="Arial"/>
+            </a:endParaRPr>
+          </a:p>
+        </p:txBody>
+      </p:sp>
+      <p:graphicFrame>
+        <p:nvGraphicFramePr>
+          <p:cNvPr id="114" name="Table 3"/>
+          <p:cNvGraphicFramePr/>
+          <p:nvPr/>
+        </p:nvGraphicFramePr>
+        <p:xfrm>
+          <a:off x="298440" y="1764000"/>
+          <a:ext cx="9421560" cy="1754640"/>
+        </p:xfrm>
+        <a:graphic>
+          <a:graphicData uri="http://schemas.openxmlformats.org/drawingml/2006/table">
+            <a:tbl>
+              <a:tblPr/>
+              <a:tblGrid>
+                <a:gridCol w="9421920"/>
+              </a:tblGrid>
+              <a:tr h="1755000">
+                <a:tc>
+                  <a:txBody>
+                    <a:bodyPr lIns="90000" rIns="90000"/>
+                    <a:p>
+                      <a:pPr>
+                        <a:lnSpc>
+                          <a:spcPct val="100000"/>
+                        </a:lnSpc>
+                      </a:pPr>
+                      <a:r>
+                        <a:rPr b="0" lang="en-IE" sz="1600" spc="-1" strike="noStrike">
+                          <a:latin typeface="Courier New"/>
+                        </a:rPr>
+                        <a:t>import numpy as np</a:t>
+                      </a:r>
+                      <a:endParaRPr b="0" lang="en-IE" sz="1600" spc="-1" strike="noStrike">
+                        <a:latin typeface="Arial"/>
+                      </a:endParaRPr>
+                    </a:p>
+                    <a:p>
+                      <a:pPr>
+                        <a:lnSpc>
+                          <a:spcPct val="100000"/>
+                        </a:lnSpc>
+                      </a:pPr>
+                      <a:r>
+                        <a:rPr b="0" lang="en-IE" sz="1600" spc="-1" strike="noStrike">
+                          <a:latin typeface="Courier New"/>
+                        </a:rPr>
+                        <a:t>import matplotlib.pyplot as plt</a:t>
+                      </a:r>
+                      <a:endParaRPr b="0" lang="en-IE" sz="1600" spc="-1" strike="noStrike">
+                        <a:latin typeface="Arial"/>
+                      </a:endParaRPr>
+                    </a:p>
+                    <a:p>
+                      <a:pPr>
+                        <a:lnSpc>
+                          <a:spcPct val="100000"/>
+                        </a:lnSpc>
+                      </a:pPr>
+                      <a:endParaRPr b="0" lang="en-IE" sz="1600" spc="-1" strike="noStrike">
+                        <a:latin typeface="Arial"/>
+                      </a:endParaRPr>
+                    </a:p>
+                    <a:p>
+                      <a:pPr>
+                        <a:lnSpc>
+                          <a:spcPct val="100000"/>
+                        </a:lnSpc>
+                      </a:pPr>
+                      <a:r>
+                        <a:rPr b="0" lang="en-IE" sz="1600" spc="-1" strike="noStrike">
+                          <a:latin typeface="Courier New"/>
+                        </a:rPr>
+                        <a:t># Fixing random state for reproducibility</a:t>
+                      </a:r>
+                      <a:endParaRPr b="0" lang="en-IE" sz="1600" spc="-1" strike="noStrike">
+                        <a:latin typeface="Arial"/>
+                      </a:endParaRPr>
+                    </a:p>
+                    <a:p>
+                      <a:pPr>
+                        <a:lnSpc>
+                          <a:spcPct val="100000"/>
+                        </a:lnSpc>
+                      </a:pPr>
+                      <a:r>
+                        <a:rPr b="0" lang="en-IE" sz="1600" spc="-1" strike="noStrike">
+                          <a:latin typeface="Courier New"/>
+                        </a:rPr>
+                        <a:t>np.random.seed(19680801)</a:t>
+                      </a:r>
+                      <a:endParaRPr b="0" lang="en-IE" sz="1600" spc="-1" strike="noStrike">
+                        <a:latin typeface="Arial"/>
+                      </a:endParaRPr>
+                    </a:p>
+                    <a:p>
+                      <a:pPr>
+                        <a:lnSpc>
+                          <a:spcPct val="100000"/>
+                        </a:lnSpc>
+                      </a:pPr>
+                      <a:endParaRPr b="0" lang="en-IE" sz="1600" spc="-1" strike="noStrike">
+                        <a:latin typeface="Arial"/>
+                      </a:endParaRPr>
+                    </a:p>
+                    <a:p>
+                      <a:pPr>
+                        <a:lnSpc>
+                          <a:spcPct val="100000"/>
+                        </a:lnSpc>
+                      </a:pPr>
+                      <a:r>
+                        <a:rPr b="0" lang="en-IE" sz="1600" spc="-1" strike="noStrike">
+                          <a:latin typeface="Courier New"/>
+                        </a:rPr>
+                        <a:t>mu, sigma = 100, 15</a:t>
+                      </a:r>
+                      <a:endParaRPr b="0" lang="en-IE" sz="1600" spc="-1" strike="noStrike">
+                        <a:latin typeface="Arial"/>
+                      </a:endParaRPr>
+                    </a:p>
+                    <a:p>
+                      <a:pPr>
+                        <a:lnSpc>
+                          <a:spcPct val="100000"/>
+                        </a:lnSpc>
+                      </a:pPr>
+                      <a:r>
+                        <a:rPr b="0" lang="en-IE" sz="1600" spc="-1" strike="noStrike">
+                          <a:latin typeface="Courier New"/>
+                        </a:rPr>
+                        <a:t>x = mu + sigma * np.random.randn(10000)</a:t>
+                      </a:r>
+                      <a:endParaRPr b="0" lang="en-IE" sz="1600" spc="-1" strike="noStrike">
+                        <a:latin typeface="Arial"/>
+                      </a:endParaRPr>
+                    </a:p>
+                    <a:p>
+                      <a:pPr>
+                        <a:lnSpc>
+                          <a:spcPct val="100000"/>
+                        </a:lnSpc>
+                      </a:pPr>
+                      <a:endParaRPr b="0" lang="en-IE" sz="1600" spc="-1" strike="noStrike">
+                        <a:latin typeface="Arial"/>
+                      </a:endParaRPr>
+                    </a:p>
+                    <a:p>
+                      <a:pPr>
+                        <a:lnSpc>
+                          <a:spcPct val="100000"/>
+                        </a:lnSpc>
+                      </a:pPr>
+                      <a:r>
+                        <a:rPr b="0" lang="en-IE" sz="1600" spc="-1" strike="noStrike">
+                          <a:latin typeface="Courier New"/>
+                        </a:rPr>
+                        <a:t># the histogram of the data</a:t>
+                      </a:r>
+                      <a:endParaRPr b="0" lang="en-IE" sz="1600" spc="-1" strike="noStrike">
+                        <a:latin typeface="Arial"/>
+                      </a:endParaRPr>
+                    </a:p>
+                    <a:p>
+                      <a:pPr>
+                        <a:lnSpc>
+                          <a:spcPct val="100000"/>
+                        </a:lnSpc>
+                      </a:pPr>
+                      <a:r>
+                        <a:rPr b="0" lang="en-IE" sz="1600" spc="-1" strike="noStrike">
+                          <a:latin typeface="Courier New"/>
+                        </a:rPr>
+                        <a:t>n, bins, patches = plt.hist(x, 50, normed=1, facecolor='g', alpha=0.75)</a:t>
+                      </a:r>
+                      <a:endParaRPr b="0" lang="en-IE" sz="1600" spc="-1" strike="noStrike">
+                        <a:latin typeface="Arial"/>
+                      </a:endParaRPr>
+                    </a:p>
+                    <a:p>
+                      <a:pPr>
+                        <a:lnSpc>
+                          <a:spcPct val="100000"/>
+                        </a:lnSpc>
+                      </a:pPr>
+                      <a:endParaRPr b="0" lang="en-IE" sz="1600" spc="-1" strike="noStrike">
+                        <a:latin typeface="Arial"/>
+                      </a:endParaRPr>
+                    </a:p>
+                    <a:p>
+                      <a:pPr>
+                        <a:lnSpc>
+                          <a:spcPct val="100000"/>
+                        </a:lnSpc>
+                      </a:pPr>
+                      <a:r>
+                        <a:rPr b="0" lang="en-IE" sz="1600" spc="-1" strike="noStrike">
+                          <a:latin typeface="Courier New"/>
+                        </a:rPr>
+                        <a:t>plt.xlabel('Smarts')</a:t>
+                      </a:r>
+                      <a:endParaRPr b="0" lang="en-IE" sz="1600" spc="-1" strike="noStrike">
+                        <a:latin typeface="Arial"/>
+                      </a:endParaRPr>
+                    </a:p>
+                    <a:p>
+                      <a:pPr>
+                        <a:lnSpc>
+                          <a:spcPct val="100000"/>
+                        </a:lnSpc>
+                      </a:pPr>
+                      <a:r>
+                        <a:rPr b="0" lang="en-IE" sz="1600" spc="-1" strike="noStrike">
+                          <a:latin typeface="Courier New"/>
+                        </a:rPr>
+                        <a:t>plt.ylabel('Probability')</a:t>
+                      </a:r>
+                      <a:endParaRPr b="0" lang="en-IE" sz="1600" spc="-1" strike="noStrike">
+                        <a:latin typeface="Arial"/>
+                      </a:endParaRPr>
+                    </a:p>
+                    <a:p>
+                      <a:pPr>
+                        <a:lnSpc>
+                          <a:spcPct val="100000"/>
+                        </a:lnSpc>
+                      </a:pPr>
+                      <a:r>
+                        <a:rPr b="0" lang="en-IE" sz="1600" spc="-1" strike="noStrike">
+                          <a:latin typeface="Courier New"/>
+                        </a:rPr>
+                        <a:t>plt.title('Histogram of IQ')</a:t>
+                      </a:r>
+                      <a:endParaRPr b="0" lang="en-IE" sz="1600" spc="-1" strike="noStrike">
+                        <a:latin typeface="Arial"/>
+                      </a:endParaRPr>
+                    </a:p>
+                    <a:p>
+                      <a:pPr>
+                        <a:lnSpc>
+                          <a:spcPct val="100000"/>
+                        </a:lnSpc>
+                      </a:pPr>
+                      <a:r>
+                        <a:rPr b="0" lang="en-IE" sz="1600" spc="-1" strike="noStrike">
+                          <a:latin typeface="Courier New"/>
+                        </a:rPr>
+                        <a:t>plt.text(60, .025, r'$\mu=100,\ \sigma=15$')</a:t>
+                      </a:r>
+                      <a:endParaRPr b="0" lang="en-IE" sz="1600" spc="-1" strike="noStrike">
+                        <a:latin typeface="Arial"/>
+                      </a:endParaRPr>
+                    </a:p>
+                    <a:p>
+                      <a:pPr>
+                        <a:lnSpc>
+                          <a:spcPct val="100000"/>
+                        </a:lnSpc>
+                      </a:pPr>
+                      <a:r>
+                        <a:rPr b="0" lang="en-IE" sz="1600" spc="-1" strike="noStrike">
+                          <a:latin typeface="Courier New"/>
+                        </a:rPr>
+                        <a:t>plt.axis([40, 160, 0, 0.03])</a:t>
+                      </a:r>
+                      <a:endParaRPr b="0" lang="en-IE" sz="1600" spc="-1" strike="noStrike">
+                        <a:latin typeface="Arial"/>
+                      </a:endParaRPr>
+                    </a:p>
+                    <a:p>
+                      <a:pPr>
+                        <a:lnSpc>
+                          <a:spcPct val="100000"/>
+                        </a:lnSpc>
+                      </a:pPr>
+                      <a:r>
+                        <a:rPr b="0" lang="en-IE" sz="1600" spc="-1" strike="noStrike">
+                          <a:latin typeface="Courier New"/>
+                        </a:rPr>
+                        <a:t>plt.grid(True)</a:t>
+                      </a:r>
+                      <a:endParaRPr b="0" lang="en-IE" sz="1600" spc="-1" strike="noStrike">
+                        <a:latin typeface="Arial"/>
+                      </a:endParaRPr>
+                    </a:p>
+                    <a:p>
+                      <a:pPr>
+                        <a:lnSpc>
+                          <a:spcPct val="100000"/>
+                        </a:lnSpc>
+                      </a:pPr>
+                      <a:r>
+                        <a:rPr b="0" lang="en-IE" sz="1600" spc="-1" strike="noStrike">
+                          <a:latin typeface="Courier New"/>
+                        </a:rPr>
+                        <a:t>plt.show()</a:t>
+                      </a:r>
+                      <a:endParaRPr b="0" lang="en-IE" sz="1600" spc="-1" strike="noStrike">
+                        <a:latin typeface="Arial"/>
+                      </a:endParaRPr>
+                    </a:p>
+                  </a:txBody>
+                  <a:tcPr marL="90000" marR="90000">
+                    <a:lnL w="720">
+                      <a:solidFill>
+                        <a:srgbClr val="ffffff"/>
+                      </a:solidFill>
+                    </a:lnL>
+                    <a:lnR w="720">
+                      <a:solidFill>
+                        <a:srgbClr val="ffffff"/>
+                      </a:solidFill>
+                    </a:lnR>
+                    <a:lnT w="720">
+                      <a:solidFill>
+                        <a:srgbClr val="ffffff"/>
+                      </a:solidFill>
+                    </a:lnT>
+                    <a:lnB w="720">
+                      <a:solidFill>
+                        <a:srgbClr val="ffffff"/>
+                      </a:solidFill>
+                    </a:lnB>
+                    <a:solidFill>
+                      <a:srgbClr val="b3b3b3"/>
+                    </a:solidFill>
+                  </a:tcPr>
+                </a:tc>
+              </a:tr>
+            </a:tbl>
+          </a:graphicData>
+        </a:graphic>
+      </p:graphicFrame>
     </p:spTree>
   </p:cSld>
   <p:timing>
@@ -4841,14 +5457,14 @@
       </p:grpSpPr>
       <p:sp>
         <p:nvSpPr>
-          <p:cNvPr id="113" name="CustomShape 1"/>
+          <p:cNvPr id="115" name="CustomShape 1"/>
           <p:cNvSpPr/>
           <p:nvPr/>
         </p:nvSpPr>
         <p:spPr>
           <a:xfrm>
             <a:off x="504000" y="301320"/>
-            <a:ext cx="9071280" cy="637200"/>
+            <a:ext cx="9070920" cy="636840"/>
           </a:xfrm>
           <a:prstGeom prst="rect">
             <a:avLst/>
@@ -4878,8 +5494,9 @@
                   <a:srgbClr val="ffffff"/>
                 </a:solidFill>
                 <a:latin typeface="Arial"/>
+                <a:ea typeface="DejaVu Sans"/>
               </a:rPr>
-              <a:t>Introduction to Python</a:t>
+              <a:t>Data Visualization</a:t>
             </a:r>
             <a:endParaRPr b="0" lang="en-IE" sz="4400" spc="-1" strike="noStrike">
               <a:latin typeface="Arial"/>
@@ -4889,14 +5506,14 @@
       </p:sp>
       <p:sp>
         <p:nvSpPr>
-          <p:cNvPr id="114" name="CustomShape 2"/>
+          <p:cNvPr id="116" name="CustomShape 2"/>
           <p:cNvSpPr/>
           <p:nvPr/>
         </p:nvSpPr>
         <p:spPr>
           <a:xfrm>
             <a:off x="504000" y="1769040"/>
-            <a:ext cx="9071280" cy="4384080"/>
+            <a:ext cx="9070920" cy="4383720"/>
           </a:xfrm>
           <a:prstGeom prst="rect">
             <a:avLst/>
@@ -4915,7 +5532,20 @@
         <p:txBody>
           <a:bodyPr lIns="0" rIns="0" tIns="0" bIns="0"/>
           <a:p>
-            <a:pPr marL="432000" indent="-323640">
+            <a:pPr>
+              <a:lnSpc>
+                <a:spcPct val="100000"/>
+              </a:lnSpc>
+              <a:spcBef>
+                <a:spcPts val="1417"/>
+              </a:spcBef>
+            </a:pPr>
+            <a:endParaRPr b="0" lang="en-IE" sz="1800" spc="-1" strike="noStrike">
+              <a:latin typeface="Arial"/>
+            </a:endParaRPr>
+          </a:p>
+          <a:p>
+            <a:pPr marL="432000" indent="-323280">
               <a:lnSpc>
                 <a:spcPct val="100000"/>
               </a:lnSpc>
@@ -4930,457 +5560,108 @@
               <a:buChar char=""/>
             </a:pPr>
             <a:r>
-              <a:rPr b="0" lang="en-IE" sz="3200" spc="-1" strike="noStrike">
+              <a:rPr b="0" lang="en-IE" sz="2800" spc="-1" strike="noStrike">
                 <a:solidFill>
                   <a:srgbClr val="0066cc"/>
                 </a:solidFill>
                 <a:latin typeface="Arial"/>
+                <a:ea typeface="DejaVu Sans"/>
               </a:rPr>
-              <a:t> </a:t>
+              <a:t>In the example, we set our mu (mean) value for IQ to 100 and our standard deviation (sigma) value to 15. </a:t>
             </a:r>
-            <a:endParaRPr b="0" lang="en-IE" sz="3200" spc="-1" strike="noStrike">
-              <a:latin typeface="Arial"/>
-            </a:endParaRPr>
-          </a:p>
-        </p:txBody>
-      </p:sp>
-      <p:graphicFrame>
-        <p:nvGraphicFramePr>
-          <p:cNvPr id="115" name="Table 3"/>
-          <p:cNvGraphicFramePr/>
-          <p:nvPr/>
-        </p:nvGraphicFramePr>
-        <p:xfrm>
-          <a:off x="158400" y="1212840"/>
-          <a:ext cx="9646920" cy="4113000"/>
-        </p:xfrm>
-        <a:graphic>
-          <a:graphicData uri="http://schemas.openxmlformats.org/drawingml/2006/table">
-            <a:tbl>
-              <a:tblPr/>
-              <a:tblGrid>
-                <a:gridCol w="9647280"/>
-              </a:tblGrid>
-              <a:tr h="4113360">
-                <a:tc>
-                  <a:txBody>
-                    <a:bodyPr lIns="90000" rIns="90000"/>
-                    <a:p>
-                      <a:pPr>
-                        <a:lnSpc>
-                          <a:spcPct val="100000"/>
-                        </a:lnSpc>
-                      </a:pPr>
-                      <a:r>
-                        <a:rPr b="0" lang="en-IE" sz="1450" spc="-1" strike="noStrike">
-                          <a:latin typeface="Courier New"/>
-                        </a:rPr>
-                        <a:t>import numpy as np</a:t>
-                      </a:r>
-                      <a:endParaRPr b="0" lang="en-IE" sz="1450" spc="-1" strike="noStrike">
-                        <a:latin typeface="Arial"/>
-                      </a:endParaRPr>
-                    </a:p>
-                    <a:p>
-                      <a:pPr>
-                        <a:lnSpc>
-                          <a:spcPct val="100000"/>
-                        </a:lnSpc>
-                      </a:pPr>
-                      <a:r>
-                        <a:rPr b="0" lang="en-IE" sz="1450" spc="-1" strike="noStrike">
-                          <a:latin typeface="Courier New"/>
-                        </a:rPr>
-                        <a:t>import matplotlib.pyplot as plt</a:t>
-                      </a:r>
-                      <a:endParaRPr b="0" lang="en-IE" sz="1450" spc="-1" strike="noStrike">
-                        <a:latin typeface="Arial"/>
-                      </a:endParaRPr>
-                    </a:p>
-                    <a:p>
-                      <a:pPr>
-                        <a:lnSpc>
-                          <a:spcPct val="100000"/>
-                        </a:lnSpc>
-                      </a:pPr>
-                      <a:r>
-                        <a:rPr b="0" lang="en-IE" sz="1450" spc="-1" strike="noStrike">
-                          <a:latin typeface="Courier New"/>
-                        </a:rPr>
-                        <a:t>from matplotlib import style</a:t>
-                      </a:r>
-                      <a:endParaRPr b="0" lang="en-IE" sz="1450" spc="-1" strike="noStrike">
-                        <a:latin typeface="Arial"/>
-                      </a:endParaRPr>
-                    </a:p>
-                    <a:p>
-                      <a:pPr>
-                        <a:lnSpc>
-                          <a:spcPct val="100000"/>
-                        </a:lnSpc>
-                      </a:pPr>
-                      <a:r>
-                        <a:rPr b="0" lang="en-IE" sz="1450" spc="-1" strike="noStrike">
-                          <a:latin typeface="Courier New"/>
-                        </a:rPr>
-                        <a:t>from sklearn.linear_model import LinearRegression</a:t>
-                      </a:r>
-                      <a:endParaRPr b="0" lang="en-IE" sz="1450" spc="-1" strike="noStrike">
-                        <a:latin typeface="Arial"/>
-                      </a:endParaRPr>
-                    </a:p>
-                    <a:p>
-                      <a:pPr>
-                        <a:lnSpc>
-                          <a:spcPct val="100000"/>
-                        </a:lnSpc>
-                      </a:pPr>
-                      <a:r>
-                        <a:rPr b="0" lang="en-IE" sz="1450" spc="-1" strike="noStrike">
-                          <a:latin typeface="Courier New"/>
-                        </a:rPr>
-                        <a:t>from sklearn.model_selection import train_test_split</a:t>
-                      </a:r>
-                      <a:endParaRPr b="0" lang="en-IE" sz="1450" spc="-1" strike="noStrike">
-                        <a:latin typeface="Arial"/>
-                      </a:endParaRPr>
-                    </a:p>
-                    <a:p>
-                      <a:pPr>
-                        <a:lnSpc>
-                          <a:spcPct val="100000"/>
-                        </a:lnSpc>
-                      </a:pPr>
-                      <a:r>
-                        <a:rPr b="0" lang="en-IE" sz="1450" spc="-1" strike="noStrike">
-                          <a:latin typeface="Courier New"/>
-                        </a:rPr>
-                        <a:t>import quandl</a:t>
-                      </a:r>
-                      <a:endParaRPr b="0" lang="en-IE" sz="1450" spc="-1" strike="noStrike">
-                        <a:latin typeface="Arial"/>
-                      </a:endParaRPr>
-                    </a:p>
-                    <a:p>
-                      <a:pPr>
-                        <a:lnSpc>
-                          <a:spcPct val="100000"/>
-                        </a:lnSpc>
-                      </a:pPr>
-                      <a:r>
-                        <a:rPr b="0" lang="en-IE" sz="1450" spc="-1" strike="noStrike">
-                          <a:latin typeface="Courier New"/>
-                        </a:rPr>
-                        <a:t>import datetime</a:t>
-                      </a:r>
-                      <a:endParaRPr b="0" lang="en-IE" sz="1450" spc="-1" strike="noStrike">
-                        <a:latin typeface="Arial"/>
-                      </a:endParaRPr>
-                    </a:p>
-                    <a:p>
-                      <a:pPr>
-                        <a:lnSpc>
-                          <a:spcPct val="100000"/>
-                        </a:lnSpc>
-                      </a:pPr>
-                      <a:r>
-                        <a:rPr b="0" lang="en-IE" sz="1450" spc="-1" strike="noStrike">
-                          <a:latin typeface="Courier New"/>
-                        </a:rPr>
-                        <a:t>style.use('ggplot')</a:t>
-                      </a:r>
-                      <a:endParaRPr b="0" lang="en-IE" sz="1450" spc="-1" strike="noStrike">
-                        <a:latin typeface="Arial"/>
-                      </a:endParaRPr>
-                    </a:p>
-                    <a:p>
-                      <a:pPr>
-                        <a:lnSpc>
-                          <a:spcPct val="100000"/>
-                        </a:lnSpc>
-                      </a:pPr>
-                      <a:r>
-                        <a:rPr b="0" lang="en-IE" sz="1450" spc="-1" strike="noStrike">
-                          <a:latin typeface="Courier New"/>
-                        </a:rPr>
-                        <a:t> </a:t>
-                      </a:r>
-                      <a:endParaRPr b="0" lang="en-IE" sz="1450" spc="-1" strike="noStrike">
-                        <a:latin typeface="Arial"/>
-                      </a:endParaRPr>
-                    </a:p>
-                    <a:p>
-                      <a:pPr>
-                        <a:lnSpc>
-                          <a:spcPct val="100000"/>
-                        </a:lnSpc>
-                      </a:pPr>
-                      <a:r>
-                        <a:rPr b="0" lang="en-IE" sz="1450" spc="-1" strike="noStrike">
-                          <a:latin typeface="Courier New"/>
-                        </a:rPr>
-                        <a:t>#Dates</a:t>
-                      </a:r>
-                      <a:endParaRPr b="0" lang="en-IE" sz="1450" spc="-1" strike="noStrike">
-                        <a:latin typeface="Arial"/>
-                      </a:endParaRPr>
-                    </a:p>
-                    <a:p>
-                      <a:pPr>
-                        <a:lnSpc>
-                          <a:spcPct val="100000"/>
-                        </a:lnSpc>
-                      </a:pPr>
-                      <a:r>
-                        <a:rPr b="0" lang="en-IE" sz="1450" spc="-1" strike="noStrike">
-                          <a:latin typeface="Courier New"/>
-                        </a:rPr>
-                        <a:t>start_date = datetime.date(2017,1,3)</a:t>
-                      </a:r>
-                      <a:endParaRPr b="0" lang="en-IE" sz="1450" spc="-1" strike="noStrike">
-                        <a:latin typeface="Arial"/>
-                      </a:endParaRPr>
-                    </a:p>
-                    <a:p>
-                      <a:pPr>
-                        <a:lnSpc>
-                          <a:spcPct val="100000"/>
-                        </a:lnSpc>
-                      </a:pPr>
-                      <a:r>
-                        <a:rPr b="0" lang="en-IE" sz="1450" spc="-1" strike="noStrike">
-                          <a:latin typeface="Courier New"/>
-                        </a:rPr>
-                        <a:t>end_date = datetime.date.today()</a:t>
-                      </a:r>
-                      <a:endParaRPr b="0" lang="en-IE" sz="1450" spc="-1" strike="noStrike">
-                        <a:latin typeface="Arial"/>
-                      </a:endParaRPr>
-                    </a:p>
-                    <a:p>
-                      <a:pPr>
-                        <a:lnSpc>
-                          <a:spcPct val="100000"/>
-                        </a:lnSpc>
-                      </a:pPr>
-                      <a:r>
-                        <a:rPr b="0" lang="en-IE" sz="1450" spc="-1" strike="noStrike">
-                          <a:latin typeface="Courier New"/>
-                        </a:rPr>
-                        <a:t> </a:t>
-                      </a:r>
-                      <a:endParaRPr b="0" lang="en-IE" sz="1450" spc="-1" strike="noStrike">
-                        <a:latin typeface="Arial"/>
-                      </a:endParaRPr>
-                    </a:p>
-                    <a:p>
-                      <a:pPr>
-                        <a:lnSpc>
-                          <a:spcPct val="100000"/>
-                        </a:lnSpc>
-                      </a:pPr>
-                      <a:r>
-                        <a:rPr b="0" lang="en-IE" sz="1450" spc="-1" strike="noStrike">
-                          <a:latin typeface="Courier New"/>
-                        </a:rPr>
-                        <a:t>quandl.ApiConfig.api_key = "your key here"</a:t>
-                      </a:r>
-                      <a:endParaRPr b="0" lang="en-IE" sz="1450" spc="-1" strike="noStrike">
-                        <a:latin typeface="Arial"/>
-                      </a:endParaRPr>
-                    </a:p>
-                    <a:p>
-                      <a:pPr>
-                        <a:lnSpc>
-                          <a:spcPct val="100000"/>
-                        </a:lnSpc>
-                      </a:pPr>
-                      <a:r>
-                        <a:rPr b="0" lang="en-IE" sz="1450" spc="-1" strike="noStrike">
-                          <a:latin typeface="Courier New"/>
-                        </a:rPr>
-                        <a:t> </a:t>
-                      </a:r>
-                      <a:endParaRPr b="0" lang="en-IE" sz="1450" spc="-1" strike="noStrike">
-                        <a:latin typeface="Arial"/>
-                      </a:endParaRPr>
-                    </a:p>
-                    <a:p>
-                      <a:pPr>
-                        <a:lnSpc>
-                          <a:spcPct val="100000"/>
-                        </a:lnSpc>
-                      </a:pPr>
-                      <a:r>
-                        <a:rPr b="0" lang="en-IE" sz="1450" spc="-1" strike="noStrike">
-                          <a:latin typeface="Courier New"/>
-                        </a:rPr>
-                        <a:t>#Get Data From Quandl</a:t>
-                      </a:r>
-                      <a:endParaRPr b="0" lang="en-IE" sz="1450" spc="-1" strike="noStrike">
-                        <a:latin typeface="Arial"/>
-                      </a:endParaRPr>
-                    </a:p>
-                    <a:p>
-                      <a:pPr>
-                        <a:lnSpc>
-                          <a:spcPct val="100000"/>
-                        </a:lnSpc>
-                      </a:pPr>
-                      <a:r>
-                        <a:rPr b="0" lang="en-IE" sz="1450" spc="-1" strike="noStrike">
-                          <a:latin typeface="Courier New"/>
-                        </a:rPr>
-                        <a:t>df = quandl.get('WIKI/AAP.4', start_date=start_date, end_date=end_date, collapse="daily")</a:t>
-                      </a:r>
-                      <a:endParaRPr b="0" lang="en-IE" sz="1450" spc="-1" strike="noStrike">
-                        <a:latin typeface="Arial"/>
-                      </a:endParaRPr>
-                    </a:p>
-                    <a:p>
-                      <a:pPr>
-                        <a:lnSpc>
-                          <a:spcPct val="100000"/>
-                        </a:lnSpc>
-                      </a:pPr>
-                      <a:r>
-                        <a:rPr b="0" lang="en-IE" sz="1450" spc="-1" strike="noStrike">
-                          <a:latin typeface="Courier New"/>
-                        </a:rPr>
-                        <a:t>df = df.reset_index()</a:t>
-                      </a:r>
-                      <a:endParaRPr b="0" lang="en-IE" sz="1450" spc="-1" strike="noStrike">
-                        <a:latin typeface="Arial"/>
-                      </a:endParaRPr>
-                    </a:p>
-                    <a:p>
-                      <a:pPr>
-                        <a:lnSpc>
-                          <a:spcPct val="100000"/>
-                        </a:lnSpc>
-                      </a:pPr>
-                      <a:r>
-                        <a:rPr b="0" lang="en-IE" sz="1450" spc="-1" strike="noStrike">
-                          <a:latin typeface="Courier New"/>
-                        </a:rPr>
-                        <a:t>prices = df['Close'].tolist()</a:t>
-                      </a:r>
-                      <a:endParaRPr b="0" lang="en-IE" sz="1450" spc="-1" strike="noStrike">
-                        <a:latin typeface="Arial"/>
-                      </a:endParaRPr>
-                    </a:p>
-                    <a:p>
-                      <a:pPr>
-                        <a:lnSpc>
-                          <a:spcPct val="100000"/>
-                        </a:lnSpc>
-                      </a:pPr>
-                      <a:r>
-                        <a:rPr b="0" lang="en-IE" sz="1450" spc="-1" strike="noStrike">
-                          <a:latin typeface="Courier New"/>
-                        </a:rPr>
-                        <a:t>dates = df.index.tolist()</a:t>
-                      </a:r>
-                      <a:endParaRPr b="0" lang="en-IE" sz="1450" spc="-1" strike="noStrike">
-                        <a:latin typeface="Arial"/>
-                      </a:endParaRPr>
-                    </a:p>
-                    <a:p>
-                      <a:pPr>
-                        <a:lnSpc>
-                          <a:spcPct val="100000"/>
-                        </a:lnSpc>
-                      </a:pPr>
-                      <a:r>
-                        <a:rPr b="0" lang="en-IE" sz="1450" spc="-1" strike="noStrike">
-                          <a:latin typeface="Courier New"/>
-                        </a:rPr>
-                        <a:t> </a:t>
-                      </a:r>
-                      <a:endParaRPr b="0" lang="en-IE" sz="1450" spc="-1" strike="noStrike">
-                        <a:latin typeface="Arial"/>
-                      </a:endParaRPr>
-                    </a:p>
-                    <a:p>
-                      <a:pPr>
-                        <a:lnSpc>
-                          <a:spcPct val="100000"/>
-                        </a:lnSpc>
-                      </a:pPr>
-                      <a:r>
-                        <a:rPr b="0" lang="en-IE" sz="1450" spc="-1" strike="noStrike">
-                          <a:latin typeface="Courier New"/>
-                        </a:rPr>
-                        <a:t>#Convert to 1d Vector</a:t>
-                      </a:r>
-                      <a:endParaRPr b="0" lang="en-IE" sz="1450" spc="-1" strike="noStrike">
-                        <a:latin typeface="Arial"/>
-                      </a:endParaRPr>
-                    </a:p>
-                    <a:p>
-                      <a:pPr>
-                        <a:lnSpc>
-                          <a:spcPct val="100000"/>
-                        </a:lnSpc>
-                      </a:pPr>
-                      <a:r>
-                        <a:rPr b="0" lang="en-IE" sz="1450" spc="-1" strike="noStrike">
-                          <a:latin typeface="Courier New"/>
-                        </a:rPr>
-                        <a:t>dates = np.reshape(dates, (len(dates), 1))</a:t>
-                      </a:r>
-                      <a:endParaRPr b="0" lang="en-IE" sz="1450" spc="-1" strike="noStrike">
-                        <a:latin typeface="Arial"/>
-                      </a:endParaRPr>
-                    </a:p>
-                    <a:p>
-                      <a:pPr>
-                        <a:lnSpc>
-                          <a:spcPct val="100000"/>
-                        </a:lnSpc>
-                      </a:pPr>
-                      <a:r>
-                        <a:rPr b="0" lang="en-IE" sz="1450" spc="-1" strike="noStrike">
-                          <a:latin typeface="Courier New"/>
-                        </a:rPr>
-                        <a:t>prices = np.reshape(prices, (len(prices), 1))</a:t>
-                      </a:r>
-                      <a:endParaRPr b="0" lang="en-IE" sz="1450" spc="-1" strike="noStrike">
-                        <a:latin typeface="Arial"/>
-                      </a:endParaRPr>
-                    </a:p>
-                  </a:txBody>
-                  <a:tcPr marL="90000" marR="90000">
-                    <a:lnL w="720">
-                      <a:solidFill>
-                        <a:srgbClr val="ffffff"/>
-                      </a:solidFill>
-                    </a:lnL>
-                    <a:lnR w="720">
-                      <a:solidFill>
-                        <a:srgbClr val="ffffff"/>
-                      </a:solidFill>
-                    </a:lnR>
-                    <a:lnT w="720">
-                      <a:solidFill>
-                        <a:srgbClr val="ffffff"/>
-                      </a:solidFill>
-                    </a:lnT>
-                    <a:lnB w="720">
-                      <a:solidFill>
-                        <a:srgbClr val="ffffff"/>
-                      </a:solidFill>
-                    </a:lnB>
-                    <a:solidFill>
-                      <a:srgbClr val="b3b3b3"/>
-                    </a:solidFill>
-                  </a:tcPr>
-                </a:tc>
-              </a:tr>
-            </a:tbl>
-          </a:graphicData>
-        </a:graphic>
-      </p:graphicFrame>
+            <a:endParaRPr b="0" lang="en-IE" sz="2800" spc="-1" strike="noStrike">
+              <a:latin typeface="Arial"/>
+            </a:endParaRPr>
+          </a:p>
+          <a:p>
+            <a:pPr marL="432000" indent="-323280">
+              <a:lnSpc>
+                <a:spcPct val="100000"/>
+              </a:lnSpc>
+              <a:spcBef>
+                <a:spcPts val="1417"/>
+              </a:spcBef>
+              <a:buClr>
+                <a:srgbClr val="000000"/>
+              </a:buClr>
+              <a:buSzPct val="45000"/>
+              <a:buFont typeface="Wingdings" charset="2"/>
+              <a:buChar char=""/>
+            </a:pPr>
+            <a:r>
+              <a:rPr b="0" lang="en-IE" sz="2800" spc="-1" strike="noStrike">
+                <a:solidFill>
+                  <a:srgbClr val="0066cc"/>
+                </a:solidFill>
+                <a:latin typeface="Arial"/>
+                <a:ea typeface="DejaVu Sans"/>
+              </a:rPr>
+              <a:t>We use these value to create a random normal distribution of numbers for our data set. </a:t>
+            </a:r>
+            <a:endParaRPr b="0" lang="en-IE" sz="2800" spc="-1" strike="noStrike">
+              <a:latin typeface="Arial"/>
+            </a:endParaRPr>
+          </a:p>
+          <a:p>
+            <a:pPr marL="432000" indent="-323280">
+              <a:lnSpc>
+                <a:spcPct val="100000"/>
+              </a:lnSpc>
+              <a:spcBef>
+                <a:spcPts val="1417"/>
+              </a:spcBef>
+              <a:buClr>
+                <a:srgbClr val="000000"/>
+              </a:buClr>
+              <a:buSzPct val="45000"/>
+              <a:buFont typeface="Wingdings" charset="2"/>
+              <a:buChar char=""/>
+            </a:pPr>
+            <a:r>
+              <a:rPr b="0" lang="en-IE" sz="2800" spc="-1" strike="noStrike">
+                <a:solidFill>
+                  <a:srgbClr val="0066cc"/>
+                </a:solidFill>
+                <a:latin typeface="Arial"/>
+                <a:ea typeface="DejaVu Sans"/>
+              </a:rPr>
+              <a:t>We use the plt.hist() method to create our histogram. </a:t>
+            </a:r>
+            <a:endParaRPr b="0" lang="en-IE" sz="2800" spc="-1" strike="noStrike">
+              <a:latin typeface="Arial"/>
+            </a:endParaRPr>
+          </a:p>
+          <a:p>
+            <a:pPr marL="432000" indent="-323280">
+              <a:lnSpc>
+                <a:spcPct val="100000"/>
+              </a:lnSpc>
+              <a:spcBef>
+                <a:spcPts val="1417"/>
+              </a:spcBef>
+              <a:buClr>
+                <a:srgbClr val="000000"/>
+              </a:buClr>
+              <a:buSzPct val="45000"/>
+              <a:buFont typeface="Wingdings" charset="2"/>
+              <a:buChar char=""/>
+            </a:pPr>
+            <a:r>
+              <a:rPr b="0" lang="en-IE" sz="2800" spc="-1" strike="noStrike">
+                <a:solidFill>
+                  <a:srgbClr val="0066cc"/>
+                </a:solidFill>
+                <a:latin typeface="Arial"/>
+                <a:ea typeface="DejaVu Sans"/>
+              </a:rPr>
+              <a:t>Note that we can add text such as axis labels and titles with matplotlib as well. </a:t>
+            </a:r>
+            <a:endParaRPr b="0" lang="en-IE" sz="2800" spc="-1" strike="noStrike">
+              <a:latin typeface="Arial"/>
+            </a:endParaRPr>
+          </a:p>
+        </p:txBody>
+      </p:sp>
     </p:spTree>
   </p:cSld>
   <p:timing>
@@ -5432,14 +5713,14 @@
       </p:grpSpPr>
       <p:sp>
         <p:nvSpPr>
-          <p:cNvPr id="116" name="CustomShape 1"/>
+          <p:cNvPr id="117" name="CustomShape 1"/>
           <p:cNvSpPr/>
           <p:nvPr/>
         </p:nvSpPr>
         <p:spPr>
           <a:xfrm>
             <a:off x="504000" y="301320"/>
-            <a:ext cx="9071280" cy="637200"/>
+            <a:ext cx="9070920" cy="636840"/>
           </a:xfrm>
           <a:prstGeom prst="rect">
             <a:avLst/>
@@ -5469,8 +5750,9 @@
                   <a:srgbClr val="ffffff"/>
                 </a:solidFill>
                 <a:latin typeface="Arial"/>
+                <a:ea typeface="DejaVu Sans"/>
               </a:rPr>
-              <a:t>Introduction to Python</a:t>
+              <a:t>Data Visualization</a:t>
             </a:r>
             <a:endParaRPr b="0" lang="en-IE" sz="4400" spc="-1" strike="noStrike">
               <a:latin typeface="Arial"/>
@@ -5480,14 +5762,14 @@
       </p:sp>
       <p:sp>
         <p:nvSpPr>
-          <p:cNvPr id="117" name="CustomShape 2"/>
+          <p:cNvPr id="118" name="CustomShape 2"/>
           <p:cNvSpPr/>
           <p:nvPr/>
         </p:nvSpPr>
         <p:spPr>
           <a:xfrm>
             <a:off x="504000" y="1769040"/>
-            <a:ext cx="9071280" cy="4384080"/>
+            <a:ext cx="9070920" cy="4383720"/>
           </a:xfrm>
           <a:prstGeom prst="rect">
             <a:avLst/>
@@ -5506,7 +5788,20 @@
         <p:txBody>
           <a:bodyPr lIns="0" rIns="0" tIns="0" bIns="0"/>
           <a:p>
-            <a:pPr marL="432000" indent="-323640">
+            <a:pPr>
+              <a:lnSpc>
+                <a:spcPct val="100000"/>
+              </a:lnSpc>
+              <a:spcBef>
+                <a:spcPts val="1417"/>
+              </a:spcBef>
+            </a:pPr>
+            <a:endParaRPr b="0" lang="en-IE" sz="1800" spc="-1" strike="noStrike">
+              <a:latin typeface="Arial"/>
+            </a:endParaRPr>
+          </a:p>
+          <a:p>
+            <a:pPr marL="432000" indent="-323280">
               <a:lnSpc>
                 <a:spcPct val="100000"/>
               </a:lnSpc>
@@ -5521,313 +5816,70 @@
               <a:buChar char=""/>
             </a:pPr>
             <a:r>
-              <a:rPr b="0" lang="en-IE" sz="3200" spc="-1" strike="noStrike">
+              <a:rPr b="0" lang="en-IE" sz="2800" spc="-1" strike="noStrike">
                 <a:solidFill>
                   <a:srgbClr val="0066cc"/>
                 </a:solidFill>
                 <a:latin typeface="Arial"/>
+                <a:ea typeface="DejaVu Sans"/>
               </a:rPr>
-              <a:t> </a:t>
+              <a:t>Note that when we call plt.text(), we pass it a special type of a string called a </a:t>
             </a:r>
-            <a:endParaRPr b="0" lang="en-IE" sz="3200" spc="-1" strike="noStrike">
-              <a:latin typeface="Arial"/>
-            </a:endParaRPr>
-          </a:p>
-        </p:txBody>
-      </p:sp>
-      <p:graphicFrame>
-        <p:nvGraphicFramePr>
-          <p:cNvPr id="118" name="Table 3"/>
-          <p:cNvGraphicFramePr/>
-          <p:nvPr/>
-        </p:nvGraphicFramePr>
-        <p:xfrm>
-          <a:off x="100800" y="1435320"/>
-          <a:ext cx="9646920" cy="4113000"/>
-        </p:xfrm>
-        <a:graphic>
-          <a:graphicData uri="http://schemas.openxmlformats.org/drawingml/2006/table">
-            <a:tbl>
-              <a:tblPr/>
-              <a:tblGrid>
-                <a:gridCol w="9647280"/>
-              </a:tblGrid>
-              <a:tr h="4113360">
-                <a:tc>
-                  <a:txBody>
-                    <a:bodyPr lIns="90000" rIns="90000"/>
-                    <a:p>
-                      <a:pPr>
-                        <a:lnSpc>
-                          <a:spcPct val="100000"/>
-                        </a:lnSpc>
-                      </a:pPr>
-                      <a:r>
-                        <a:rPr b="0" lang="en-IE" sz="1800" spc="-1" strike="noStrike">
-                          <a:latin typeface="Courier New"/>
-                        </a:rPr>
-                        <a:t>regressor = LinearRegression()</a:t>
-                      </a:r>
-                      <a:endParaRPr b="0" lang="en-IE" sz="1800" spc="-1" strike="noStrike">
-                        <a:latin typeface="Arial"/>
-                      </a:endParaRPr>
-                    </a:p>
-                    <a:p>
-                      <a:pPr>
-                        <a:lnSpc>
-                          <a:spcPct val="100000"/>
-                        </a:lnSpc>
-                      </a:pPr>
-                      <a:r>
-                        <a:rPr b="0" lang="en-IE" sz="1800" spc="-1" strike="noStrike">
-                          <a:latin typeface="Courier New"/>
-                        </a:rPr>
-                        <a:t>regressor.fit(dates, prices)</a:t>
-                      </a:r>
-                      <a:endParaRPr b="0" lang="en-IE" sz="1800" spc="-1" strike="noStrike">
-                        <a:latin typeface="Arial"/>
-                      </a:endParaRPr>
-                    </a:p>
-                    <a:p>
-                      <a:pPr>
-                        <a:lnSpc>
-                          <a:spcPct val="100000"/>
-                        </a:lnSpc>
-                      </a:pPr>
-                      <a:r>
-                        <a:rPr b="0" lang="en-IE" sz="1800" spc="-1" strike="noStrike">
-                          <a:latin typeface="Courier New"/>
-                        </a:rPr>
-                        <a:t> </a:t>
-                      </a:r>
-                      <a:endParaRPr b="0" lang="en-IE" sz="1800" spc="-1" strike="noStrike">
-                        <a:latin typeface="Arial"/>
-                      </a:endParaRPr>
-                    </a:p>
-                    <a:p>
-                      <a:pPr>
-                        <a:lnSpc>
-                          <a:spcPct val="100000"/>
-                        </a:lnSpc>
-                      </a:pPr>
-                      <a:r>
-                        <a:rPr b="0" lang="en-IE" sz="1800" spc="-1" strike="noStrike">
-                          <a:latin typeface="Courier New"/>
-                        </a:rPr>
-                        <a:t>#Visualize Results</a:t>
-                      </a:r>
-                      <a:endParaRPr b="0" lang="en-IE" sz="1800" spc="-1" strike="noStrike">
-                        <a:latin typeface="Arial"/>
-                      </a:endParaRPr>
-                    </a:p>
-                    <a:p>
-                      <a:pPr>
-                        <a:lnSpc>
-                          <a:spcPct val="100000"/>
-                        </a:lnSpc>
-                      </a:pPr>
-                      <a:r>
-                        <a:rPr b="0" lang="en-IE" sz="1800" spc="-1" strike="noStrike">
-                          <a:latin typeface="Courier New"/>
-                        </a:rPr>
-                        <a:t>plt.scatter(dates, prices, color='yellow', label= 'Actual Price') #plotting the initial datapoints</a:t>
-                      </a:r>
-                      <a:endParaRPr b="0" lang="en-IE" sz="1800" spc="-1" strike="noStrike">
-                        <a:latin typeface="Arial"/>
-                      </a:endParaRPr>
-                    </a:p>
-                    <a:p>
-                      <a:pPr>
-                        <a:lnSpc>
-                          <a:spcPct val="100000"/>
-                        </a:lnSpc>
-                      </a:pPr>
-                      <a:r>
-                        <a:rPr b="0" lang="en-IE" sz="1800" spc="-1" strike="noStrike">
-                          <a:latin typeface="Courier New"/>
-                        </a:rPr>
-                        <a:t>plt.plot(dates, regressor.predict(dates), color='red', linewidth=3, label = 'Predicted Price') #plotting the line made by linear regression</a:t>
-                      </a:r>
-                      <a:endParaRPr b="0" lang="en-IE" sz="1800" spc="-1" strike="noStrike">
-                        <a:latin typeface="Arial"/>
-                      </a:endParaRPr>
-                    </a:p>
-                    <a:p>
-                      <a:pPr>
-                        <a:lnSpc>
-                          <a:spcPct val="100000"/>
-                        </a:lnSpc>
-                      </a:pPr>
-                      <a:r>
-                        <a:rPr b="0" lang="en-IE" sz="1800" spc="-1" strike="noStrike">
-                          <a:latin typeface="Courier New"/>
-                        </a:rPr>
-                        <a:t>plt.title('Linear Regression | Time vs. Price')</a:t>
-                      </a:r>
-                      <a:endParaRPr b="0" lang="en-IE" sz="1800" spc="-1" strike="noStrike">
-                        <a:latin typeface="Arial"/>
-                      </a:endParaRPr>
-                    </a:p>
-                    <a:p>
-                      <a:pPr>
-                        <a:lnSpc>
-                          <a:spcPct val="100000"/>
-                        </a:lnSpc>
-                      </a:pPr>
-                      <a:r>
-                        <a:rPr b="0" lang="en-IE" sz="1800" spc="-1" strike="noStrike">
-                          <a:latin typeface="Courier New"/>
-                        </a:rPr>
-                        <a:t>plt.legend()</a:t>
-                      </a:r>
-                      <a:endParaRPr b="0" lang="en-IE" sz="1800" spc="-1" strike="noStrike">
-                        <a:latin typeface="Arial"/>
-                      </a:endParaRPr>
-                    </a:p>
-                    <a:p>
-                      <a:pPr>
-                        <a:lnSpc>
-                          <a:spcPct val="100000"/>
-                        </a:lnSpc>
-                      </a:pPr>
-                      <a:r>
-                        <a:rPr b="0" lang="en-IE" sz="1800" spc="-1" strike="noStrike">
-                          <a:latin typeface="Courier New"/>
-                        </a:rPr>
-                        <a:t>plt.xlabel('Date Integer')</a:t>
-                      </a:r>
-                      <a:endParaRPr b="0" lang="en-IE" sz="1800" spc="-1" strike="noStrike">
-                        <a:latin typeface="Arial"/>
-                      </a:endParaRPr>
-                    </a:p>
-                    <a:p>
-                      <a:pPr>
-                        <a:lnSpc>
-                          <a:spcPct val="100000"/>
-                        </a:lnSpc>
-                      </a:pPr>
-                      <a:r>
-                        <a:rPr b="0" lang="en-IE" sz="1800" spc="-1" strike="noStrike">
-                          <a:latin typeface="Courier New"/>
-                        </a:rPr>
-                        <a:t>plt.show()</a:t>
-                      </a:r>
-                      <a:endParaRPr b="0" lang="en-IE" sz="1800" spc="-1" strike="noStrike">
-                        <a:latin typeface="Arial"/>
-                      </a:endParaRPr>
-                    </a:p>
-                    <a:p>
-                      <a:pPr>
-                        <a:lnSpc>
-                          <a:spcPct val="100000"/>
-                        </a:lnSpc>
-                      </a:pPr>
-                      <a:r>
-                        <a:rPr b="0" lang="en-IE" sz="1800" spc="-1" strike="noStrike">
-                          <a:latin typeface="Courier New"/>
-                        </a:rPr>
-                        <a:t> </a:t>
-                      </a:r>
-                      <a:endParaRPr b="0" lang="en-IE" sz="1800" spc="-1" strike="noStrike">
-                        <a:latin typeface="Arial"/>
-                      </a:endParaRPr>
-                    </a:p>
-                    <a:p>
-                      <a:pPr>
-                        <a:lnSpc>
-                          <a:spcPct val="100000"/>
-                        </a:lnSpc>
-                      </a:pPr>
-                      <a:r>
-                        <a:rPr b="0" lang="en-IE" sz="1800" spc="-1" strike="noStrike">
-                          <a:latin typeface="Courier New"/>
-                        </a:rPr>
-                        <a:t>#Predict Price on Given Date</a:t>
-                      </a:r>
-                      <a:endParaRPr b="0" lang="en-IE" sz="1800" spc="-1" strike="noStrike">
-                        <a:latin typeface="Arial"/>
-                      </a:endParaRPr>
-                    </a:p>
-                    <a:p>
-                      <a:pPr>
-                        <a:lnSpc>
-                          <a:spcPct val="100000"/>
-                        </a:lnSpc>
-                      </a:pPr>
-                      <a:r>
-                        <a:rPr b="0" lang="en-IE" sz="1800" spc="-1" strike="noStrike">
-                          <a:latin typeface="Courier New"/>
-                        </a:rPr>
-                        <a:t>date = 10</a:t>
-                      </a:r>
-                      <a:endParaRPr b="0" lang="en-IE" sz="1800" spc="-1" strike="noStrike">
-                        <a:latin typeface="Arial"/>
-                      </a:endParaRPr>
-                    </a:p>
-                    <a:p>
-                      <a:pPr>
-                        <a:lnSpc>
-                          <a:spcPct val="100000"/>
-                        </a:lnSpc>
-                      </a:pPr>
-                      <a:r>
-                        <a:rPr b="0" lang="en-IE" sz="1800" spc="-1" strike="noStrike">
-                          <a:latin typeface="Courier New"/>
-                        </a:rPr>
-                        <a:t>predicted_price =regressor.predict(date)</a:t>
-                      </a:r>
-                      <a:endParaRPr b="0" lang="en-IE" sz="1800" spc="-1" strike="noStrike">
-                        <a:latin typeface="Arial"/>
-                      </a:endParaRPr>
-                    </a:p>
-                    <a:p>
-                      <a:pPr>
-                        <a:lnSpc>
-                          <a:spcPct val="100000"/>
-                        </a:lnSpc>
-                      </a:pPr>
-                      <a:r>
-                        <a:rPr b="0" lang="en-IE" sz="1800" spc="-1" strike="noStrike">
-                          <a:latin typeface="Courier New"/>
-                        </a:rPr>
-                        <a:t>print(predicted_price[0][0],regressor.coef_[0][0] ,regressor.intercept_[0])</a:t>
-                      </a:r>
-                      <a:endParaRPr b="0" lang="en-IE" sz="1800" spc="-1" strike="noStrike">
-                        <a:latin typeface="Arial"/>
-                      </a:endParaRPr>
-                    </a:p>
-                  </a:txBody>
-                  <a:tcPr marL="90000" marR="90000">
-                    <a:lnL w="720">
-                      <a:solidFill>
-                        <a:srgbClr val="ffffff"/>
-                      </a:solidFill>
-                    </a:lnL>
-                    <a:lnR w="720">
-                      <a:solidFill>
-                        <a:srgbClr val="ffffff"/>
-                      </a:solidFill>
-                    </a:lnR>
-                    <a:lnT w="720">
-                      <a:solidFill>
-                        <a:srgbClr val="ffffff"/>
-                      </a:solidFill>
-                    </a:lnT>
-                    <a:lnB w="720">
-                      <a:solidFill>
-                        <a:srgbClr val="ffffff"/>
-                      </a:solidFill>
-                    </a:lnB>
-                    <a:solidFill>
-                      <a:srgbClr val="b3b3b3"/>
-                    </a:solidFill>
-                  </a:tcPr>
-                </a:tc>
-              </a:tr>
-            </a:tbl>
-          </a:graphicData>
-        </a:graphic>
-      </p:graphicFrame>
+            <a:r>
+              <a:rPr b="0" i="1" lang="en-IE" sz="2800" spc="-1" strike="noStrike">
+                <a:solidFill>
+                  <a:srgbClr val="0066cc"/>
+                </a:solidFill>
+                <a:latin typeface="Arial"/>
+                <a:ea typeface="DejaVu Sans"/>
+              </a:rPr>
+              <a:t>raw string</a:t>
+            </a:r>
+            <a:r>
+              <a:rPr b="0" lang="en-IE" sz="2800" spc="-1" strike="noStrike">
+                <a:solidFill>
+                  <a:srgbClr val="0066cc"/>
+                </a:solidFill>
+                <a:latin typeface="Arial"/>
+                <a:ea typeface="DejaVu Sans"/>
+              </a:rPr>
+              <a:t>.  Raw strings are denoted by the ‘r’ character in front of the string. This is generally used for equations.</a:t>
+            </a:r>
+            <a:endParaRPr b="0" lang="en-IE" sz="2800" spc="-1" strike="noStrike">
+              <a:latin typeface="Arial"/>
+            </a:endParaRPr>
+          </a:p>
+          <a:p>
+            <a:pPr marL="432000" indent="-323280">
+              <a:lnSpc>
+                <a:spcPct val="100000"/>
+              </a:lnSpc>
+              <a:spcBef>
+                <a:spcPts val="1417"/>
+              </a:spcBef>
+              <a:buClr>
+                <a:srgbClr val="000000"/>
+              </a:buClr>
+              <a:buSzPct val="45000"/>
+              <a:buFont typeface="Wingdings" charset="2"/>
+              <a:buChar char=""/>
+            </a:pPr>
+            <a:r>
+              <a:rPr b="0" lang="en-IE" sz="2800" spc="-1" strike="noStrike">
+                <a:solidFill>
+                  <a:srgbClr val="0066cc"/>
+                </a:solidFill>
+                <a:latin typeface="Arial"/>
+                <a:ea typeface="DejaVu Sans"/>
+              </a:rPr>
+              <a:t>The raw string notation tells Python not to try and interpret any characters inside the string itself and simply pass it as is to the method. </a:t>
+            </a:r>
+            <a:endParaRPr b="0" lang="en-IE" sz="2800" spc="-1" strike="noStrike">
+              <a:latin typeface="Arial"/>
+            </a:endParaRPr>
+          </a:p>
+        </p:txBody>
+      </p:sp>
     </p:spTree>
   </p:cSld>
   <p:timing>
@@ -5886,7 +5938,7 @@
         <p:spPr>
           <a:xfrm>
             <a:off x="504000" y="301320"/>
-            <a:ext cx="9071280" cy="637200"/>
+            <a:ext cx="9070920" cy="636840"/>
           </a:xfrm>
           <a:prstGeom prst="rect">
             <a:avLst/>
@@ -5916,8 +5968,9 @@
                   <a:srgbClr val="ffffff"/>
                 </a:solidFill>
                 <a:latin typeface="Arial"/>
+                <a:ea typeface="DejaVu Sans"/>
               </a:rPr>
-              <a:t>Implementing Trading Algorithms</a:t>
+              <a:t>Data Visualization</a:t>
             </a:r>
             <a:endParaRPr b="0" lang="en-IE" sz="4400" spc="-1" strike="noStrike">
               <a:latin typeface="Arial"/>
@@ -5934,7 +5987,7 @@
         <p:spPr>
           <a:xfrm>
             <a:off x="504000" y="1769040"/>
-            <a:ext cx="9071280" cy="4384080"/>
+            <a:ext cx="9070920" cy="4383720"/>
           </a:xfrm>
           <a:prstGeom prst="rect">
             <a:avLst/>
@@ -5966,7 +6019,7 @@
             </a:endParaRPr>
           </a:p>
           <a:p>
-            <a:pPr marL="432000" indent="-323640">
+            <a:pPr marL="432000" indent="-323280">
               <a:lnSpc>
                 <a:spcPct val="100000"/>
               </a:lnSpc>
@@ -5981,20 +6034,21 @@
               <a:buChar char=""/>
             </a:pPr>
             <a:r>
-              <a:rPr b="0" lang="en-IE" sz="3200" spc="-1" strike="noStrike">
+              <a:rPr b="0" lang="en-IE" sz="2800" spc="-1" strike="noStrike">
                 <a:solidFill>
                   <a:srgbClr val="0066cc"/>
                 </a:solidFill>
                 <a:latin typeface="Arial"/>
+                <a:ea typeface="DejaVu Sans"/>
               </a:rPr>
-              <a:t>In this example, we use Quandl to get a stock price.  We grab the closing price and use the date as our dataframe index. </a:t>
+              <a:t>In the example, we set our mu (mean) value for IQ to 100 and our standard deviation (sigma) value to 15. </a:t>
             </a:r>
-            <a:endParaRPr b="0" lang="en-IE" sz="3200" spc="-1" strike="noStrike">
-              <a:latin typeface="Arial"/>
-            </a:endParaRPr>
-          </a:p>
-          <a:p>
-            <a:pPr marL="432000" indent="-323640">
+            <a:endParaRPr b="0" lang="en-IE" sz="2800" spc="-1" strike="noStrike">
+              <a:latin typeface="Arial"/>
+            </a:endParaRPr>
+          </a:p>
+          <a:p>
+            <a:pPr marL="432000" indent="-323280">
               <a:lnSpc>
                 <a:spcPct val="100000"/>
               </a:lnSpc>
@@ -6009,15 +6063,74 @@
               <a:buChar char=""/>
             </a:pPr>
             <a:r>
-              <a:rPr b="0" lang="en-IE" sz="3200" spc="-1" strike="noStrike">
+              <a:rPr b="0" lang="en-IE" sz="2800" spc="-1" strike="noStrike">
                 <a:solidFill>
                   <a:srgbClr val="0066cc"/>
                 </a:solidFill>
                 <a:latin typeface="Arial"/>
+                <a:ea typeface="DejaVu Sans"/>
               </a:rPr>
-              <a:t>We then convert both the prices and the dates into one dimensional vectors that we’ll feed to our linear regression algorithm. </a:t>
+              <a:t>We use these value to create a random normal distribution of numbers for our data set. </a:t>
             </a:r>
-            <a:endParaRPr b="0" lang="en-IE" sz="3200" spc="-1" strike="noStrike">
+            <a:endParaRPr b="0" lang="en-IE" sz="2800" spc="-1" strike="noStrike">
+              <a:latin typeface="Arial"/>
+            </a:endParaRPr>
+          </a:p>
+          <a:p>
+            <a:pPr marL="432000" indent="-323280">
+              <a:lnSpc>
+                <a:spcPct val="100000"/>
+              </a:lnSpc>
+              <a:spcBef>
+                <a:spcPts val="1417"/>
+              </a:spcBef>
+              <a:buClr>
+                <a:srgbClr val="000000"/>
+              </a:buClr>
+              <a:buSzPct val="45000"/>
+              <a:buFont typeface="Wingdings" charset="2"/>
+              <a:buChar char=""/>
+            </a:pPr>
+            <a:r>
+              <a:rPr b="0" lang="en-IE" sz="2800" spc="-1" strike="noStrike">
+                <a:solidFill>
+                  <a:srgbClr val="0066cc"/>
+                </a:solidFill>
+                <a:latin typeface="Arial"/>
+                <a:ea typeface="DejaVu Sans"/>
+              </a:rPr>
+              <a:t>We use the plt.hist() method to create our histogram. </a:t>
+            </a:r>
+            <a:endParaRPr b="0" lang="en-IE" sz="2800" spc="-1" strike="noStrike">
+              <a:latin typeface="Arial"/>
+            </a:endParaRPr>
+          </a:p>
+          <a:p>
+            <a:pPr marL="432000" indent="-323280">
+              <a:lnSpc>
+                <a:spcPct val="100000"/>
+              </a:lnSpc>
+              <a:spcBef>
+                <a:spcPts val="1417"/>
+              </a:spcBef>
+              <a:buClr>
+                <a:srgbClr val="000000"/>
+              </a:buClr>
+              <a:buSzPct val="45000"/>
+              <a:buFont typeface="Wingdings" charset="2"/>
+              <a:buChar char=""/>
+            </a:pPr>
+            <a:r>
+              <a:rPr b="0" lang="en-IE" sz="2800" spc="-1" strike="noStrike">
+                <a:solidFill>
+                  <a:srgbClr val="0066cc"/>
+                </a:solidFill>
+                <a:latin typeface="Arial"/>
+                <a:ea typeface="DejaVu Sans"/>
+              </a:rPr>
+              <a:t>Note that we can add text such as axis labels and titles with matplotlib as well. </a:t>
+            </a:r>
+            <a:endParaRPr b="0" lang="en-IE" sz="2800" spc="-1" strike="noStrike">
               <a:latin typeface="Arial"/>
             </a:endParaRPr>
           </a:p>
@@ -6081,7 +6194,7 @@
         <p:spPr>
           <a:xfrm>
             <a:off x="504000" y="301320"/>
-            <a:ext cx="9071280" cy="637200"/>
+            <a:ext cx="9070920" cy="636840"/>
           </a:xfrm>
           <a:prstGeom prst="rect">
             <a:avLst/>
@@ -6111,8 +6224,9 @@
                   <a:srgbClr val="ffffff"/>
                 </a:solidFill>
                 <a:latin typeface="Arial"/>
+                <a:ea typeface="DejaVu Sans"/>
               </a:rPr>
-              <a:t>Implementing Trading Strategies</a:t>
+              <a:t>Data Visualization</a:t>
             </a:r>
             <a:endParaRPr b="0" lang="en-IE" sz="4400" spc="-1" strike="noStrike">
               <a:latin typeface="Arial"/>
@@ -6129,7 +6243,7 @@
         <p:spPr>
           <a:xfrm>
             <a:off x="504000" y="1769040"/>
-            <a:ext cx="9071280" cy="4384080"/>
+            <a:ext cx="9070920" cy="4383720"/>
           </a:xfrm>
           <a:prstGeom prst="rect">
             <a:avLst/>
@@ -6148,7 +6262,20 @@
         <p:txBody>
           <a:bodyPr lIns="0" rIns="0" tIns="0" bIns="0"/>
           <a:p>
-            <a:pPr marL="432000" indent="-323640">
+            <a:pPr>
+              <a:lnSpc>
+                <a:spcPct val="100000"/>
+              </a:lnSpc>
+              <a:spcBef>
+                <a:spcPts val="1417"/>
+              </a:spcBef>
+            </a:pPr>
+            <a:endParaRPr b="0" lang="en-IE" sz="1800" spc="-1" strike="noStrike">
+              <a:latin typeface="Arial"/>
+            </a:endParaRPr>
+          </a:p>
+          <a:p>
+            <a:pPr marL="432000" indent="-323280">
               <a:lnSpc>
                 <a:spcPct val="100000"/>
               </a:lnSpc>
@@ -6168,15 +6295,36 @@
                   <a:srgbClr val="0066cc"/>
                 </a:solidFill>
                 <a:latin typeface="Arial"/>
+                <a:ea typeface="DejaVu Sans"/>
               </a:rPr>
-              <a:t>In this module, we are going to use Python and Pandas to extract and model some trading strategies.</a:t>
+              <a:t>The most popular data visualization package for Python is </a:t>
+            </a:r>
+            <a:r>
+              <a:rPr b="0" i="1" lang="en-IE" sz="3200" spc="-1" strike="noStrike">
+                <a:solidFill>
+                  <a:srgbClr val="0066cc"/>
+                </a:solidFill>
+                <a:latin typeface="Arial"/>
+                <a:ea typeface="DejaVu Sans"/>
+              </a:rPr>
+              <a:t>matplotlib</a:t>
+            </a:r>
+            <a:r>
+              <a:rPr b="0" lang="en-IE" sz="3200" spc="-1" strike="noStrike">
+                <a:solidFill>
+                  <a:srgbClr val="0066cc"/>
+                </a:solidFill>
+                <a:latin typeface="Arial"/>
+                <a:ea typeface="DejaVu Sans"/>
+              </a:rPr>
+              <a:t>.  Matplotlib allows us to create nearly any type of graph that we desire by simplying calling a few methods from the library. </a:t>
             </a:r>
             <a:endParaRPr b="0" lang="en-IE" sz="3200" spc="-1" strike="noStrike">
               <a:latin typeface="Arial"/>
             </a:endParaRPr>
           </a:p>
           <a:p>
-            <a:pPr marL="432000" indent="-323640">
+            <a:pPr marL="432000" indent="-323280">
               <a:lnSpc>
                 <a:spcPct val="100000"/>
               </a:lnSpc>
@@ -6196,54 +6344,9 @@
                   <a:srgbClr val="0066cc"/>
                 </a:solidFill>
                 <a:latin typeface="Arial"/>
+                <a:ea typeface="DejaVu Sans"/>
               </a:rPr>
-              <a:t>The first strategy will look at is the </a:t>
-            </a:r>
-            <a:r>
-              <a:rPr b="0" i="1" lang="en-IE" sz="3200" spc="-1" strike="noStrike">
-                <a:solidFill>
-                  <a:srgbClr val="0066cc"/>
-                </a:solidFill>
-                <a:latin typeface="Arial"/>
-              </a:rPr>
-              <a:t>moving average</a:t>
-            </a:r>
-            <a:r>
-              <a:rPr b="0" lang="en-IE" sz="3200" spc="-1" strike="noStrike">
-                <a:solidFill>
-                  <a:srgbClr val="0066cc"/>
-                </a:solidFill>
-                <a:latin typeface="Arial"/>
-              </a:rPr>
-              <a:t>.  </a:t>
-            </a:r>
-            <a:endParaRPr b="0" lang="en-IE" sz="3200" spc="-1" strike="noStrike">
-              <a:latin typeface="Arial"/>
-            </a:endParaRPr>
-          </a:p>
-          <a:p>
-            <a:pPr marL="432000" indent="-323640">
-              <a:lnSpc>
-                <a:spcPct val="100000"/>
-              </a:lnSpc>
-              <a:spcBef>
-                <a:spcPts val="1417"/>
-              </a:spcBef>
-              <a:buClr>
-                <a:srgbClr val="000000"/>
-              </a:buClr>
-              <a:buSzPct val="45000"/>
-              <a:buFont typeface="Wingdings" charset="2"/>
-              <a:buChar char=""/>
-            </a:pPr>
-            <a:r>
-              <a:rPr b="0" lang="en-IE" sz="3200" spc="-1" strike="noStrike">
-                <a:solidFill>
-                  <a:srgbClr val="0066cc"/>
-                </a:solidFill>
-                <a:latin typeface="Arial"/>
-              </a:rPr>
-              <a:t>The next example will show how to calculate this using Pandas. </a:t>
+              <a:t>Following is a simple example of creating a line graph in matplotlib. </a:t>
             </a:r>
             <a:endParaRPr b="0" lang="en-IE" sz="3200" spc="-1" strike="noStrike">
               <a:latin typeface="Arial"/>
@@ -6309,7 +6412,7 @@
         <p:spPr>
           <a:xfrm>
             <a:off x="504000" y="301320"/>
-            <a:ext cx="9071280" cy="637200"/>
+            <a:ext cx="9070920" cy="636840"/>
           </a:xfrm>
           <a:prstGeom prst="rect">
             <a:avLst/>
@@ -6339,8 +6442,9 @@
                   <a:srgbClr val="ffffff"/>
                 </a:solidFill>
                 <a:latin typeface="Arial"/>
+                <a:ea typeface="DejaVu Sans"/>
               </a:rPr>
-              <a:t>Implementing Trading Algorithms</a:t>
+              <a:t>Data Visualization</a:t>
             </a:r>
             <a:endParaRPr b="0" lang="en-IE" sz="4400" spc="-1" strike="noStrike">
               <a:latin typeface="Arial"/>
@@ -6357,7 +6461,7 @@
         <p:spPr>
           <a:xfrm>
             <a:off x="504000" y="1769040"/>
-            <a:ext cx="9071280" cy="4384080"/>
+            <a:ext cx="9070920" cy="4383720"/>
           </a:xfrm>
           <a:prstGeom prst="rect">
             <a:avLst/>
@@ -6389,7 +6493,7 @@
             </a:endParaRPr>
           </a:p>
           <a:p>
-            <a:pPr marL="432000" indent="-323640">
+            <a:pPr marL="432000" indent="-323280">
               <a:lnSpc>
                 <a:spcPct val="100000"/>
               </a:lnSpc>
@@ -6404,20 +6508,21 @@
               <a:buChar char=""/>
             </a:pPr>
             <a:r>
-              <a:rPr b="0" lang="en-IE" sz="3200" spc="-1" strike="noStrike">
+              <a:rPr b="0" lang="en-IE" sz="2800" spc="-1" strike="noStrike">
                 <a:solidFill>
                   <a:srgbClr val="0066cc"/>
                 </a:solidFill>
                 <a:latin typeface="Arial"/>
+                <a:ea typeface="DejaVu Sans"/>
               </a:rPr>
-              <a:t>We use SKLearn to create a regression instance and then fit the data to it. </a:t>
+              <a:t>Matplotlib also allows us to plot data on logarithmic and logit axes as well as linear axes.</a:t>
             </a:r>
-            <a:endParaRPr b="0" lang="en-IE" sz="3200" spc="-1" strike="noStrike">
-              <a:latin typeface="Arial"/>
-            </a:endParaRPr>
-          </a:p>
-          <a:p>
-            <a:pPr marL="432000" indent="-323640">
+            <a:endParaRPr b="0" lang="en-IE" sz="2800" spc="-1" strike="noStrike">
+              <a:latin typeface="Arial"/>
+            </a:endParaRPr>
+          </a:p>
+          <a:p>
+            <a:pPr marL="432000" indent="-323280">
               <a:lnSpc>
                 <a:spcPct val="100000"/>
               </a:lnSpc>
@@ -6432,61 +6537,103 @@
               <a:buChar char=""/>
             </a:pPr>
             <a:r>
-              <a:rPr b="0" lang="en-IE" sz="3200" spc="-1" strike="noStrike">
+              <a:rPr b="0" lang="en-IE" sz="2800" spc="-1" strike="noStrike">
                 <a:solidFill>
                   <a:srgbClr val="0066cc"/>
                 </a:solidFill>
                 <a:latin typeface="Arial"/>
+                <a:ea typeface="DejaVu Sans"/>
               </a:rPr>
-              <a:t>We can then plot a graph to see how well the line fits the data.  </a:t>
+              <a:t>The next four examples will show some data plotted over three different types of axes.</a:t>
             </a:r>
-            <a:endParaRPr b="0" lang="en-IE" sz="3200" spc="-1" strike="noStrike">
-              <a:latin typeface="Arial"/>
-            </a:endParaRPr>
-          </a:p>
-          <a:p>
-            <a:pPr marL="432000" indent="-323640">
+            <a:endParaRPr b="0" lang="en-IE" sz="2800" spc="-1" strike="noStrike">
+              <a:latin typeface="Arial"/>
+            </a:endParaRPr>
+          </a:p>
+          <a:p>
+            <a:pPr lvl="1" marL="864000" indent="-323280">
               <a:lnSpc>
                 <a:spcPct val="100000"/>
               </a:lnSpc>
               <a:spcBef>
-                <a:spcPts val="1417"/>
+                <a:spcPts val="1134"/>
               </a:spcBef>
               <a:buClr>
                 <a:srgbClr val="000000"/>
               </a:buClr>
-              <a:buSzPct val="45000"/>
-              <a:buFont typeface="Wingdings" charset="2"/>
-              <a:buChar char=""/>
+              <a:buSzPct val="75000"/>
+              <a:buFont typeface="Symbol"/>
+              <a:buChar char=""/>
             </a:pPr>
             <a:r>
-              <a:rPr b="0" lang="en-IE" sz="3200" spc="-1" strike="noStrike">
+              <a:rPr b="0" lang="en-IE" sz="2800" spc="-1" strike="noStrike">
                 <a:solidFill>
                   <a:srgbClr val="0066cc"/>
                 </a:solidFill>
                 <a:latin typeface="Arial"/>
+                <a:ea typeface="DejaVu Sans"/>
               </a:rPr>
-              <a:t>Finally, we can test some new data by passing it to the </a:t>
+              <a:t>Log</a:t>
             </a:r>
+            <a:endParaRPr b="0" lang="en-IE" sz="2800" spc="-1" strike="noStrike">
+              <a:latin typeface="Arial"/>
+            </a:endParaRPr>
+          </a:p>
+          <a:p>
+            <a:pPr lvl="1" marL="864000" indent="-323280">
+              <a:lnSpc>
+                <a:spcPct val="100000"/>
+              </a:lnSpc>
+              <a:spcBef>
+                <a:spcPts val="1134"/>
+              </a:spcBef>
+              <a:buClr>
+                <a:srgbClr val="000000"/>
+              </a:buClr>
+              <a:buSzPct val="75000"/>
+              <a:buFont typeface="Symbol"/>
+              <a:buChar char=""/>
+            </a:pPr>
             <a:r>
-              <a:rPr b="0" i="1" lang="en-IE" sz="3200" spc="-1" strike="noStrike">
+              <a:rPr b="0" lang="en-IE" sz="2800" spc="-1" strike="noStrike">
                 <a:solidFill>
                   <a:srgbClr val="0066cc"/>
                 </a:solidFill>
                 <a:latin typeface="Arial"/>
+                <a:ea typeface="DejaVu Sans"/>
               </a:rPr>
-              <a:t>predict()</a:t>
+              <a:t>Symmetric log</a:t>
             </a:r>
+            <a:endParaRPr b="0" lang="en-IE" sz="2800" spc="-1" strike="noStrike">
+              <a:latin typeface="Arial"/>
+            </a:endParaRPr>
+          </a:p>
+          <a:p>
+            <a:pPr lvl="1" marL="864000" indent="-323280">
+              <a:lnSpc>
+                <a:spcPct val="100000"/>
+              </a:lnSpc>
+              <a:spcBef>
+                <a:spcPts val="1134"/>
+              </a:spcBef>
+              <a:buClr>
+                <a:srgbClr val="000000"/>
+              </a:buClr>
+              <a:buSzPct val="75000"/>
+              <a:buFont typeface="Symbol"/>
+              <a:buChar char=""/>
+            </a:pPr>
             <a:r>
-              <a:rPr b="0" lang="en-IE" sz="3200" spc="-1" strike="noStrike">
+              <a:rPr b="0" lang="en-IE" sz="2800" spc="-1" strike="noStrike">
                 <a:solidFill>
                   <a:srgbClr val="0066cc"/>
                 </a:solidFill>
                 <a:latin typeface="Arial"/>
+                <a:ea typeface="DejaVu Sans"/>
               </a:rPr>
-              <a:t> method to see how well the test data fits the line. </a:t>
+              <a:t>Logit  </a:t>
             </a:r>
-            <a:endParaRPr b="0" lang="en-IE" sz="3200" spc="-1" strike="noStrike">
+            <a:endParaRPr b="0" lang="en-IE" sz="2800" spc="-1" strike="noStrike">
               <a:latin typeface="Arial"/>
             </a:endParaRPr>
           </a:p>
@@ -6550,7 +6697,7 @@
         <p:spPr>
           <a:xfrm>
             <a:off x="504000" y="301320"/>
-            <a:ext cx="9071280" cy="637200"/>
+            <a:ext cx="9070920" cy="636840"/>
           </a:xfrm>
           <a:prstGeom prst="rect">
             <a:avLst/>
@@ -6580,8 +6727,9 @@
                   <a:srgbClr val="ffffff"/>
                 </a:solidFill>
                 <a:latin typeface="Arial"/>
+                <a:ea typeface="DejaVu Sans"/>
               </a:rPr>
-              <a:t>Implementing Trading Algorithms</a:t>
+              <a:t>Data Visualization</a:t>
             </a:r>
             <a:endParaRPr b="0" lang="en-IE" sz="4400" spc="-1" strike="noStrike">
               <a:latin typeface="Arial"/>
@@ -6598,7 +6746,7 @@
         <p:spPr>
           <a:xfrm>
             <a:off x="504000" y="1769040"/>
-            <a:ext cx="9071280" cy="4384080"/>
+            <a:ext cx="9070920" cy="4383720"/>
           </a:xfrm>
           <a:prstGeom prst="rect">
             <a:avLst/>
@@ -6630,109 +6778,371 @@
             </a:endParaRPr>
           </a:p>
           <a:p>
-            <a:pPr marL="432000" indent="-323640">
+            <a:pPr>
               <a:lnSpc>
                 <a:spcPct val="100000"/>
               </a:lnSpc>
               <a:spcBef>
                 <a:spcPts val="1417"/>
               </a:spcBef>
-              <a:buClr>
-                <a:srgbClr val="000000"/>
-              </a:buClr>
-              <a:buSzPct val="45000"/>
-              <a:buFont typeface="Wingdings" charset="2"/>
-              <a:buChar char=""/>
-            </a:pPr>
-            <a:r>
-              <a:rPr b="0" lang="en-IE" sz="3200" spc="-1" strike="noStrike">
-                <a:solidFill>
-                  <a:srgbClr val="0066cc"/>
-                </a:solidFill>
-                <a:latin typeface="Arial"/>
-              </a:rPr>
-              <a:t>Let’s look at another type of algorithm, a </a:t>
-            </a:r>
-            <a:r>
-              <a:rPr b="0" i="1" lang="en-IE" sz="3200" spc="-1" strike="noStrike">
-                <a:solidFill>
-                  <a:srgbClr val="0066cc"/>
-                </a:solidFill>
-                <a:latin typeface="Arial"/>
-              </a:rPr>
-              <a:t>classification</a:t>
-            </a:r>
-            <a:r>
-              <a:rPr b="0" lang="en-IE" sz="3200" spc="-1" strike="noStrike">
-                <a:solidFill>
-                  <a:srgbClr val="0066cc"/>
-                </a:solidFill>
-                <a:latin typeface="Arial"/>
-              </a:rPr>
-              <a:t> algorithm. </a:t>
-            </a:r>
-            <a:endParaRPr b="0" lang="en-IE" sz="3200" spc="-1" strike="noStrike">
-              <a:latin typeface="Arial"/>
-            </a:endParaRPr>
-          </a:p>
-          <a:p>
-            <a:pPr marL="432000" indent="-323640">
-              <a:lnSpc>
-                <a:spcPct val="100000"/>
-              </a:lnSpc>
-              <a:spcBef>
-                <a:spcPts val="1417"/>
-              </a:spcBef>
-              <a:buClr>
-                <a:srgbClr val="000000"/>
-              </a:buClr>
-              <a:buSzPct val="45000"/>
-              <a:buFont typeface="Wingdings" charset="2"/>
-              <a:buChar char=""/>
-            </a:pPr>
-            <a:r>
-              <a:rPr b="0" lang="en-IE" sz="3200" spc="-1" strike="noStrike">
-                <a:solidFill>
-                  <a:srgbClr val="0066cc"/>
-                </a:solidFill>
-                <a:latin typeface="Arial"/>
-              </a:rPr>
-              <a:t>Classification lets us predict the value of a variable based on data from previous states. </a:t>
-            </a:r>
-            <a:endParaRPr b="0" lang="en-IE" sz="3200" spc="-1" strike="noStrike">
-              <a:latin typeface="Arial"/>
-            </a:endParaRPr>
-          </a:p>
-          <a:p>
-            <a:pPr marL="432000" indent="-323640">
-              <a:lnSpc>
-                <a:spcPct val="100000"/>
-              </a:lnSpc>
-              <a:spcBef>
-                <a:spcPts val="1417"/>
-              </a:spcBef>
-              <a:buClr>
-                <a:srgbClr val="000000"/>
-              </a:buClr>
-              <a:buSzPct val="45000"/>
-              <a:buFont typeface="Wingdings" charset="2"/>
-              <a:buChar char=""/>
-            </a:pPr>
-            <a:r>
-              <a:rPr b="0" lang="en-IE" sz="3200" spc="-1" strike="noStrike">
-                <a:solidFill>
-                  <a:srgbClr val="0066cc"/>
-                </a:solidFill>
-                <a:latin typeface="Arial"/>
-              </a:rPr>
-              <a:t>In the next example, we will predict whether the price of a stock will go up, down or stay the same.</a:t>
-            </a:r>
-            <a:endParaRPr b="0" lang="en-IE" sz="3200" spc="-1" strike="noStrike">
-              <a:latin typeface="Arial"/>
-            </a:endParaRPr>
-          </a:p>
-        </p:txBody>
-      </p:sp>
+            </a:pPr>
+            <a:endParaRPr b="0" lang="en-IE" sz="1800" spc="-1" strike="noStrike">
+              <a:latin typeface="Arial"/>
+            </a:endParaRPr>
+          </a:p>
+        </p:txBody>
+      </p:sp>
+      <p:graphicFrame>
+        <p:nvGraphicFramePr>
+          <p:cNvPr id="125" name="Table 3"/>
+          <p:cNvGraphicFramePr/>
+          <p:nvPr/>
+        </p:nvGraphicFramePr>
+        <p:xfrm>
+          <a:off x="298440" y="1764000"/>
+          <a:ext cx="9421560" cy="1754640"/>
+        </p:xfrm>
+        <a:graphic>
+          <a:graphicData uri="http://schemas.openxmlformats.org/drawingml/2006/table">
+            <a:tbl>
+              <a:tblPr/>
+              <a:tblGrid>
+                <a:gridCol w="9421920"/>
+              </a:tblGrid>
+              <a:tr h="1755000">
+                <a:tc>
+                  <a:txBody>
+                    <a:bodyPr lIns="90000" rIns="90000"/>
+                    <a:p>
+                      <a:pPr>
+                        <a:lnSpc>
+                          <a:spcPct val="100000"/>
+                        </a:lnSpc>
+                      </a:pPr>
+                      <a:r>
+                        <a:rPr b="0" lang="en-IE" sz="1600" spc="-1" strike="noStrike">
+                          <a:latin typeface="Courier New"/>
+                        </a:rPr>
+                        <a:t>import numpy as np</a:t>
+                      </a:r>
+                      <a:endParaRPr b="0" lang="en-IE" sz="1600" spc="-1" strike="noStrike">
+                        <a:latin typeface="Arial"/>
+                      </a:endParaRPr>
+                    </a:p>
+                    <a:p>
+                      <a:pPr>
+                        <a:lnSpc>
+                          <a:spcPct val="100000"/>
+                        </a:lnSpc>
+                      </a:pPr>
+                      <a:r>
+                        <a:rPr b="0" lang="en-IE" sz="1600" spc="-1" strike="noStrike">
+                          <a:latin typeface="Courier New"/>
+                        </a:rPr>
+                        <a:t>import matplotlib.pyplot as plt</a:t>
+                      </a:r>
+                      <a:endParaRPr b="0" lang="en-IE" sz="1600" spc="-1" strike="noStrike">
+                        <a:latin typeface="Arial"/>
+                      </a:endParaRPr>
+                    </a:p>
+                    <a:p>
+                      <a:pPr>
+                        <a:lnSpc>
+                          <a:spcPct val="100000"/>
+                        </a:lnSpc>
+                      </a:pPr>
+                      <a:r>
+                        <a:rPr b="0" lang="en-IE" sz="1600" spc="-1" strike="noStrike">
+                          <a:latin typeface="Courier New"/>
+                        </a:rPr>
+                        <a:t># Fixing random state for reproducibility</a:t>
+                      </a:r>
+                      <a:endParaRPr b="0" lang="en-IE" sz="1600" spc="-1" strike="noStrike">
+                        <a:latin typeface="Arial"/>
+                      </a:endParaRPr>
+                    </a:p>
+                    <a:p>
+                      <a:pPr>
+                        <a:lnSpc>
+                          <a:spcPct val="100000"/>
+                        </a:lnSpc>
+                      </a:pPr>
+                      <a:r>
+                        <a:rPr b="0" lang="en-IE" sz="1600" spc="-1" strike="noStrike">
+                          <a:latin typeface="Courier New"/>
+                        </a:rPr>
+                        <a:t>np.random.seed(19680801)</a:t>
+                      </a:r>
+                      <a:endParaRPr b="0" lang="en-IE" sz="1600" spc="-1" strike="noStrike">
+                        <a:latin typeface="Arial"/>
+                      </a:endParaRPr>
+                    </a:p>
+                    <a:p>
+                      <a:pPr>
+                        <a:lnSpc>
+                          <a:spcPct val="100000"/>
+                        </a:lnSpc>
+                      </a:pPr>
+                      <a:endParaRPr b="0" lang="en-IE" sz="1600" spc="-1" strike="noStrike">
+                        <a:latin typeface="Arial"/>
+                      </a:endParaRPr>
+                    </a:p>
+                    <a:p>
+                      <a:pPr>
+                        <a:lnSpc>
+                          <a:spcPct val="100000"/>
+                        </a:lnSpc>
+                      </a:pPr>
+                      <a:r>
+                        <a:rPr b="0" lang="en-IE" sz="1600" spc="-1" strike="noStrike">
+                          <a:latin typeface="Courier New"/>
+                        </a:rPr>
+                        <a:t># make up some data in the interval ]0, 1[</a:t>
+                      </a:r>
+                      <a:endParaRPr b="0" lang="en-IE" sz="1600" spc="-1" strike="noStrike">
+                        <a:latin typeface="Arial"/>
+                      </a:endParaRPr>
+                    </a:p>
+                    <a:p>
+                      <a:pPr>
+                        <a:lnSpc>
+                          <a:spcPct val="100000"/>
+                        </a:lnSpc>
+                      </a:pPr>
+                      <a:r>
+                        <a:rPr b="0" lang="en-IE" sz="1600" spc="-1" strike="noStrike">
+                          <a:latin typeface="Courier New"/>
+                        </a:rPr>
+                        <a:t>y = np.random.normal(loc=0.5, scale=0.4, size=1000)</a:t>
+                      </a:r>
+                      <a:endParaRPr b="0" lang="en-IE" sz="1600" spc="-1" strike="noStrike">
+                        <a:latin typeface="Arial"/>
+                      </a:endParaRPr>
+                    </a:p>
+                    <a:p>
+                      <a:pPr>
+                        <a:lnSpc>
+                          <a:spcPct val="100000"/>
+                        </a:lnSpc>
+                      </a:pPr>
+                      <a:r>
+                        <a:rPr b="0" lang="en-IE" sz="1600" spc="-1" strike="noStrike">
+                          <a:latin typeface="Courier New"/>
+                        </a:rPr>
+                        <a:t>y = y[(y &gt; 0) &amp; (y &lt; 1)]</a:t>
+                      </a:r>
+                      <a:endParaRPr b="0" lang="en-IE" sz="1600" spc="-1" strike="noStrike">
+                        <a:latin typeface="Arial"/>
+                      </a:endParaRPr>
+                    </a:p>
+                    <a:p>
+                      <a:pPr>
+                        <a:lnSpc>
+                          <a:spcPct val="100000"/>
+                        </a:lnSpc>
+                      </a:pPr>
+                      <a:r>
+                        <a:rPr b="0" lang="en-IE" sz="1600" spc="-1" strike="noStrike">
+                          <a:latin typeface="Courier New"/>
+                        </a:rPr>
+                        <a:t>y.sort()</a:t>
+                      </a:r>
+                      <a:endParaRPr b="0" lang="en-IE" sz="1600" spc="-1" strike="noStrike">
+                        <a:latin typeface="Arial"/>
+                      </a:endParaRPr>
+                    </a:p>
+                    <a:p>
+                      <a:pPr>
+                        <a:lnSpc>
+                          <a:spcPct val="100000"/>
+                        </a:lnSpc>
+                      </a:pPr>
+                      <a:r>
+                        <a:rPr b="0" lang="en-IE" sz="1600" spc="-1" strike="noStrike">
+                          <a:latin typeface="Courier New"/>
+                        </a:rPr>
+                        <a:t>x = np.arange(len(y))</a:t>
+                      </a:r>
+                      <a:endParaRPr b="0" lang="en-IE" sz="1600" spc="-1" strike="noStrike">
+                        <a:latin typeface="Arial"/>
+                      </a:endParaRPr>
+                    </a:p>
+                    <a:p>
+                      <a:pPr>
+                        <a:lnSpc>
+                          <a:spcPct val="100000"/>
+                        </a:lnSpc>
+                      </a:pPr>
+                      <a:r>
+                        <a:rPr b="0" lang="en-IE" sz="1600" spc="-1" strike="noStrike">
+                          <a:latin typeface="Courier New"/>
+                        </a:rPr>
+                        <a:t># plot with various axes scales</a:t>
+                      </a:r>
+                      <a:endParaRPr b="0" lang="en-IE" sz="1600" spc="-1" strike="noStrike">
+                        <a:latin typeface="Arial"/>
+                      </a:endParaRPr>
+                    </a:p>
+                    <a:p>
+                      <a:pPr>
+                        <a:lnSpc>
+                          <a:spcPct val="100000"/>
+                        </a:lnSpc>
+                      </a:pPr>
+                      <a:r>
+                        <a:rPr b="0" lang="en-IE" sz="1600" spc="-1" strike="noStrike">
+                          <a:latin typeface="Courier New"/>
+                        </a:rPr>
+                        <a:t>plt.figure(1)</a:t>
+                      </a:r>
+                      <a:endParaRPr b="0" lang="en-IE" sz="1600" spc="-1" strike="noStrike">
+                        <a:latin typeface="Arial"/>
+                      </a:endParaRPr>
+                    </a:p>
+                    <a:p>
+                      <a:pPr>
+                        <a:lnSpc>
+                          <a:spcPct val="100000"/>
+                        </a:lnSpc>
+                      </a:pPr>
+                      <a:r>
+                        <a:rPr b="0" lang="en-IE" sz="1600" spc="-1" strike="noStrike">
+                          <a:latin typeface="Courier New"/>
+                        </a:rPr>
+                        <a:t># log</a:t>
+                      </a:r>
+                      <a:endParaRPr b="0" lang="en-IE" sz="1600" spc="-1" strike="noStrike">
+                        <a:latin typeface="Arial"/>
+                      </a:endParaRPr>
+                    </a:p>
+                    <a:p>
+                      <a:pPr>
+                        <a:lnSpc>
+                          <a:spcPct val="100000"/>
+                        </a:lnSpc>
+                      </a:pPr>
+                      <a:r>
+                        <a:rPr b="0" lang="en-IE" sz="1600" spc="-1" strike="noStrike">
+                          <a:latin typeface="Courier New"/>
+                        </a:rPr>
+                        <a:t>plt.subplot(222)</a:t>
+                      </a:r>
+                      <a:endParaRPr b="0" lang="en-IE" sz="1600" spc="-1" strike="noStrike">
+                        <a:latin typeface="Arial"/>
+                      </a:endParaRPr>
+                    </a:p>
+                    <a:p>
+                      <a:pPr>
+                        <a:lnSpc>
+                          <a:spcPct val="100000"/>
+                        </a:lnSpc>
+                      </a:pPr>
+                      <a:r>
+                        <a:rPr b="0" lang="en-IE" sz="1600" spc="-1" strike="noStrike">
+                          <a:latin typeface="Courier New"/>
+                        </a:rPr>
+                        <a:t>plt.plot(x, y)</a:t>
+                      </a:r>
+                      <a:endParaRPr b="0" lang="en-IE" sz="1600" spc="-1" strike="noStrike">
+                        <a:latin typeface="Arial"/>
+                      </a:endParaRPr>
+                    </a:p>
+                    <a:p>
+                      <a:pPr>
+                        <a:lnSpc>
+                          <a:spcPct val="100000"/>
+                        </a:lnSpc>
+                      </a:pPr>
+                      <a:r>
+                        <a:rPr b="0" lang="en-IE" sz="1600" spc="-1" strike="noStrike">
+                          <a:latin typeface="Courier New"/>
+                        </a:rPr>
+                        <a:t>plt.yscale('log')</a:t>
+                      </a:r>
+                      <a:endParaRPr b="0" lang="en-IE" sz="1600" spc="-1" strike="noStrike">
+                        <a:latin typeface="Arial"/>
+                      </a:endParaRPr>
+                    </a:p>
+                    <a:p>
+                      <a:pPr>
+                        <a:lnSpc>
+                          <a:spcPct val="100000"/>
+                        </a:lnSpc>
+                      </a:pPr>
+                      <a:r>
+                        <a:rPr b="0" lang="en-IE" sz="1600" spc="-1" strike="noStrike">
+                          <a:latin typeface="Courier New"/>
+                        </a:rPr>
+                        <a:t>plt.title('log')</a:t>
+                      </a:r>
+                      <a:endParaRPr b="0" lang="en-IE" sz="1600" spc="-1" strike="noStrike">
+                        <a:latin typeface="Arial"/>
+                      </a:endParaRPr>
+                    </a:p>
+                    <a:p>
+                      <a:pPr>
+                        <a:lnSpc>
+                          <a:spcPct val="100000"/>
+                        </a:lnSpc>
+                      </a:pPr>
+                      <a:r>
+                        <a:rPr b="0" lang="en-IE" sz="1600" spc="-1" strike="noStrike">
+                          <a:latin typeface="Courier New"/>
+                        </a:rPr>
+                        <a:t>plt.grid(True)</a:t>
+                      </a:r>
+                      <a:endParaRPr b="0" lang="en-IE" sz="1600" spc="-1" strike="noStrike">
+                        <a:latin typeface="Arial"/>
+                      </a:endParaRPr>
+                    </a:p>
+                    <a:p>
+                      <a:pPr>
+                        <a:lnSpc>
+                          <a:spcPct val="100000"/>
+                        </a:lnSpc>
+                      </a:pPr>
+                      <a:r>
+                        <a:rPr b="0" lang="en-IE" sz="1600" spc="-1" strike="noStrike">
+                          <a:latin typeface="Courier New"/>
+                        </a:rPr>
+                        <a:t>plt.show()</a:t>
+                      </a:r>
+                      <a:endParaRPr b="0" lang="en-IE" sz="1600" spc="-1" strike="noStrike">
+                        <a:latin typeface="Arial"/>
+                      </a:endParaRPr>
+                    </a:p>
+                  </a:txBody>
+                  <a:tcPr marL="90000" marR="90000">
+                    <a:lnL w="720">
+                      <a:solidFill>
+                        <a:srgbClr val="ffffff"/>
+                      </a:solidFill>
+                    </a:lnL>
+                    <a:lnR w="720">
+                      <a:solidFill>
+                        <a:srgbClr val="ffffff"/>
+                      </a:solidFill>
+                    </a:lnR>
+                    <a:lnT w="720">
+                      <a:solidFill>
+                        <a:srgbClr val="ffffff"/>
+                      </a:solidFill>
+                    </a:lnT>
+                    <a:lnB w="720">
+                      <a:solidFill>
+                        <a:srgbClr val="ffffff"/>
+                      </a:solidFill>
+                    </a:lnB>
+                    <a:solidFill>
+                      <a:srgbClr val="b3b3b3"/>
+                    </a:solidFill>
+                  </a:tcPr>
+                </a:tc>
+              </a:tr>
+            </a:tbl>
+          </a:graphicData>
+        </a:graphic>
+      </p:graphicFrame>
     </p:spTree>
   </p:cSld>
   <p:timing>
@@ -6784,14 +7194,14 @@
       </p:grpSpPr>
       <p:sp>
         <p:nvSpPr>
-          <p:cNvPr id="125" name="CustomShape 1"/>
+          <p:cNvPr id="126" name="CustomShape 1"/>
           <p:cNvSpPr/>
           <p:nvPr/>
         </p:nvSpPr>
         <p:spPr>
           <a:xfrm>
             <a:off x="504000" y="301320"/>
-            <a:ext cx="9071280" cy="637200"/>
+            <a:ext cx="9070920" cy="636840"/>
           </a:xfrm>
           <a:prstGeom prst="rect">
             <a:avLst/>
@@ -6821,8 +7231,9 @@
                   <a:srgbClr val="ffffff"/>
                 </a:solidFill>
                 <a:latin typeface="Arial"/>
+                <a:ea typeface="DejaVu Sans"/>
               </a:rPr>
-              <a:t>Introduction to Python</a:t>
+              <a:t>Data Visualization</a:t>
             </a:r>
             <a:endParaRPr b="0" lang="en-IE" sz="4400" spc="-1" strike="noStrike">
               <a:latin typeface="Arial"/>
@@ -6832,14 +7243,14 @@
       </p:sp>
       <p:sp>
         <p:nvSpPr>
-          <p:cNvPr id="126" name="CustomShape 2"/>
+          <p:cNvPr id="127" name="CustomShape 2"/>
           <p:cNvSpPr/>
           <p:nvPr/>
         </p:nvSpPr>
         <p:spPr>
           <a:xfrm>
             <a:off x="504000" y="1769040"/>
-            <a:ext cx="9071280" cy="4384080"/>
+            <a:ext cx="9070920" cy="4383720"/>
           </a:xfrm>
           <a:prstGeom prst="rect">
             <a:avLst/>
@@ -6858,30 +7269,28 @@
         <p:txBody>
           <a:bodyPr lIns="0" rIns="0" tIns="0" bIns="0"/>
           <a:p>
-            <a:pPr marL="432000" indent="-323640">
+            <a:pPr>
               <a:lnSpc>
                 <a:spcPct val="100000"/>
               </a:lnSpc>
               <a:spcBef>
                 <a:spcPts val="1417"/>
               </a:spcBef>
-              <a:buClr>
-                <a:srgbClr val="000000"/>
-              </a:buClr>
-              <a:buSzPct val="45000"/>
-              <a:buFont typeface="Wingdings" charset="2"/>
-              <a:buChar char=""/>
-            </a:pPr>
-            <a:r>
-              <a:rPr b="0" lang="en-IE" sz="3200" spc="-1" strike="noStrike">
-                <a:solidFill>
-                  <a:srgbClr val="0066cc"/>
-                </a:solidFill>
-                <a:latin typeface="Arial"/>
-              </a:rPr>
-              <a:t> </a:t>
-            </a:r>
-            <a:endParaRPr b="0" lang="en-IE" sz="3200" spc="-1" strike="noStrike">
+            </a:pPr>
+            <a:endParaRPr b="0" lang="en-IE" sz="1800" spc="-1" strike="noStrike">
+              <a:latin typeface="Arial"/>
+            </a:endParaRPr>
+          </a:p>
+          <a:p>
+            <a:pPr>
+              <a:lnSpc>
+                <a:spcPct val="100000"/>
+              </a:lnSpc>
+              <a:spcBef>
+                <a:spcPts val="1417"/>
+              </a:spcBef>
+            </a:pPr>
+            <a:endParaRPr b="0" lang="en-IE" sz="1800" spc="-1" strike="noStrike">
               <a:latin typeface="Arial"/>
             </a:endParaRPr>
           </a:p>
@@ -6889,22 +7298,22 @@
       </p:sp>
       <p:graphicFrame>
         <p:nvGraphicFramePr>
-          <p:cNvPr id="127" name="Table 3"/>
+          <p:cNvPr id="128" name="Table 3"/>
           <p:cNvGraphicFramePr/>
           <p:nvPr/>
         </p:nvGraphicFramePr>
         <p:xfrm>
-          <a:off x="100800" y="1435320"/>
-          <a:ext cx="9646920" cy="4113000"/>
+          <a:off x="298440" y="1764000"/>
+          <a:ext cx="9421560" cy="1754640"/>
         </p:xfrm>
         <a:graphic>
           <a:graphicData uri="http://schemas.openxmlformats.org/drawingml/2006/table">
             <a:tbl>
               <a:tblPr/>
               <a:tblGrid>
-                <a:gridCol w="9647280"/>
+                <a:gridCol w="9421920"/>
               </a:tblGrid>
-              <a:tr h="4113360">
+              <a:tr h="1755000">
                 <a:tc>
                   <a:txBody>
                     <a:bodyPr lIns="90000" rIns="90000"/>
@@ -6915,276 +7324,294 @@
                         </a:lnSpc>
                       </a:pPr>
                       <a:r>
-                        <a:rPr b="0" lang="en-IE" sz="1800" spc="-1" strike="noStrike">
-                          <a:latin typeface="Courier New"/>
-                        </a:rPr>
-                        <a:t># Data Manupulation</a:t>
-                      </a:r>
-                      <a:endParaRPr b="0" lang="en-IE" sz="1800" spc="-1" strike="noStrike">
-                        <a:latin typeface="Arial"/>
-                      </a:endParaRPr>
-                    </a:p>
-                    <a:p>
-                      <a:pPr>
-                        <a:lnSpc>
-                          <a:spcPct val="100000"/>
-                        </a:lnSpc>
-                      </a:pPr>
-                      <a:r>
-                        <a:rPr b="0" lang="en-IE" sz="1800" spc="-1" strike="noStrike">
+                        <a:rPr b="0" lang="en-IE" sz="1600" spc="-1" strike="noStrike">
                           <a:latin typeface="Courier New"/>
                         </a:rPr>
                         <a:t>import numpy as np</a:t>
                       </a:r>
-                      <a:endParaRPr b="0" lang="en-IE" sz="1800" spc="-1" strike="noStrike">
-                        <a:latin typeface="Arial"/>
-                      </a:endParaRPr>
-                    </a:p>
-                    <a:p>
-                      <a:pPr>
-                        <a:lnSpc>
-                          <a:spcPct val="100000"/>
-                        </a:lnSpc>
-                      </a:pPr>
-                      <a:r>
-                        <a:rPr b="0" lang="en-IE" sz="1800" spc="-1" strike="noStrike">
-                          <a:latin typeface="Courier New"/>
-                        </a:rPr>
-                        <a:t>import pandas as pd</a:t>
-                      </a:r>
-                      <a:endParaRPr b="0" lang="en-IE" sz="1800" spc="-1" strike="noStrike">
-                        <a:latin typeface="Arial"/>
-                      </a:endParaRPr>
-                    </a:p>
-                    <a:p>
-                      <a:pPr>
-                        <a:lnSpc>
-                          <a:spcPct val="100000"/>
-                        </a:lnSpc>
-                      </a:pPr>
-                      <a:endParaRPr b="0" lang="en-IE" sz="1800" spc="-1" strike="noStrike">
-                        <a:latin typeface="Arial"/>
-                      </a:endParaRPr>
-                    </a:p>
-                    <a:p>
-                      <a:pPr>
-                        <a:lnSpc>
-                          <a:spcPct val="100000"/>
-                        </a:lnSpc>
-                      </a:pPr>
-                      <a:r>
-                        <a:rPr b="0" lang="en-IE" sz="1800" spc="-1" strike="noStrike">
-                          <a:latin typeface="Courier New"/>
-                        </a:rPr>
-                        <a:t># Techinical Indicators</a:t>
-                      </a:r>
-                      <a:endParaRPr b="0" lang="en-IE" sz="1800" spc="-1" strike="noStrike">
-                        <a:latin typeface="Arial"/>
-                      </a:endParaRPr>
-                    </a:p>
-                    <a:p>
-                      <a:pPr>
-                        <a:lnSpc>
-                          <a:spcPct val="100000"/>
-                        </a:lnSpc>
-                      </a:pPr>
-                      <a:r>
-                        <a:rPr b="0" lang="en-IE" sz="1800" spc="-1" strike="noStrike">
-                          <a:latin typeface="Courier New"/>
-                        </a:rPr>
-                        <a:t>import talib as ta</a:t>
-                      </a:r>
-                      <a:endParaRPr b="0" lang="en-IE" sz="1800" spc="-1" strike="noStrike">
-                        <a:latin typeface="Arial"/>
-                      </a:endParaRPr>
-                    </a:p>
-                    <a:p>
-                      <a:pPr>
-                        <a:lnSpc>
-                          <a:spcPct val="100000"/>
-                        </a:lnSpc>
-                      </a:pPr>
-                      <a:endParaRPr b="0" lang="en-IE" sz="1800" spc="-1" strike="noStrike">
-                        <a:latin typeface="Arial"/>
-                      </a:endParaRPr>
-                    </a:p>
-                    <a:p>
-                      <a:pPr>
-                        <a:lnSpc>
-                          <a:spcPct val="100000"/>
-                        </a:lnSpc>
-                      </a:pPr>
-                      <a:r>
-                        <a:rPr b="0" lang="en-IE" sz="1800" spc="-1" strike="noStrike">
-                          <a:latin typeface="Courier New"/>
-                        </a:rPr>
-                        <a:t># Plotting graphs</a:t>
-                      </a:r>
-                      <a:endParaRPr b="0" lang="en-IE" sz="1800" spc="-1" strike="noStrike">
-                        <a:latin typeface="Arial"/>
-                      </a:endParaRPr>
-                    </a:p>
-                    <a:p>
-                      <a:pPr>
-                        <a:lnSpc>
-                          <a:spcPct val="100000"/>
-                        </a:lnSpc>
-                      </a:pPr>
-                      <a:r>
-                        <a:rPr b="0" lang="en-IE" sz="1800" spc="-1" strike="noStrike">
+                      <a:endParaRPr b="0" lang="en-IE" sz="1600" spc="-1" strike="noStrike">
+                        <a:latin typeface="Arial"/>
+                      </a:endParaRPr>
+                    </a:p>
+                    <a:p>
+                      <a:pPr>
+                        <a:lnSpc>
+                          <a:spcPct val="100000"/>
+                        </a:lnSpc>
+                      </a:pPr>
+                      <a:r>
+                        <a:rPr b="0" lang="en-IE" sz="1600" spc="-1" strike="noStrike">
                           <a:latin typeface="Courier New"/>
                         </a:rPr>
                         <a:t>import matplotlib.pyplot as plt</a:t>
                       </a:r>
-                      <a:endParaRPr b="0" lang="en-IE" sz="1800" spc="-1" strike="noStrike">
-                        <a:latin typeface="Arial"/>
-                      </a:endParaRPr>
-                    </a:p>
-                    <a:p>
-                      <a:pPr>
-                        <a:lnSpc>
-                          <a:spcPct val="100000"/>
-                        </a:lnSpc>
-                      </a:pPr>
-                      <a:endParaRPr b="0" lang="en-IE" sz="1800" spc="-1" strike="noStrike">
-                        <a:latin typeface="Arial"/>
-                      </a:endParaRPr>
-                    </a:p>
-                    <a:p>
-                      <a:pPr>
-                        <a:lnSpc>
-                          <a:spcPct val="100000"/>
-                        </a:lnSpc>
-                      </a:pPr>
-                      <a:r>
-                        <a:rPr b="0" lang="en-IE" sz="1800" spc="-1" strike="noStrike">
-                          <a:latin typeface="Courier New"/>
-                        </a:rPr>
-                        <a:t># Machine learning</a:t>
-                      </a:r>
-                      <a:endParaRPr b="0" lang="en-IE" sz="1800" spc="-1" strike="noStrike">
-                        <a:latin typeface="Arial"/>
-                      </a:endParaRPr>
-                    </a:p>
-                    <a:p>
-                      <a:pPr>
-                        <a:lnSpc>
-                          <a:spcPct val="100000"/>
-                        </a:lnSpc>
-                      </a:pPr>
-                      <a:r>
-                        <a:rPr b="0" lang="en-IE" sz="1800" spc="-1" strike="noStrike">
-                          <a:latin typeface="Courier New"/>
-                        </a:rPr>
-                        <a:t>from sklearn.linear_model import LogisticRegression</a:t>
-                      </a:r>
-                      <a:endParaRPr b="0" lang="en-IE" sz="1800" spc="-1" strike="noStrike">
-                        <a:latin typeface="Arial"/>
-                      </a:endParaRPr>
-                    </a:p>
-                    <a:p>
-                      <a:pPr>
-                        <a:lnSpc>
-                          <a:spcPct val="100000"/>
-                        </a:lnSpc>
-                      </a:pPr>
-                      <a:r>
-                        <a:rPr b="0" lang="en-IE" sz="1800" spc="-1" strike="noStrike">
-                          <a:latin typeface="Courier New"/>
-                        </a:rPr>
-                        <a:t>from sklearn import metrics</a:t>
-                      </a:r>
-                      <a:endParaRPr b="0" lang="en-IE" sz="1800" spc="-1" strike="noStrike">
-                        <a:latin typeface="Arial"/>
-                      </a:endParaRPr>
-                    </a:p>
-                    <a:p>
-                      <a:pPr>
-                        <a:lnSpc>
-                          <a:spcPct val="100000"/>
-                        </a:lnSpc>
-                      </a:pPr>
-                      <a:r>
-                        <a:rPr b="0" lang="en-IE" sz="1800" spc="-1" strike="noStrike">
-                          <a:latin typeface="Courier New"/>
-                        </a:rPr>
-                        <a:t>from sklearn.cross_validation import cross_val_score</a:t>
-                      </a:r>
-                      <a:endParaRPr b="0" lang="en-IE" sz="1800" spc="-1" strike="noStrike">
-                        <a:latin typeface="Arial"/>
-                      </a:endParaRPr>
-                    </a:p>
-                    <a:p>
-                      <a:pPr>
-                        <a:lnSpc>
-                          <a:spcPct val="100000"/>
-                        </a:lnSpc>
-                      </a:pPr>
-                      <a:endParaRPr b="0" lang="en-IE" sz="1800" spc="-1" strike="noStrike">
-                        <a:latin typeface="Arial"/>
-                      </a:endParaRPr>
-                    </a:p>
-                    <a:p>
-                      <a:pPr>
-                        <a:lnSpc>
-                          <a:spcPct val="100000"/>
-                        </a:lnSpc>
-                      </a:pPr>
-                      <a:r>
-                        <a:rPr b="0" lang="en-IE" sz="1800" spc="-1" strike="noStrike">
-                          <a:latin typeface="Courier New"/>
-                        </a:rPr>
-                        <a:t># Data fetching</a:t>
-                      </a:r>
-                      <a:endParaRPr b="0" lang="en-IE" sz="1800" spc="-1" strike="noStrike">
-                        <a:latin typeface="Arial"/>
-                      </a:endParaRPr>
-                    </a:p>
-                    <a:p>
-                      <a:pPr>
-                        <a:lnSpc>
-                          <a:spcPct val="100000"/>
-                        </a:lnSpc>
-                      </a:pPr>
-                      <a:r>
-                        <a:rPr b="0" lang="en-IE" sz="1800" spc="-1" strike="noStrike">
-                          <a:latin typeface="Courier New"/>
-                        </a:rPr>
-                        <a:t>from pandas_datareader import data as pdr</a:t>
-                      </a:r>
-                      <a:endParaRPr b="0" lang="en-IE" sz="1800" spc="-1" strike="noStrike">
-                        <a:latin typeface="Arial"/>
-                      </a:endParaRPr>
-                    </a:p>
-                    <a:p>
-                      <a:pPr>
-                        <a:lnSpc>
-                          <a:spcPct val="100000"/>
-                        </a:lnSpc>
-                      </a:pPr>
-                      <a:r>
-                        <a:rPr b="0" lang="en-IE" sz="1800" spc="-1" strike="noStrike">
-                          <a:latin typeface="Courier New"/>
-                        </a:rPr>
-                        <a:t>import fix_yahoo_finance as yf</a:t>
-                      </a:r>
-                      <a:endParaRPr b="0" lang="en-IE" sz="1800" spc="-1" strike="noStrike">
-                        <a:latin typeface="Arial"/>
-                      </a:endParaRPr>
-                    </a:p>
-                    <a:p>
-                      <a:pPr>
-                        <a:lnSpc>
-                          <a:spcPct val="100000"/>
-                        </a:lnSpc>
-                      </a:pPr>
-                      <a:r>
-                        <a:rPr b="0" lang="en-IE" sz="1800" spc="-1" strike="noStrike">
-                          <a:latin typeface="Courier New"/>
-                        </a:rPr>
-                        <a:t>yf.pdr_override()</a:t>
-                      </a:r>
-                      <a:endParaRPr b="0" lang="en-IE" sz="1800" spc="-1" strike="noStrike">
+                      <a:endParaRPr b="0" lang="en-IE" sz="1600" spc="-1" strike="noStrike">
+                        <a:latin typeface="Arial"/>
+                      </a:endParaRPr>
+                    </a:p>
+                    <a:p>
+                      <a:pPr>
+                        <a:lnSpc>
+                          <a:spcPct val="100000"/>
+                        </a:lnSpc>
+                      </a:pPr>
+                      <a:r>
+                        <a:rPr b="0" lang="en-IE" sz="1600" spc="-1" strike="noStrike">
+                          <a:latin typeface="Courier New"/>
+                        </a:rPr>
+                        <a:t># Fixing random state for reproducibility</a:t>
+                      </a:r>
+                      <a:endParaRPr b="0" lang="en-IE" sz="1600" spc="-1" strike="noStrike">
+                        <a:latin typeface="Arial"/>
+                      </a:endParaRPr>
+                    </a:p>
+                    <a:p>
+                      <a:pPr>
+                        <a:lnSpc>
+                          <a:spcPct val="100000"/>
+                        </a:lnSpc>
+                      </a:pPr>
+                      <a:r>
+                        <a:rPr b="0" lang="en-IE" sz="1600" spc="-1" strike="noStrike">
+                          <a:latin typeface="Courier New"/>
+                        </a:rPr>
+                        <a:t>np.random.seed(19680801)</a:t>
+                      </a:r>
+                      <a:endParaRPr b="0" lang="en-IE" sz="1600" spc="-1" strike="noStrike">
+                        <a:latin typeface="Arial"/>
+                      </a:endParaRPr>
+                    </a:p>
+                    <a:p>
+                      <a:pPr>
+                        <a:lnSpc>
+                          <a:spcPct val="100000"/>
+                        </a:lnSpc>
+                      </a:pPr>
+                      <a:endParaRPr b="0" lang="en-IE" sz="1600" spc="-1" strike="noStrike">
+                        <a:latin typeface="Arial"/>
+                      </a:endParaRPr>
+                    </a:p>
+                    <a:p>
+                      <a:pPr>
+                        <a:lnSpc>
+                          <a:spcPct val="100000"/>
+                        </a:lnSpc>
+                      </a:pPr>
+                      <a:r>
+                        <a:rPr b="0" lang="en-IE" sz="1600" spc="-1" strike="noStrike">
+                          <a:latin typeface="Courier New"/>
+                        </a:rPr>
+                        <a:t># make up some data in the interval ]0, 1[</a:t>
+                      </a:r>
+                      <a:endParaRPr b="0" lang="en-IE" sz="1600" spc="-1" strike="noStrike">
+                        <a:latin typeface="Arial"/>
+                      </a:endParaRPr>
+                    </a:p>
+                    <a:p>
+                      <a:pPr>
+                        <a:lnSpc>
+                          <a:spcPct val="100000"/>
+                        </a:lnSpc>
+                      </a:pPr>
+                      <a:r>
+                        <a:rPr b="0" lang="en-IE" sz="1600" spc="-1" strike="noStrike">
+                          <a:latin typeface="Courier New"/>
+                        </a:rPr>
+                        <a:t>y = np.random.normal(loc=0.5, scale=0.4, size=1000)</a:t>
+                      </a:r>
+                      <a:endParaRPr b="0" lang="en-IE" sz="1600" spc="-1" strike="noStrike">
+                        <a:latin typeface="Arial"/>
+                      </a:endParaRPr>
+                    </a:p>
+                    <a:p>
+                      <a:pPr>
+                        <a:lnSpc>
+                          <a:spcPct val="100000"/>
+                        </a:lnSpc>
+                      </a:pPr>
+                      <a:r>
+                        <a:rPr b="0" lang="en-IE" sz="1600" spc="-1" strike="noStrike">
+                          <a:latin typeface="Courier New"/>
+                        </a:rPr>
+                        <a:t>y = y[(y &gt; 0) &amp; (y &lt; 1)]</a:t>
+                      </a:r>
+                      <a:endParaRPr b="0" lang="en-IE" sz="1600" spc="-1" strike="noStrike">
+                        <a:latin typeface="Arial"/>
+                      </a:endParaRPr>
+                    </a:p>
+                    <a:p>
+                      <a:pPr>
+                        <a:lnSpc>
+                          <a:spcPct val="100000"/>
+                        </a:lnSpc>
+                      </a:pPr>
+                      <a:r>
+                        <a:rPr b="0" lang="en-IE" sz="1600" spc="-1" strike="noStrike">
+                          <a:latin typeface="Courier New"/>
+                        </a:rPr>
+                        <a:t>y.sort()</a:t>
+                      </a:r>
+                      <a:endParaRPr b="0" lang="en-IE" sz="1600" spc="-1" strike="noStrike">
+                        <a:latin typeface="Arial"/>
+                      </a:endParaRPr>
+                    </a:p>
+                    <a:p>
+                      <a:pPr>
+                        <a:lnSpc>
+                          <a:spcPct val="100000"/>
+                        </a:lnSpc>
+                      </a:pPr>
+                      <a:r>
+                        <a:rPr b="0" lang="en-IE" sz="1600" spc="-1" strike="noStrike">
+                          <a:latin typeface="Courier New"/>
+                        </a:rPr>
+                        <a:t>x = np.arange(len(y))</a:t>
+                      </a:r>
+                      <a:endParaRPr b="0" lang="en-IE" sz="1600" spc="-1" strike="noStrike">
+                        <a:latin typeface="Arial"/>
+                      </a:endParaRPr>
+                    </a:p>
+                    <a:p>
+                      <a:pPr>
+                        <a:lnSpc>
+                          <a:spcPct val="100000"/>
+                        </a:lnSpc>
+                      </a:pPr>
+                      <a:r>
+                        <a:rPr b="0" lang="en-IE" sz="1600" spc="-1" strike="noStrike">
+                          <a:latin typeface="Courier New"/>
+                        </a:rPr>
+                        <a:t># plot with various axes scales</a:t>
+                      </a:r>
+                      <a:endParaRPr b="0" lang="en-IE" sz="1600" spc="-1" strike="noStrike">
+                        <a:latin typeface="Arial"/>
+                      </a:endParaRPr>
+                    </a:p>
+                    <a:p>
+                      <a:pPr>
+                        <a:lnSpc>
+                          <a:spcPct val="100000"/>
+                        </a:lnSpc>
+                      </a:pPr>
+                      <a:r>
+                        <a:rPr b="0" lang="en-IE" sz="1600" spc="-1" strike="noStrike">
+                          <a:latin typeface="Courier New"/>
+                        </a:rPr>
+                        <a:t>plt.figure(1)</a:t>
+                      </a:r>
+                      <a:endParaRPr b="0" lang="en-IE" sz="1600" spc="-1" strike="noStrike">
+                        <a:latin typeface="Arial"/>
+                      </a:endParaRPr>
+                    </a:p>
+                    <a:p>
+                      <a:pPr>
+                        <a:lnSpc>
+                          <a:spcPct val="100000"/>
+                        </a:lnSpc>
+                      </a:pPr>
+                      <a:r>
+                        <a:rPr b="0" lang="en-IE" sz="1600" spc="-1" strike="noStrike">
+                          <a:latin typeface="Courier New"/>
+                        </a:rPr>
+                        <a:t># symmetric log</a:t>
+                      </a:r>
+                      <a:endParaRPr b="0" lang="en-IE" sz="1600" spc="-1" strike="noStrike">
+                        <a:latin typeface="Arial"/>
+                      </a:endParaRPr>
+                    </a:p>
+                    <a:p>
+                      <a:pPr>
+                        <a:lnSpc>
+                          <a:spcPct val="100000"/>
+                        </a:lnSpc>
+                      </a:pPr>
+                      <a:r>
+                        <a:rPr b="0" lang="en-IE" sz="1600" spc="-1" strike="noStrike">
+                          <a:latin typeface="Courier New"/>
+                        </a:rPr>
+                        <a:t>plt.subplot(223)</a:t>
+                      </a:r>
+                      <a:endParaRPr b="0" lang="en-IE" sz="1600" spc="-1" strike="noStrike">
+                        <a:latin typeface="Arial"/>
+                      </a:endParaRPr>
+                    </a:p>
+                    <a:p>
+                      <a:pPr>
+                        <a:lnSpc>
+                          <a:spcPct val="100000"/>
+                        </a:lnSpc>
+                      </a:pPr>
+                      <a:r>
+                        <a:rPr b="0" lang="en-IE" sz="1600" spc="-1" strike="noStrike">
+                          <a:latin typeface="Courier New"/>
+                        </a:rPr>
+                        <a:t>plt.plot(x, y - y.mean())</a:t>
+                      </a:r>
+                      <a:endParaRPr b="0" lang="en-IE" sz="1600" spc="-1" strike="noStrike">
+                        <a:latin typeface="Arial"/>
+                      </a:endParaRPr>
+                    </a:p>
+                    <a:p>
+                      <a:pPr>
+                        <a:lnSpc>
+                          <a:spcPct val="100000"/>
+                        </a:lnSpc>
+                      </a:pPr>
+                      <a:r>
+                        <a:rPr b="0" lang="en-IE" sz="1600" spc="-1" strike="noStrike">
+                          <a:latin typeface="Courier New"/>
+                        </a:rPr>
+                        <a:t>plt.yscale('symlog', linthreshy=0.01)</a:t>
+                      </a:r>
+                      <a:endParaRPr b="0" lang="en-IE" sz="1600" spc="-1" strike="noStrike">
+                        <a:latin typeface="Arial"/>
+                      </a:endParaRPr>
+                    </a:p>
+                    <a:p>
+                      <a:pPr>
+                        <a:lnSpc>
+                          <a:spcPct val="100000"/>
+                        </a:lnSpc>
+                      </a:pPr>
+                      <a:r>
+                        <a:rPr b="0" lang="en-IE" sz="1600" spc="-1" strike="noStrike">
+                          <a:latin typeface="Courier New"/>
+                        </a:rPr>
+                        <a:t>plt.title('symlog')</a:t>
+                      </a:r>
+                      <a:endParaRPr b="0" lang="en-IE" sz="1600" spc="-1" strike="noStrike">
+                        <a:latin typeface="Arial"/>
+                      </a:endParaRPr>
+                    </a:p>
+                    <a:p>
+                      <a:pPr>
+                        <a:lnSpc>
+                          <a:spcPct val="100000"/>
+                        </a:lnSpc>
+                      </a:pPr>
+                      <a:r>
+                        <a:rPr b="0" lang="en-IE" sz="1600" spc="-1" strike="noStrike">
+                          <a:latin typeface="Courier New"/>
+                        </a:rPr>
+                        <a:t>plt.grid(True)</a:t>
+                      </a:r>
+                      <a:endParaRPr b="0" lang="en-IE" sz="1600" spc="-1" strike="noStrike">
+                        <a:latin typeface="Arial"/>
+                      </a:endParaRPr>
+                    </a:p>
+                    <a:p>
+                      <a:pPr>
+                        <a:lnSpc>
+                          <a:spcPct val="100000"/>
+                        </a:lnSpc>
+                      </a:pPr>
+                      <a:r>
+                        <a:rPr b="0" lang="en-IE" sz="1600" spc="-1" strike="noStrike">
+                          <a:latin typeface="Courier New"/>
+                        </a:rPr>
+                        <a:t>plt.show()</a:t>
+                      </a:r>
+                      <a:endParaRPr b="0" lang="en-IE" sz="1600" spc="-1" strike="noStrike">
                         <a:latin typeface="Arial"/>
                       </a:endParaRPr>
                     </a:p>
@@ -7271,14 +7698,14 @@
       </p:grpSpPr>
       <p:sp>
         <p:nvSpPr>
-          <p:cNvPr id="128" name="CustomShape 1"/>
+          <p:cNvPr id="129" name="CustomShape 1"/>
           <p:cNvSpPr/>
           <p:nvPr/>
         </p:nvSpPr>
         <p:spPr>
           <a:xfrm>
             <a:off x="504000" y="301320"/>
-            <a:ext cx="9071280" cy="637200"/>
+            <a:ext cx="9070920" cy="636840"/>
           </a:xfrm>
           <a:prstGeom prst="rect">
             <a:avLst/>
@@ -7308,8 +7735,9 @@
                   <a:srgbClr val="ffffff"/>
                 </a:solidFill>
                 <a:latin typeface="Arial"/>
+                <a:ea typeface="DejaVu Sans"/>
               </a:rPr>
-              <a:t>Implementing Trading Algorithms</a:t>
+              <a:t>Data Visualization</a:t>
             </a:r>
             <a:endParaRPr b="0" lang="en-IE" sz="4400" spc="-1" strike="noStrike">
               <a:latin typeface="Arial"/>
@@ -7319,14 +7747,14 @@
       </p:sp>
       <p:sp>
         <p:nvSpPr>
-          <p:cNvPr id="129" name="CustomShape 2"/>
+          <p:cNvPr id="130" name="CustomShape 2"/>
           <p:cNvSpPr/>
           <p:nvPr/>
         </p:nvSpPr>
         <p:spPr>
           <a:xfrm>
             <a:off x="504000" y="1769040"/>
-            <a:ext cx="9071280" cy="4384080"/>
+            <a:ext cx="9070920" cy="4383720"/>
           </a:xfrm>
           <a:prstGeom prst="rect">
             <a:avLst/>
@@ -7345,30 +7773,28 @@
         <p:txBody>
           <a:bodyPr lIns="0" rIns="0" tIns="0" bIns="0"/>
           <a:p>
-            <a:pPr marL="432000" indent="-323640">
+            <a:pPr>
               <a:lnSpc>
                 <a:spcPct val="100000"/>
               </a:lnSpc>
               <a:spcBef>
                 <a:spcPts val="1417"/>
               </a:spcBef>
-              <a:buClr>
-                <a:srgbClr val="000000"/>
-              </a:buClr>
-              <a:buSzPct val="45000"/>
-              <a:buFont typeface="Wingdings" charset="2"/>
-              <a:buChar char=""/>
-            </a:pPr>
-            <a:r>
-              <a:rPr b="0" lang="en-IE" sz="3200" spc="-1" strike="noStrike">
-                <a:solidFill>
-                  <a:srgbClr val="0066cc"/>
-                </a:solidFill>
-                <a:latin typeface="Arial"/>
-              </a:rPr>
-              <a:t> </a:t>
-            </a:r>
-            <a:endParaRPr b="0" lang="en-IE" sz="3200" spc="-1" strike="noStrike">
+            </a:pPr>
+            <a:endParaRPr b="0" lang="en-IE" sz="1800" spc="-1" strike="noStrike">
+              <a:latin typeface="Arial"/>
+            </a:endParaRPr>
+          </a:p>
+          <a:p>
+            <a:pPr>
+              <a:lnSpc>
+                <a:spcPct val="100000"/>
+              </a:lnSpc>
+              <a:spcBef>
+                <a:spcPts val="1417"/>
+              </a:spcBef>
+            </a:pPr>
+            <a:endParaRPr b="0" lang="en-IE" sz="1800" spc="-1" strike="noStrike">
               <a:latin typeface="Arial"/>
             </a:endParaRPr>
           </a:p>
@@ -7376,22 +7802,22 @@
       </p:sp>
       <p:graphicFrame>
         <p:nvGraphicFramePr>
-          <p:cNvPr id="130" name="Table 3"/>
+          <p:cNvPr id="131" name="Table 3"/>
           <p:cNvGraphicFramePr/>
           <p:nvPr/>
         </p:nvGraphicFramePr>
         <p:xfrm>
-          <a:off x="100800" y="1435320"/>
-          <a:ext cx="9646920" cy="4113000"/>
+          <a:off x="298440" y="1764000"/>
+          <a:ext cx="9421560" cy="4293000"/>
         </p:xfrm>
         <a:graphic>
           <a:graphicData uri="http://schemas.openxmlformats.org/drawingml/2006/table">
             <a:tbl>
               <a:tblPr/>
               <a:tblGrid>
-                <a:gridCol w="9647280"/>
+                <a:gridCol w="9421920"/>
               </a:tblGrid>
-              <a:tr h="4113360">
+              <a:tr h="4293360">
                 <a:tc>
                   <a:txBody>
                     <a:bodyPr lIns="90000" rIns="90000"/>
@@ -7402,284 +7828,288 @@
                         </a:lnSpc>
                       </a:pPr>
                       <a:r>
-                        <a:rPr b="0" lang="en-IE" sz="1800" spc="-1" strike="noStrike">
-                          <a:latin typeface="Courier New"/>
-                        </a:rPr>
-                        <a:t>df = pdr.get_data_yahoo('^NSEI', '2000-01-01', '2018-01-01')</a:t>
-                      </a:r>
-                      <a:endParaRPr b="0" lang="en-IE" sz="1800" spc="-1" strike="noStrike">
-                        <a:latin typeface="Arial"/>
-                      </a:endParaRPr>
-                    </a:p>
-                    <a:p>
-                      <a:pPr>
-                        <a:lnSpc>
-                          <a:spcPct val="100000"/>
-                        </a:lnSpc>
-                      </a:pPr>
-                      <a:r>
-                        <a:rPr b="0" lang="en-IE" sz="1800" spc="-1" strike="noStrike">
-                          <a:latin typeface="Courier New"/>
-                        </a:rPr>
-                        <a:t>df = df.dropna()</a:t>
-                      </a:r>
-                      <a:endParaRPr b="0" lang="en-IE" sz="1800" spc="-1" strike="noStrike">
-                        <a:latin typeface="Arial"/>
-                      </a:endParaRPr>
-                    </a:p>
-                    <a:p>
-                      <a:pPr>
-                        <a:lnSpc>
-                          <a:spcPct val="100000"/>
-                        </a:lnSpc>
-                      </a:pPr>
-                      <a:r>
-                        <a:rPr b="0" lang="en-IE" sz="1800" spc="-1" strike="noStrike">
-                          <a:latin typeface="Courier New"/>
-                        </a:rPr>
-                        <a:t>df = df.iloc[:,:4]</a:t>
-                      </a:r>
-                      <a:endParaRPr b="0" lang="en-IE" sz="1800" spc="-1" strike="noStrike">
-                        <a:latin typeface="Arial"/>
-                      </a:endParaRPr>
-                    </a:p>
-                    <a:p>
-                      <a:pPr>
-                        <a:lnSpc>
-                          <a:spcPct val="100000"/>
-                        </a:lnSpc>
-                      </a:pPr>
-                      <a:r>
-                        <a:rPr b="0" lang="en-IE" sz="1800" spc="-1" strike="noStrike">
-                          <a:latin typeface="Courier New"/>
-                        </a:rPr>
-                        <a:t>df.head()</a:t>
-                      </a:r>
-                      <a:endParaRPr b="0" lang="en-IE" sz="1800" spc="-1" strike="noStrike">
-                        <a:latin typeface="Arial"/>
-                      </a:endParaRPr>
-                    </a:p>
-                    <a:p>
-                      <a:pPr>
-                        <a:lnSpc>
-                          <a:spcPct val="100000"/>
-                        </a:lnSpc>
-                      </a:pPr>
-                      <a:r>
-                        <a:rPr b="0" lang="en-IE" sz="1800" spc="-1" strike="noStrike">
-                          <a:latin typeface="Courier New"/>
-                        </a:rPr>
-                        <a:t>df['S_10'] = df['Close'].rolling(window=10).mean()</a:t>
-                      </a:r>
-                      <a:endParaRPr b="0" lang="en-IE" sz="1800" spc="-1" strike="noStrike">
-                        <a:latin typeface="Arial"/>
-                      </a:endParaRPr>
-                    </a:p>
-                    <a:p>
-                      <a:pPr>
-                        <a:lnSpc>
-                          <a:spcPct val="100000"/>
-                        </a:lnSpc>
-                      </a:pPr>
-                      <a:r>
-                        <a:rPr b="0" lang="en-IE" sz="1800" spc="-1" strike="noStrike">
-                          <a:latin typeface="Courier New"/>
-                        </a:rPr>
-                        <a:t>df['Corr'] = df['Close'].rolling(window=10).corr(df['S_10'])</a:t>
-                      </a:r>
-                      <a:endParaRPr b="0" lang="en-IE" sz="1800" spc="-1" strike="noStrike">
-                        <a:latin typeface="Arial"/>
-                      </a:endParaRPr>
-                    </a:p>
-                    <a:p>
-                      <a:pPr>
-                        <a:lnSpc>
-                          <a:spcPct val="100000"/>
-                        </a:lnSpc>
-                      </a:pPr>
-                      <a:r>
-                        <a:rPr b="0" lang="en-IE" sz="1800" spc="-1" strike="noStrike">
-                          <a:latin typeface="Courier New"/>
-                        </a:rPr>
-                        <a:t>df['RSI'] = ta.RSI(np.array(df['Close']), timeperiod =10)</a:t>
-                      </a:r>
-                      <a:endParaRPr b="0" lang="en-IE" sz="1800" spc="-1" strike="noStrike">
-                        <a:latin typeface="Arial"/>
-                      </a:endParaRPr>
-                    </a:p>
-                    <a:p>
-                      <a:pPr>
-                        <a:lnSpc>
-                          <a:spcPct val="100000"/>
-                        </a:lnSpc>
-                      </a:pPr>
-                      <a:r>
-                        <a:rPr b="0" lang="en-IE" sz="1800" spc="-1" strike="noStrike">
-                          <a:latin typeface="Courier New"/>
-                        </a:rPr>
-                        <a:t>df['Open-Close'] = df['Open'] - df['Close'].shift(1)</a:t>
-                      </a:r>
-                      <a:endParaRPr b="0" lang="en-IE" sz="1800" spc="-1" strike="noStrike">
-                        <a:latin typeface="Arial"/>
-                      </a:endParaRPr>
-                    </a:p>
-                    <a:p>
-                      <a:pPr>
-                        <a:lnSpc>
-                          <a:spcPct val="100000"/>
-                        </a:lnSpc>
-                      </a:pPr>
-                      <a:r>
-                        <a:rPr b="0" lang="en-IE" sz="1800" spc="-1" strike="noStrike">
-                          <a:latin typeface="Courier New"/>
-                        </a:rPr>
-                        <a:t>df['Open-Open'] = df['Open'] - df['Open'].shift(1)</a:t>
-                      </a:r>
-                      <a:endParaRPr b="0" lang="en-IE" sz="1800" spc="-1" strike="noStrike">
-                        <a:latin typeface="Arial"/>
-                      </a:endParaRPr>
-                    </a:p>
-                    <a:p>
-                      <a:pPr>
-                        <a:lnSpc>
-                          <a:spcPct val="100000"/>
-                        </a:lnSpc>
-                      </a:pPr>
-                      <a:r>
-                        <a:rPr b="0" lang="en-IE" sz="1800" spc="-1" strike="noStrike">
-                          <a:latin typeface="Courier New"/>
-                        </a:rPr>
-                        <a:t>df = df.dropna()</a:t>
-                      </a:r>
-                      <a:endParaRPr b="0" lang="en-IE" sz="1800" spc="-1" strike="noStrike">
-                        <a:latin typeface="Arial"/>
-                      </a:endParaRPr>
-                    </a:p>
-                    <a:p>
-                      <a:pPr>
-                        <a:lnSpc>
-                          <a:spcPct val="100000"/>
-                        </a:lnSpc>
-                      </a:pPr>
-                      <a:r>
-                        <a:rPr b="0" lang="en-IE" sz="1800" spc="-1" strike="noStrike">
-                          <a:latin typeface="Courier New"/>
-                        </a:rPr>
-                        <a:t>X = df.iloc[:,:9]</a:t>
-                      </a:r>
-                      <a:endParaRPr b="0" lang="en-IE" sz="1800" spc="-1" strike="noStrike">
-                        <a:latin typeface="Arial"/>
-                      </a:endParaRPr>
-                    </a:p>
-                    <a:p>
-                      <a:pPr>
-                        <a:lnSpc>
-                          <a:spcPct val="100000"/>
-                        </a:lnSpc>
-                      </a:pPr>
-                      <a:r>
-                        <a:rPr b="0" lang="en-IE" sz="1800" spc="-1" strike="noStrike">
-                          <a:latin typeface="Courier New"/>
-                        </a:rPr>
-                        <a:t>y = np.where (df['Close'].shift(-1) &gt; df['Close'],1,-1)</a:t>
-                      </a:r>
-                      <a:endParaRPr b="0" lang="en-IE" sz="1800" spc="-1" strike="noStrike">
-                        <a:latin typeface="Arial"/>
-                      </a:endParaRPr>
-                    </a:p>
-                    <a:p>
-                      <a:pPr>
-                        <a:lnSpc>
-                          <a:spcPct val="100000"/>
-                        </a:lnSpc>
-                      </a:pPr>
-                      <a:r>
-                        <a:rPr b="0" lang="en-IE" sz="1800" spc="-1" strike="noStrike">
-                          <a:latin typeface="Courier New"/>
-                        </a:rPr>
-                        <a:t>model = LogisticRegression()</a:t>
-                      </a:r>
-                      <a:endParaRPr b="0" lang="en-IE" sz="1800" spc="-1" strike="noStrike">
-                        <a:latin typeface="Arial"/>
-                      </a:endParaRPr>
-                    </a:p>
-                    <a:p>
-                      <a:pPr>
-                        <a:lnSpc>
-                          <a:spcPct val="100000"/>
-                        </a:lnSpc>
-                      </a:pPr>
-                      <a:r>
-                        <a:rPr b="0" lang="en-IE" sz="1800" spc="-1" strike="noStrike">
-                          <a:latin typeface="Courier New"/>
-                        </a:rPr>
-                        <a:t>model = model.fit (X,Y)</a:t>
-                      </a:r>
-                      <a:endParaRPr b="0" lang="en-IE" sz="1800" spc="-1" strike="noStrike">
-                        <a:latin typeface="Arial"/>
-                      </a:endParaRPr>
-                    </a:p>
-                    <a:p>
-                      <a:pPr>
-                        <a:lnSpc>
-                          <a:spcPct val="100000"/>
-                        </a:lnSpc>
-                      </a:pPr>
-                      <a:r>
-                        <a:rPr b="0" lang="en-IE" sz="1800" spc="-1" strike="noStrike">
-                          <a:latin typeface="Courier New"/>
-                        </a:rPr>
-                        <a:t>probability = model.predict_proba(X_test)</a:t>
-                      </a:r>
-                      <a:endParaRPr b="0" lang="en-IE" sz="1800" spc="-1" strike="noStrike">
-                        <a:latin typeface="Arial"/>
-                      </a:endParaRPr>
-                    </a:p>
-                    <a:p>
-                      <a:pPr>
-                        <a:lnSpc>
-                          <a:spcPct val="100000"/>
-                        </a:lnSpc>
-                      </a:pPr>
-                      <a:r>
-                        <a:rPr b="0" lang="en-IE" sz="1800" spc="-1" strike="noStrike">
-                          <a:latin typeface="Courier New"/>
-                        </a:rPr>
-                        <a:t>print probability</a:t>
-                      </a:r>
-                      <a:endParaRPr b="0" lang="en-IE" sz="1800" spc="-1" strike="noStrike">
-                        <a:latin typeface="Arial"/>
-                      </a:endParaRPr>
-                    </a:p>
-                    <a:p>
-                      <a:pPr>
-                        <a:lnSpc>
-                          <a:spcPct val="100000"/>
-                        </a:lnSpc>
-                      </a:pPr>
-                      <a:r>
-                        <a:rPr b="0" lang="en-IE" sz="1800" spc="-1" strike="noStrike">
-                          <a:latin typeface="Courier New"/>
-                        </a:rPr>
-                        <a:t>predicted = model.predict(X_test) # Note X_Test is some testing data.</a:t>
-                      </a:r>
-                      <a:endParaRPr b="0" lang="en-IE" sz="1800" spc="-1" strike="noStrike">
-                        <a:latin typeface="Arial"/>
-                      </a:endParaRPr>
-                    </a:p>
-                    <a:p>
-                      <a:pPr>
-                        <a:lnSpc>
-                          <a:spcPct val="100000"/>
-                        </a:lnSpc>
-                      </a:pPr>
-                      <a:r>
-                        <a:rPr b="0" lang="en-IE" sz="1800" spc="-1" strike="noStrike">
-                          <a:latin typeface="Courier New"/>
-                        </a:rPr>
-                        <a:t>print metrics.confusion_matrix(y_test, predicted) # Again y_test is some testing_output</a:t>
-                      </a:r>
-                      <a:endParaRPr b="0" lang="en-IE" sz="1800" spc="-1" strike="noStrike">
+                        <a:rPr b="0" lang="en-IE" sz="1600" spc="-1" strike="noStrike">
+                          <a:latin typeface="Courier New"/>
+                        </a:rPr>
+                        <a:t>import numpy as np</a:t>
+                      </a:r>
+                      <a:endParaRPr b="0" lang="en-IE" sz="1600" spc="-1" strike="noStrike">
+                        <a:latin typeface="Arial"/>
+                      </a:endParaRPr>
+                    </a:p>
+                    <a:p>
+                      <a:pPr>
+                        <a:lnSpc>
+                          <a:spcPct val="100000"/>
+                        </a:lnSpc>
+                      </a:pPr>
+                      <a:r>
+                        <a:rPr b="0" lang="en-IE" sz="1600" spc="-1" strike="noStrike">
+                          <a:latin typeface="Courier New"/>
+                        </a:rPr>
+                        <a:t>import matplotlib.pyplot as plt</a:t>
+                      </a:r>
+                      <a:endParaRPr b="0" lang="en-IE" sz="1600" spc="-1" strike="noStrike">
+                        <a:latin typeface="Arial"/>
+                      </a:endParaRPr>
+                    </a:p>
+                    <a:p>
+                      <a:pPr>
+                        <a:lnSpc>
+                          <a:spcPct val="100000"/>
+                        </a:lnSpc>
+                      </a:pPr>
+                      <a:r>
+                        <a:rPr b="0" lang="en-IE" sz="1600" spc="-1" strike="noStrike">
+                          <a:latin typeface="Courier New"/>
+                        </a:rPr>
+                        <a:t># Fixing random state for reproducibility</a:t>
+                      </a:r>
+                      <a:endParaRPr b="0" lang="en-IE" sz="1600" spc="-1" strike="noStrike">
+                        <a:latin typeface="Arial"/>
+                      </a:endParaRPr>
+                    </a:p>
+                    <a:p>
+                      <a:pPr>
+                        <a:lnSpc>
+                          <a:spcPct val="100000"/>
+                        </a:lnSpc>
+                      </a:pPr>
+                      <a:r>
+                        <a:rPr b="0" lang="en-IE" sz="1600" spc="-1" strike="noStrike">
+                          <a:latin typeface="Courier New"/>
+                        </a:rPr>
+                        <a:t>np.random.seed(19680801)</a:t>
+                      </a:r>
+                      <a:endParaRPr b="0" lang="en-IE" sz="1600" spc="-1" strike="noStrike">
+                        <a:latin typeface="Arial"/>
+                      </a:endParaRPr>
+                    </a:p>
+                    <a:p>
+                      <a:pPr>
+                        <a:lnSpc>
+                          <a:spcPct val="100000"/>
+                        </a:lnSpc>
+                      </a:pPr>
+                      <a:endParaRPr b="0" lang="en-IE" sz="1600" spc="-1" strike="noStrike">
+                        <a:latin typeface="Arial"/>
+                      </a:endParaRPr>
+                    </a:p>
+                    <a:p>
+                      <a:pPr>
+                        <a:lnSpc>
+                          <a:spcPct val="100000"/>
+                        </a:lnSpc>
+                      </a:pPr>
+                      <a:r>
+                        <a:rPr b="0" lang="en-IE" sz="1600" spc="-1" strike="noStrike">
+                          <a:latin typeface="Courier New"/>
+                        </a:rPr>
+                        <a:t># make up some data in the interval ]0, 1[</a:t>
+                      </a:r>
+                      <a:endParaRPr b="0" lang="en-IE" sz="1600" spc="-1" strike="noStrike">
+                        <a:latin typeface="Arial"/>
+                      </a:endParaRPr>
+                    </a:p>
+                    <a:p>
+                      <a:pPr>
+                        <a:lnSpc>
+                          <a:spcPct val="100000"/>
+                        </a:lnSpc>
+                      </a:pPr>
+                      <a:r>
+                        <a:rPr b="0" lang="en-IE" sz="1600" spc="-1" strike="noStrike">
+                          <a:latin typeface="Courier New"/>
+                        </a:rPr>
+                        <a:t>y = np.random.normal(loc=0.5, scale=0.4, size=1000)</a:t>
+                      </a:r>
+                      <a:endParaRPr b="0" lang="en-IE" sz="1600" spc="-1" strike="noStrike">
+                        <a:latin typeface="Arial"/>
+                      </a:endParaRPr>
+                    </a:p>
+                    <a:p>
+                      <a:pPr>
+                        <a:lnSpc>
+                          <a:spcPct val="100000"/>
+                        </a:lnSpc>
+                      </a:pPr>
+                      <a:r>
+                        <a:rPr b="0" lang="en-IE" sz="1600" spc="-1" strike="noStrike">
+                          <a:latin typeface="Courier New"/>
+                        </a:rPr>
+                        <a:t>y = y[(y &gt; 0) &amp; (y &lt; 1)]</a:t>
+                      </a:r>
+                      <a:endParaRPr b="0" lang="en-IE" sz="1600" spc="-1" strike="noStrike">
+                        <a:latin typeface="Arial"/>
+                      </a:endParaRPr>
+                    </a:p>
+                    <a:p>
+                      <a:pPr>
+                        <a:lnSpc>
+                          <a:spcPct val="100000"/>
+                        </a:lnSpc>
+                      </a:pPr>
+                      <a:r>
+                        <a:rPr b="0" lang="en-IE" sz="1600" spc="-1" strike="noStrike">
+                          <a:latin typeface="Courier New"/>
+                        </a:rPr>
+                        <a:t>y.sort()</a:t>
+                      </a:r>
+                      <a:endParaRPr b="0" lang="en-IE" sz="1600" spc="-1" strike="noStrike">
+                        <a:latin typeface="Arial"/>
+                      </a:endParaRPr>
+                    </a:p>
+                    <a:p>
+                      <a:pPr>
+                        <a:lnSpc>
+                          <a:spcPct val="100000"/>
+                        </a:lnSpc>
+                      </a:pPr>
+                      <a:r>
+                        <a:rPr b="0" lang="en-IE" sz="1600" spc="-1" strike="noStrike">
+                          <a:latin typeface="Courier New"/>
+                        </a:rPr>
+                        <a:t>x = np.arange(len(y))</a:t>
+                      </a:r>
+                      <a:endParaRPr b="0" lang="en-IE" sz="1600" spc="-1" strike="noStrike">
+                        <a:latin typeface="Arial"/>
+                      </a:endParaRPr>
+                    </a:p>
+                    <a:p>
+                      <a:pPr>
+                        <a:lnSpc>
+                          <a:spcPct val="100000"/>
+                        </a:lnSpc>
+                      </a:pPr>
+                      <a:r>
+                        <a:rPr b="0" lang="en-IE" sz="1600" spc="-1" strike="noStrike">
+                          <a:latin typeface="Courier New"/>
+                        </a:rPr>
+                        <a:t># plot with various axes scales</a:t>
+                      </a:r>
+                      <a:endParaRPr b="0" lang="en-IE" sz="1600" spc="-1" strike="noStrike">
+                        <a:latin typeface="Arial"/>
+                      </a:endParaRPr>
+                    </a:p>
+                    <a:p>
+                      <a:pPr>
+                        <a:lnSpc>
+                          <a:spcPct val="100000"/>
+                        </a:lnSpc>
+                      </a:pPr>
+                      <a:r>
+                        <a:rPr b="0" lang="en-IE" sz="1600" spc="-1" strike="noStrike">
+                          <a:latin typeface="Courier New"/>
+                        </a:rPr>
+                        <a:t>plt.figure(1)</a:t>
+                      </a:r>
+                      <a:endParaRPr b="0" lang="en-IE" sz="1600" spc="-1" strike="noStrike">
+                        <a:latin typeface="Arial"/>
+                      </a:endParaRPr>
+                    </a:p>
+                    <a:p>
+                      <a:pPr>
+                        <a:lnSpc>
+                          <a:spcPct val="100000"/>
+                        </a:lnSpc>
+                      </a:pPr>
+                      <a:r>
+                        <a:rPr b="0" lang="en-IE" sz="1600" spc="-1" strike="noStrike">
+                          <a:latin typeface="Courier New"/>
+                        </a:rPr>
+                        <a:t># logit</a:t>
+                      </a:r>
+                      <a:endParaRPr b="0" lang="en-IE" sz="1600" spc="-1" strike="noStrike">
+                        <a:latin typeface="Arial"/>
+                      </a:endParaRPr>
+                    </a:p>
+                    <a:p>
+                      <a:pPr>
+                        <a:lnSpc>
+                          <a:spcPct val="100000"/>
+                        </a:lnSpc>
+                      </a:pPr>
+                      <a:r>
+                        <a:rPr b="0" lang="en-IE" sz="1600" spc="-1" strike="noStrike">
+                          <a:latin typeface="Courier New"/>
+                        </a:rPr>
+                        <a:t>plt.subplot(224)</a:t>
+                      </a:r>
+                      <a:endParaRPr b="0" lang="en-IE" sz="1600" spc="-1" strike="noStrike">
+                        <a:latin typeface="Arial"/>
+                      </a:endParaRPr>
+                    </a:p>
+                    <a:p>
+                      <a:pPr>
+                        <a:lnSpc>
+                          <a:spcPct val="100000"/>
+                        </a:lnSpc>
+                      </a:pPr>
+                      <a:r>
+                        <a:rPr b="0" lang="en-IE" sz="1600" spc="-1" strike="noStrike">
+                          <a:latin typeface="Courier New"/>
+                        </a:rPr>
+                        <a:t>plt.plot(x, y)</a:t>
+                      </a:r>
+                      <a:endParaRPr b="0" lang="en-IE" sz="1600" spc="-1" strike="noStrike">
+                        <a:latin typeface="Arial"/>
+                      </a:endParaRPr>
+                    </a:p>
+                    <a:p>
+                      <a:pPr>
+                        <a:lnSpc>
+                          <a:spcPct val="100000"/>
+                        </a:lnSpc>
+                      </a:pPr>
+                      <a:r>
+                        <a:rPr b="0" lang="en-IE" sz="1600" spc="-1" strike="noStrike">
+                          <a:latin typeface="Courier New"/>
+                        </a:rPr>
+                        <a:t>plt.yscale('logit')</a:t>
+                      </a:r>
+                      <a:endParaRPr b="0" lang="en-IE" sz="1600" spc="-1" strike="noStrike">
+                        <a:latin typeface="Arial"/>
+                      </a:endParaRPr>
+                    </a:p>
+                    <a:p>
+                      <a:pPr>
+                        <a:lnSpc>
+                          <a:spcPct val="100000"/>
+                        </a:lnSpc>
+                      </a:pPr>
+                      <a:r>
+                        <a:rPr b="0" lang="en-IE" sz="1600" spc="-1" strike="noStrike">
+                          <a:latin typeface="Courier New"/>
+                        </a:rPr>
+                        <a:t>plt.title('logit')</a:t>
+                      </a:r>
+                      <a:endParaRPr b="0" lang="en-IE" sz="1600" spc="-1" strike="noStrike">
+                        <a:latin typeface="Arial"/>
+                      </a:endParaRPr>
+                    </a:p>
+                    <a:p>
+                      <a:pPr>
+                        <a:lnSpc>
+                          <a:spcPct val="100000"/>
+                        </a:lnSpc>
+                      </a:pPr>
+                      <a:r>
+                        <a:rPr b="0" lang="en-IE" sz="1600" spc="-1" strike="noStrike">
+                          <a:latin typeface="Courier New"/>
+                        </a:rPr>
+                        <a:t>plt.grid(True)</a:t>
+                      </a:r>
+                      <a:endParaRPr b="0" lang="en-IE" sz="1600" spc="-1" strike="noStrike">
+                        <a:latin typeface="Arial"/>
+                      </a:endParaRPr>
+                    </a:p>
+                    <a:p>
+                      <a:pPr>
+                        <a:lnSpc>
+                          <a:spcPct val="100000"/>
+                        </a:lnSpc>
+                      </a:pPr>
+                      <a:endParaRPr b="0" lang="en-IE" sz="1600" spc="-1" strike="noStrike">
                         <a:latin typeface="Arial"/>
                       </a:endParaRPr>
                     </a:p>
@@ -7766,14 +8196,14 @@
       </p:grpSpPr>
       <p:sp>
         <p:nvSpPr>
-          <p:cNvPr id="131" name="CustomShape 1"/>
+          <p:cNvPr id="132" name="CustomShape 1"/>
           <p:cNvSpPr/>
           <p:nvPr/>
         </p:nvSpPr>
         <p:spPr>
           <a:xfrm>
             <a:off x="504000" y="301320"/>
-            <a:ext cx="9071280" cy="637200"/>
+            <a:ext cx="9070920" cy="636840"/>
           </a:xfrm>
           <a:prstGeom prst="rect">
             <a:avLst/>
@@ -7803,8 +8233,9 @@
                   <a:srgbClr val="ffffff"/>
                 </a:solidFill>
                 <a:latin typeface="Arial"/>
+                <a:ea typeface="DejaVu Sans"/>
               </a:rPr>
-              <a:t>Implementing Trading Algorithms</a:t>
+              <a:t>Data Visualization</a:t>
             </a:r>
             <a:endParaRPr b="0" lang="en-IE" sz="4400" spc="-1" strike="noStrike">
               <a:latin typeface="Arial"/>
@@ -7814,14 +8245,14 @@
       </p:sp>
       <p:sp>
         <p:nvSpPr>
-          <p:cNvPr id="132" name="CustomShape 2"/>
+          <p:cNvPr id="133" name="CustomShape 2"/>
           <p:cNvSpPr/>
           <p:nvPr/>
         </p:nvSpPr>
         <p:spPr>
           <a:xfrm>
             <a:off x="504000" y="1769040"/>
-            <a:ext cx="9071280" cy="4384080"/>
+            <a:ext cx="9070920" cy="4383720"/>
           </a:xfrm>
           <a:prstGeom prst="rect">
             <a:avLst/>
@@ -7840,30 +8271,28 @@
         <p:txBody>
           <a:bodyPr lIns="0" rIns="0" tIns="0" bIns="0"/>
           <a:p>
-            <a:pPr marL="432000" indent="-323640">
+            <a:pPr>
               <a:lnSpc>
                 <a:spcPct val="100000"/>
               </a:lnSpc>
               <a:spcBef>
                 <a:spcPts val="1417"/>
               </a:spcBef>
-              <a:buClr>
-                <a:srgbClr val="000000"/>
-              </a:buClr>
-              <a:buSzPct val="45000"/>
-              <a:buFont typeface="Wingdings" charset="2"/>
-              <a:buChar char=""/>
-            </a:pPr>
-            <a:r>
-              <a:rPr b="0" lang="en-IE" sz="3200" spc="-1" strike="noStrike">
-                <a:solidFill>
-                  <a:srgbClr val="0066cc"/>
-                </a:solidFill>
-                <a:latin typeface="Arial"/>
-              </a:rPr>
-              <a:t> </a:t>
-            </a:r>
-            <a:endParaRPr b="0" lang="en-IE" sz="3200" spc="-1" strike="noStrike">
+            </a:pPr>
+            <a:endParaRPr b="0" lang="en-IE" sz="1800" spc="-1" strike="noStrike">
+              <a:latin typeface="Arial"/>
+            </a:endParaRPr>
+          </a:p>
+          <a:p>
+            <a:pPr>
+              <a:lnSpc>
+                <a:spcPct val="100000"/>
+              </a:lnSpc>
+              <a:spcBef>
+                <a:spcPts val="1417"/>
+              </a:spcBef>
+            </a:pPr>
+            <a:endParaRPr b="0" lang="en-IE" sz="1800" spc="-1" strike="noStrike">
               <a:latin typeface="Arial"/>
             </a:endParaRPr>
           </a:p>
@@ -7871,22 +8300,22 @@
       </p:sp>
       <p:graphicFrame>
         <p:nvGraphicFramePr>
-          <p:cNvPr id="133" name="Table 3"/>
+          <p:cNvPr id="134" name="Table 3"/>
           <p:cNvGraphicFramePr/>
           <p:nvPr/>
         </p:nvGraphicFramePr>
         <p:xfrm>
-          <a:off x="100800" y="1435320"/>
-          <a:ext cx="9646920" cy="4113000"/>
+          <a:off x="298440" y="1764000"/>
+          <a:ext cx="9421560" cy="4293000"/>
         </p:xfrm>
         <a:graphic>
           <a:graphicData uri="http://schemas.openxmlformats.org/drawingml/2006/table">
             <a:tbl>
               <a:tblPr/>
               <a:tblGrid>
-                <a:gridCol w="9647280"/>
+                <a:gridCol w="9421920"/>
               </a:tblGrid>
-              <a:tr h="4113360">
+              <a:tr h="4293360">
                 <a:tc>
                   <a:txBody>
                     <a:bodyPr lIns="90000" rIns="90000"/>
@@ -7897,156 +8326,150 @@
                         </a:lnSpc>
                       </a:pPr>
                       <a:r>
-                        <a:rPr b="0" lang="en-IE" sz="1800" spc="-1" strike="noStrike">
-                          <a:latin typeface="Courier New"/>
-                        </a:rPr>
-                        <a:t>df['Predicted_Signal'] = model.predict(X)</a:t>
-                      </a:r>
-                      <a:endParaRPr b="0" lang="en-IE" sz="1800" spc="-1" strike="noStrike">
-                        <a:latin typeface="Arial"/>
-                      </a:endParaRPr>
-                    </a:p>
-                    <a:p>
-                      <a:pPr>
-                        <a:lnSpc>
-                          <a:spcPct val="100000"/>
-                        </a:lnSpc>
-                      </a:pPr>
-                      <a:r>
-                        <a:rPr b="0" lang="en-IE" sz="1800" spc="-1" strike="noStrike">
-                          <a:latin typeface="Courier New"/>
-                        </a:rPr>
-                        <a:t>df['Nifty_returns'] = np.log(df['Close']/df['Close'].shift(1))</a:t>
-                      </a:r>
-                      <a:endParaRPr b="0" lang="en-IE" sz="1800" spc="-1" strike="noStrike">
-                        <a:latin typeface="Arial"/>
-                      </a:endParaRPr>
-                    </a:p>
-                    <a:p>
-                      <a:pPr>
-                        <a:lnSpc>
-                          <a:spcPct val="100000"/>
-                        </a:lnSpc>
-                      </a:pPr>
-                      <a:r>
-                        <a:rPr b="0" lang="en-IE" sz="1800" spc="-1" strike="noStrike">
-                          <a:latin typeface="Courier New"/>
-                        </a:rPr>
-                        <a:t>Cumulative_Nifty_returns = np.cumsum(df[split:]['Nifty_returns'])</a:t>
-                      </a:r>
-                      <a:endParaRPr b="0" lang="en-IE" sz="1800" spc="-1" strike="noStrike">
-                        <a:latin typeface="Arial"/>
-                      </a:endParaRPr>
-                    </a:p>
-                    <a:p>
-                      <a:pPr>
-                        <a:lnSpc>
-                          <a:spcPct val="100000"/>
-                        </a:lnSpc>
-                      </a:pPr>
-                      <a:r>
-                        <a:rPr b="0" lang="en-IE" sz="1800" spc="-1" strike="noStrike">
-                          <a:latin typeface="Courier New"/>
-                        </a:rPr>
-                        <a:t>df['Startegy_returns'] = df['Nifty_returns']* df['Predicted_Signal'].shift(1)</a:t>
-                      </a:r>
-                      <a:endParaRPr b="0" lang="en-IE" sz="1800" spc="-1" strike="noStrike">
-                        <a:latin typeface="Arial"/>
-                      </a:endParaRPr>
-                    </a:p>
-                    <a:p>
-                      <a:pPr>
-                        <a:lnSpc>
-                          <a:spcPct val="100000"/>
-                        </a:lnSpc>
-                      </a:pPr>
-                      <a:r>
-                        <a:rPr b="0" lang="en-IE" sz="1800" spc="-1" strike="noStrike">
-                          <a:latin typeface="Courier New"/>
-                        </a:rPr>
-                        <a:t>Cumulative_Strategy_returns = np.cumsum(df[split:]['Startegy_returns'])</a:t>
-                      </a:r>
-                      <a:endParaRPr b="0" lang="en-IE" sz="1800" spc="-1" strike="noStrike">
-                        <a:latin typeface="Arial"/>
-                      </a:endParaRPr>
-                    </a:p>
-                    <a:p>
-                      <a:pPr>
-                        <a:lnSpc>
-                          <a:spcPct val="100000"/>
-                        </a:lnSpc>
-                      </a:pPr>
-                      <a:r>
-                        <a:rPr b="0" lang="en-IE" sz="1800" spc="-1" strike="noStrike">
-                          <a:latin typeface="Courier New"/>
-                        </a:rPr>
-                        <a:t>plt.figure(figsize=(10,5))</a:t>
-                      </a:r>
-                      <a:endParaRPr b="0" lang="en-IE" sz="1800" spc="-1" strike="noStrike">
-                        <a:latin typeface="Arial"/>
-                      </a:endParaRPr>
-                    </a:p>
-                    <a:p>
-                      <a:pPr>
-                        <a:lnSpc>
-                          <a:spcPct val="100000"/>
-                        </a:lnSpc>
-                      </a:pPr>
-                      <a:r>
-                        <a:rPr b="0" lang="en-IE" sz="1800" spc="-1" strike="noStrike">
-                          <a:latin typeface="Courier New"/>
-                        </a:rPr>
-                        <a:t>plt.plot(Cumulative_Nifty_returns, color='r',label = 'Nifty Returns')</a:t>
-                      </a:r>
-                      <a:endParaRPr b="0" lang="en-IE" sz="1800" spc="-1" strike="noStrike">
-                        <a:latin typeface="Arial"/>
-                      </a:endParaRPr>
-                    </a:p>
-                    <a:p>
-                      <a:pPr>
-                        <a:lnSpc>
-                          <a:spcPct val="100000"/>
-                        </a:lnSpc>
-                      </a:pPr>
-                      <a:r>
-                        <a:rPr b="0" lang="en-IE" sz="1800" spc="-1" strike="noStrike">
-                          <a:latin typeface="Courier New"/>
-                        </a:rPr>
-                        <a:t>plt.plot(Cumulative_Strategy_returns, color='g', label = 'Strategy Returns')</a:t>
-                      </a:r>
-                      <a:endParaRPr b="0" lang="en-IE" sz="1800" spc="-1" strike="noStrike">
-                        <a:latin typeface="Arial"/>
-                      </a:endParaRPr>
-                    </a:p>
-                    <a:p>
-                      <a:pPr>
-                        <a:lnSpc>
-                          <a:spcPct val="100000"/>
-                        </a:lnSpc>
-                      </a:pPr>
-                      <a:r>
-                        <a:rPr b="0" lang="en-IE" sz="1800" spc="-1" strike="noStrike">
-                          <a:latin typeface="Courier New"/>
-                        </a:rPr>
-                        <a:t>plt.legend()</a:t>
-                      </a:r>
-                      <a:endParaRPr b="0" lang="en-IE" sz="1800" spc="-1" strike="noStrike">
-                        <a:latin typeface="Arial"/>
-                      </a:endParaRPr>
-                    </a:p>
-                    <a:p>
-                      <a:pPr>
-                        <a:lnSpc>
-                          <a:spcPct val="100000"/>
-                        </a:lnSpc>
-                      </a:pPr>
-                      <a:r>
-                        <a:rPr b="0" lang="en-IE" sz="1800" spc="-1" strike="noStrike">
+                        <a:rPr b="0" lang="en-IE" sz="1600" spc="-1" strike="noStrike">
+                          <a:latin typeface="Courier New"/>
+                        </a:rPr>
+                        <a:t># Format the minor tick labels of the y-axis into empty strings with</a:t>
+                      </a:r>
+                      <a:endParaRPr b="0" lang="en-IE" sz="1600" spc="-1" strike="noStrike">
+                        <a:latin typeface="Arial"/>
+                      </a:endParaRPr>
+                    </a:p>
+                    <a:p>
+                      <a:pPr>
+                        <a:lnSpc>
+                          <a:spcPct val="100000"/>
+                        </a:lnSpc>
+                      </a:pPr>
+                      <a:r>
+                        <a:rPr b="0" lang="en-IE" sz="1600" spc="-1" strike="noStrike">
+                          <a:latin typeface="Courier New"/>
+                        </a:rPr>
+                        <a:t># `NullFormatter`, to avoid cumbering the axis with too many labels.</a:t>
+                      </a:r>
+                      <a:endParaRPr b="0" lang="en-IE" sz="1600" spc="-1" strike="noStrike">
+                        <a:latin typeface="Arial"/>
+                      </a:endParaRPr>
+                    </a:p>
+                    <a:p>
+                      <a:pPr>
+                        <a:lnSpc>
+                          <a:spcPct val="100000"/>
+                        </a:lnSpc>
+                      </a:pPr>
+                      <a:r>
+                        <a:rPr b="0" lang="en-IE" sz="1600" spc="-1" strike="noStrike">
+                          <a:latin typeface="Courier New"/>
+                        </a:rPr>
+                        <a:t>plt.gca().yaxis.set_minor_formatter(NullFormatter())</a:t>
+                      </a:r>
+                      <a:endParaRPr b="0" lang="en-IE" sz="1600" spc="-1" strike="noStrike">
+                        <a:latin typeface="Arial"/>
+                      </a:endParaRPr>
+                    </a:p>
+                    <a:p>
+                      <a:pPr>
+                        <a:lnSpc>
+                          <a:spcPct val="100000"/>
+                        </a:lnSpc>
+                      </a:pPr>
+                      <a:r>
+                        <a:rPr b="0" lang="en-IE" sz="1600" spc="-1" strike="noStrike">
+                          <a:latin typeface="Courier New"/>
+                        </a:rPr>
+                        <a:t># Adjust the subplot layout, because the logit one may take more space</a:t>
+                      </a:r>
+                      <a:endParaRPr b="0" lang="en-IE" sz="1600" spc="-1" strike="noStrike">
+                        <a:latin typeface="Arial"/>
+                      </a:endParaRPr>
+                    </a:p>
+                    <a:p>
+                      <a:pPr>
+                        <a:lnSpc>
+                          <a:spcPct val="100000"/>
+                        </a:lnSpc>
+                      </a:pPr>
+                      <a:r>
+                        <a:rPr b="0" lang="en-IE" sz="1600" spc="-1" strike="noStrike">
+                          <a:latin typeface="Courier New"/>
+                        </a:rPr>
+                        <a:t># than usual, due to y-tick labels like "1 - 10^{-3}"</a:t>
+                      </a:r>
+                      <a:endParaRPr b="0" lang="en-IE" sz="1600" spc="-1" strike="noStrike">
+                        <a:latin typeface="Arial"/>
+                      </a:endParaRPr>
+                    </a:p>
+                    <a:p>
+                      <a:pPr>
+                        <a:lnSpc>
+                          <a:spcPct val="100000"/>
+                        </a:lnSpc>
+                      </a:pPr>
+                      <a:r>
+                        <a:rPr b="0" lang="en-IE" sz="1600" spc="-1" strike="noStrike">
+                          <a:latin typeface="Courier New"/>
+                        </a:rPr>
+                        <a:t>plt.subplots_adjust(top=0.92, bottom=0.08, left=0.10, right=0.95, hspace=0.25,</a:t>
+                      </a:r>
+                      <a:endParaRPr b="0" lang="en-IE" sz="1600" spc="-1" strike="noStrike">
+                        <a:latin typeface="Arial"/>
+                      </a:endParaRPr>
+                    </a:p>
+                    <a:p>
+                      <a:pPr>
+                        <a:lnSpc>
+                          <a:spcPct val="100000"/>
+                        </a:lnSpc>
+                      </a:pPr>
+                      <a:r>
+                        <a:rPr b="0" lang="en-IE" sz="1600" spc="-1" strike="noStrike">
+                          <a:latin typeface="Courier New"/>
+                        </a:rPr>
+                        <a:t>                    </a:t>
+                      </a:r>
+                      <a:r>
+                        <a:rPr b="0" lang="en-IE" sz="1600" spc="-1" strike="noStrike">
+                          <a:latin typeface="Courier New"/>
+                        </a:rPr>
+                        <a:t>wspace=0.35)</a:t>
+                      </a:r>
+                      <a:endParaRPr b="0" lang="en-IE" sz="1600" spc="-1" strike="noStrike">
+                        <a:latin typeface="Arial"/>
+                      </a:endParaRPr>
+                    </a:p>
+                    <a:p>
+                      <a:pPr>
+                        <a:lnSpc>
+                          <a:spcPct val="100000"/>
+                        </a:lnSpc>
+                      </a:pPr>
+                      <a:endParaRPr b="0" lang="en-IE" sz="1600" spc="-1" strike="noStrike">
+                        <a:latin typeface="Arial"/>
+                      </a:endParaRPr>
+                    </a:p>
+                    <a:p>
+                      <a:pPr>
+                        <a:lnSpc>
+                          <a:spcPct val="100000"/>
+                        </a:lnSpc>
+                      </a:pPr>
+                      <a:r>
+                        <a:rPr b="0" lang="en-IE" sz="1600" spc="-1" strike="noStrike">
                           <a:latin typeface="Courier New"/>
                         </a:rPr>
                         <a:t>plt.show()</a:t>
                       </a:r>
-                      <a:endParaRPr b="0" lang="en-IE" sz="1800" spc="-1" strike="noStrike">
+                      <a:endParaRPr b="0" lang="en-IE" sz="1600" spc="-1" strike="noStrike">
+                        <a:latin typeface="Arial"/>
+                      </a:endParaRPr>
+                    </a:p>
+                    <a:p>
+                      <a:pPr>
+                        <a:lnSpc>
+                          <a:spcPct val="100000"/>
+                        </a:lnSpc>
+                      </a:pPr>
+                      <a:endParaRPr b="0" lang="en-IE" sz="1600" spc="-1" strike="noStrike">
                         <a:latin typeface="Arial"/>
                       </a:endParaRPr>
                     </a:p>
@@ -8114,6 +8537,520 @@
 </p:sld>
 </file>
 
+<file path=ppt/slides/slide25.xml><?xml version="1.0" encoding="utf-8"?>
+<p:sld xmlns:a="http://schemas.openxmlformats.org/drawingml/2006/main" xmlns:p="http://schemas.openxmlformats.org/presentationml/2006/main" xmlns:r="http://schemas.openxmlformats.org/officeDocument/2006/relationships" xmlns:p14="http://schemas.microsoft.com/office/powerpoint/2010/main" xmlns:p15="http://schemas.microsoft.com/office/powerpoint/2012/main" xmlns:mc="http://schemas.openxmlformats.org/markup-compatibility/2006">
+  <p:cSld>
+    <p:spTree>
+      <p:nvGrpSpPr>
+        <p:cNvPr id="1" name=""/>
+        <p:cNvGrpSpPr/>
+        <p:nvPr/>
+      </p:nvGrpSpPr>
+      <p:grpSpPr>
+        <a:xfrm>
+          <a:off x="0" y="0"/>
+          <a:ext cx="0" cy="0"/>
+          <a:chOff x="0" y="0"/>
+          <a:chExt cx="0" cy="0"/>
+        </a:xfrm>
+      </p:grpSpPr>
+      <p:sp>
+        <p:nvSpPr>
+          <p:cNvPr id="135" name="CustomShape 1"/>
+          <p:cNvSpPr/>
+          <p:nvPr/>
+        </p:nvSpPr>
+        <p:spPr>
+          <a:xfrm>
+            <a:off x="504000" y="301320"/>
+            <a:ext cx="9070920" cy="636840"/>
+          </a:xfrm>
+          <a:prstGeom prst="rect">
+            <a:avLst/>
+          </a:prstGeom>
+          <a:noFill/>
+          <a:ln>
+            <a:noFill/>
+          </a:ln>
+        </p:spPr>
+        <p:style>
+          <a:lnRef idx="0"/>
+          <a:fillRef idx="0"/>
+          <a:effectRef idx="0"/>
+          <a:fontRef idx="minor"/>
+        </p:style>
+        <p:txBody>
+          <a:bodyPr lIns="0" rIns="0" tIns="0" bIns="0" anchor="ctr"/>
+          <a:p>
+            <a:pPr algn="ctr">
+              <a:lnSpc>
+                <a:spcPct val="100000"/>
+              </a:lnSpc>
+            </a:pPr>
+            <a:r>
+              <a:rPr b="0" lang="en-IE" sz="4400" spc="-1" strike="noStrike">
+                <a:solidFill>
+                  <a:srgbClr val="ffffff"/>
+                </a:solidFill>
+                <a:latin typeface="Arial"/>
+                <a:ea typeface="DejaVu Sans"/>
+              </a:rPr>
+              <a:t>Data Visualization</a:t>
+            </a:r>
+            <a:endParaRPr b="0" lang="en-IE" sz="4400" spc="-1" strike="noStrike">
+              <a:latin typeface="Arial"/>
+            </a:endParaRPr>
+          </a:p>
+        </p:txBody>
+      </p:sp>
+      <p:sp>
+        <p:nvSpPr>
+          <p:cNvPr id="136" name="CustomShape 2"/>
+          <p:cNvSpPr/>
+          <p:nvPr/>
+        </p:nvSpPr>
+        <p:spPr>
+          <a:xfrm>
+            <a:off x="504000" y="1769040"/>
+            <a:ext cx="9070920" cy="4383720"/>
+          </a:xfrm>
+          <a:prstGeom prst="rect">
+            <a:avLst/>
+          </a:prstGeom>
+          <a:noFill/>
+          <a:ln>
+            <a:noFill/>
+          </a:ln>
+        </p:spPr>
+        <p:style>
+          <a:lnRef idx="0"/>
+          <a:fillRef idx="0"/>
+          <a:effectRef idx="0"/>
+          <a:fontRef idx="minor"/>
+        </p:style>
+        <p:txBody>
+          <a:bodyPr lIns="0" rIns="0" tIns="0" bIns="0"/>
+          <a:p>
+            <a:pPr>
+              <a:lnSpc>
+                <a:spcPct val="100000"/>
+              </a:lnSpc>
+              <a:spcBef>
+                <a:spcPts val="1417"/>
+              </a:spcBef>
+            </a:pPr>
+            <a:endParaRPr b="0" lang="en-IE" sz="1800" spc="-1" strike="noStrike">
+              <a:latin typeface="Arial"/>
+            </a:endParaRPr>
+          </a:p>
+          <a:p>
+            <a:pPr marL="432000" indent="-323280">
+              <a:lnSpc>
+                <a:spcPct val="100000"/>
+              </a:lnSpc>
+              <a:spcBef>
+                <a:spcPts val="1417"/>
+              </a:spcBef>
+              <a:buClr>
+                <a:srgbClr val="000000"/>
+              </a:buClr>
+              <a:buSzPct val="45000"/>
+              <a:buFont typeface="Wingdings" charset="2"/>
+              <a:buChar char=""/>
+            </a:pPr>
+            <a:r>
+              <a:rPr b="0" lang="en-IE" sz="2800" spc="-1" strike="noStrike">
+                <a:solidFill>
+                  <a:srgbClr val="0066cc"/>
+                </a:solidFill>
+                <a:latin typeface="Arial"/>
+                <a:ea typeface="DejaVu Sans"/>
+              </a:rPr>
+              <a:t>We can use the </a:t>
+            </a:r>
+            <a:r>
+              <a:rPr b="0" i="1" lang="en-IE" sz="2800" spc="-1" strike="noStrike">
+                <a:solidFill>
+                  <a:srgbClr val="0066cc"/>
+                </a:solidFill>
+                <a:latin typeface="Arial"/>
+                <a:ea typeface="DejaVu Sans"/>
+              </a:rPr>
+              <a:t>plt.yscale()</a:t>
+            </a:r>
+            <a:r>
+              <a:rPr b="0" lang="en-IE" sz="2800" spc="-1" strike="noStrike">
+                <a:solidFill>
+                  <a:srgbClr val="0066cc"/>
+                </a:solidFill>
+                <a:latin typeface="Arial"/>
+                <a:ea typeface="DejaVu Sans"/>
+              </a:rPr>
+              <a:t> method to tell matplotlib which type of  axis to use. </a:t>
+            </a:r>
+            <a:endParaRPr b="0" lang="en-IE" sz="2800" spc="-1" strike="noStrike">
+              <a:latin typeface="Arial"/>
+            </a:endParaRPr>
+          </a:p>
+          <a:p>
+            <a:pPr marL="432000" indent="-323280">
+              <a:lnSpc>
+                <a:spcPct val="100000"/>
+              </a:lnSpc>
+              <a:spcBef>
+                <a:spcPts val="1417"/>
+              </a:spcBef>
+              <a:buClr>
+                <a:srgbClr val="000000"/>
+              </a:buClr>
+              <a:buSzPct val="45000"/>
+              <a:buFont typeface="Wingdings" charset="2"/>
+              <a:buChar char=""/>
+            </a:pPr>
+            <a:r>
+              <a:rPr b="0" lang="en-IE" sz="2800" spc="-1" strike="noStrike">
+                <a:solidFill>
+                  <a:srgbClr val="0066cc"/>
+                </a:solidFill>
+                <a:latin typeface="Arial"/>
+                <a:ea typeface="DejaVu Sans"/>
+              </a:rPr>
+              <a:t>We use </a:t>
+            </a:r>
+            <a:r>
+              <a:rPr b="0" i="1" lang="en-IE" sz="2800" spc="-1" strike="noStrike">
+                <a:solidFill>
+                  <a:srgbClr val="0066cc"/>
+                </a:solidFill>
+                <a:latin typeface="Arial"/>
+                <a:ea typeface="DejaVu Sans"/>
+              </a:rPr>
+              <a:t>plt.gca()</a:t>
+            </a:r>
+            <a:r>
+              <a:rPr b="0" lang="en-IE" sz="2800" spc="-1" strike="noStrike">
+                <a:solidFill>
+                  <a:srgbClr val="0066cc"/>
+                </a:solidFill>
+                <a:latin typeface="Arial"/>
+                <a:ea typeface="DejaVu Sans"/>
+              </a:rPr>
+              <a:t> to get an instance of our current axis so that we can configure it as necessary.</a:t>
+            </a:r>
+            <a:endParaRPr b="0" lang="en-IE" sz="2800" spc="-1" strike="noStrike">
+              <a:latin typeface="Arial"/>
+            </a:endParaRPr>
+          </a:p>
+          <a:p>
+            <a:pPr marL="432000" indent="-323280">
+              <a:lnSpc>
+                <a:spcPct val="100000"/>
+              </a:lnSpc>
+              <a:spcBef>
+                <a:spcPts val="1417"/>
+              </a:spcBef>
+              <a:buClr>
+                <a:srgbClr val="000000"/>
+              </a:buClr>
+              <a:buSzPct val="45000"/>
+              <a:buFont typeface="Wingdings" charset="2"/>
+              <a:buChar char=""/>
+            </a:pPr>
+            <a:r>
+              <a:rPr b="0" lang="en-IE" sz="2800" spc="-1" strike="noStrike">
+                <a:solidFill>
+                  <a:srgbClr val="0066cc"/>
+                </a:solidFill>
+                <a:latin typeface="Arial"/>
+                <a:ea typeface="DejaVu Sans"/>
+              </a:rPr>
+              <a:t>For the logit axis, we want to null out the minor axis text labels to avoid cluttering our graph with extraneous text. </a:t>
+            </a:r>
+            <a:endParaRPr b="0" lang="en-IE" sz="2800" spc="-1" strike="noStrike">
+              <a:latin typeface="Arial"/>
+            </a:endParaRPr>
+          </a:p>
+          <a:p>
+            <a:pPr marL="432000" indent="-323280">
+              <a:lnSpc>
+                <a:spcPct val="100000"/>
+              </a:lnSpc>
+              <a:spcBef>
+                <a:spcPts val="1417"/>
+              </a:spcBef>
+              <a:buClr>
+                <a:srgbClr val="000000"/>
+              </a:buClr>
+              <a:buSzPct val="45000"/>
+              <a:buFont typeface="Wingdings" charset="2"/>
+              <a:buChar char=""/>
+            </a:pPr>
+            <a:r>
+              <a:rPr b="0" lang="en-IE" sz="2800" spc="-1" strike="noStrike">
+                <a:solidFill>
+                  <a:srgbClr val="0066cc"/>
+                </a:solidFill>
+                <a:latin typeface="Arial"/>
+                <a:ea typeface="DejaVu Sans"/>
+              </a:rPr>
+              <a:t>Also, logit plots may require more display space so we can adjust the graph using </a:t>
+            </a:r>
+            <a:r>
+              <a:rPr b="0" i="1" lang="en-IE" sz="2800" spc="-1" strike="noStrike">
+                <a:solidFill>
+                  <a:srgbClr val="0066cc"/>
+                </a:solidFill>
+                <a:latin typeface="Arial"/>
+                <a:ea typeface="DejaVu Sans"/>
+              </a:rPr>
+              <a:t>plt.subplots.adjust()</a:t>
+            </a:r>
+            <a:r>
+              <a:rPr b="0" lang="en-IE" sz="2800" spc="-1" strike="noStrike">
+                <a:solidFill>
+                  <a:srgbClr val="0066cc"/>
+                </a:solidFill>
+                <a:latin typeface="Arial"/>
+                <a:ea typeface="DejaVu Sans"/>
+              </a:rPr>
+              <a:t> </a:t>
+            </a:r>
+            <a:endParaRPr b="0" lang="en-IE" sz="2800" spc="-1" strike="noStrike">
+              <a:latin typeface="Arial"/>
+            </a:endParaRPr>
+          </a:p>
+        </p:txBody>
+      </p:sp>
+    </p:spTree>
+  </p:cSld>
+  <p:timing>
+    <p:tnLst>
+      <p:par>
+        <p:cTn id="49" dur="indefinite" restart="never" nodeType="tmRoot">
+          <p:childTnLst>
+            <p:seq>
+              <p:cTn id="50" dur="indefinite" nodeType="mainSeq"/>
+              <p:prevCondLst>
+                <p:cond delay="0" evt="onPrev">
+                  <p:tgtEl>
+                    <p:sldTgt/>
+                  </p:tgtEl>
+                </p:cond>
+              </p:prevCondLst>
+              <p:nextCondLst>
+                <p:cond delay="0" evt="onNext">
+                  <p:tgtEl>
+                    <p:sldTgt/>
+                  </p:tgtEl>
+                </p:cond>
+              </p:nextCondLst>
+            </p:seq>
+          </p:childTnLst>
+        </p:cTn>
+      </p:par>
+    </p:tnLst>
+  </p:timing>
+</p:sld>
+</file>
+
+<file path=ppt/slides/slide26.xml><?xml version="1.0" encoding="utf-8"?>
+<p:sld xmlns:a="http://schemas.openxmlformats.org/drawingml/2006/main" xmlns:p="http://schemas.openxmlformats.org/presentationml/2006/main" xmlns:r="http://schemas.openxmlformats.org/officeDocument/2006/relationships" xmlns:p14="http://schemas.microsoft.com/office/powerpoint/2010/main" xmlns:p15="http://schemas.microsoft.com/office/powerpoint/2012/main" xmlns:mc="http://schemas.openxmlformats.org/markup-compatibility/2006">
+  <p:cSld>
+    <p:spTree>
+      <p:nvGrpSpPr>
+        <p:cNvPr id="1" name=""/>
+        <p:cNvGrpSpPr/>
+        <p:nvPr/>
+      </p:nvGrpSpPr>
+      <p:grpSpPr>
+        <a:xfrm>
+          <a:off x="0" y="0"/>
+          <a:ext cx="0" cy="0"/>
+          <a:chOff x="0" y="0"/>
+          <a:chExt cx="0" cy="0"/>
+        </a:xfrm>
+      </p:grpSpPr>
+      <p:sp>
+        <p:nvSpPr>
+          <p:cNvPr id="137" name="CustomShape 1"/>
+          <p:cNvSpPr/>
+          <p:nvPr/>
+        </p:nvSpPr>
+        <p:spPr>
+          <a:xfrm>
+            <a:off x="504000" y="301320"/>
+            <a:ext cx="9070920" cy="636840"/>
+          </a:xfrm>
+          <a:prstGeom prst="rect">
+            <a:avLst/>
+          </a:prstGeom>
+          <a:noFill/>
+          <a:ln>
+            <a:noFill/>
+          </a:ln>
+        </p:spPr>
+        <p:style>
+          <a:lnRef idx="0"/>
+          <a:fillRef idx="0"/>
+          <a:effectRef idx="0"/>
+          <a:fontRef idx="minor"/>
+        </p:style>
+        <p:txBody>
+          <a:bodyPr lIns="0" rIns="0" tIns="0" bIns="0" anchor="ctr"/>
+          <a:p>
+            <a:pPr algn="ctr">
+              <a:lnSpc>
+                <a:spcPct val="100000"/>
+              </a:lnSpc>
+            </a:pPr>
+            <a:r>
+              <a:rPr b="0" lang="en-IE" sz="4400" spc="-1" strike="noStrike">
+                <a:solidFill>
+                  <a:srgbClr val="ffffff"/>
+                </a:solidFill>
+                <a:latin typeface="Arial"/>
+                <a:ea typeface="DejaVu Sans"/>
+              </a:rPr>
+              <a:t>Data Visualization</a:t>
+            </a:r>
+            <a:endParaRPr b="0" lang="en-IE" sz="4400" spc="-1" strike="noStrike">
+              <a:latin typeface="Arial"/>
+            </a:endParaRPr>
+          </a:p>
+        </p:txBody>
+      </p:sp>
+      <p:sp>
+        <p:nvSpPr>
+          <p:cNvPr id="138" name="CustomShape 2"/>
+          <p:cNvSpPr/>
+          <p:nvPr/>
+        </p:nvSpPr>
+        <p:spPr>
+          <a:xfrm>
+            <a:off x="504000" y="1769040"/>
+            <a:ext cx="9070920" cy="4383720"/>
+          </a:xfrm>
+          <a:prstGeom prst="rect">
+            <a:avLst/>
+          </a:prstGeom>
+          <a:noFill/>
+          <a:ln>
+            <a:noFill/>
+          </a:ln>
+        </p:spPr>
+        <p:style>
+          <a:lnRef idx="0"/>
+          <a:fillRef idx="0"/>
+          <a:effectRef idx="0"/>
+          <a:fontRef idx="minor"/>
+        </p:style>
+        <p:txBody>
+          <a:bodyPr lIns="0" rIns="0" tIns="0" bIns="0"/>
+          <a:p>
+            <a:pPr>
+              <a:lnSpc>
+                <a:spcPct val="100000"/>
+              </a:lnSpc>
+              <a:spcBef>
+                <a:spcPts val="1417"/>
+              </a:spcBef>
+            </a:pPr>
+            <a:endParaRPr b="0" lang="en-IE" sz="1800" spc="-1" strike="noStrike">
+              <a:latin typeface="Arial"/>
+            </a:endParaRPr>
+          </a:p>
+          <a:p>
+            <a:pPr marL="432000" indent="-323280">
+              <a:lnSpc>
+                <a:spcPct val="100000"/>
+              </a:lnSpc>
+              <a:spcBef>
+                <a:spcPts val="1417"/>
+              </a:spcBef>
+              <a:buClr>
+                <a:srgbClr val="000000"/>
+              </a:buClr>
+              <a:buSzPct val="45000"/>
+              <a:buFont typeface="Wingdings" charset="2"/>
+              <a:buChar char=""/>
+            </a:pPr>
+            <a:r>
+              <a:rPr b="0" lang="en-IE" sz="2800" spc="-1" strike="noStrike">
+                <a:solidFill>
+                  <a:srgbClr val="0066cc"/>
+                </a:solidFill>
+                <a:latin typeface="Arial"/>
+                <a:ea typeface="DejaVu Sans"/>
+              </a:rPr>
+              <a:t>Matplotlib provides many other types of plots, such as pie plots, block plots and many others.  </a:t>
+            </a:r>
+            <a:endParaRPr b="0" lang="en-IE" sz="2800" spc="-1" strike="noStrike">
+              <a:latin typeface="Arial"/>
+            </a:endParaRPr>
+          </a:p>
+          <a:p>
+            <a:pPr marL="432000" indent="-323280">
+              <a:lnSpc>
+                <a:spcPct val="100000"/>
+              </a:lnSpc>
+              <a:spcBef>
+                <a:spcPts val="1417"/>
+              </a:spcBef>
+              <a:buClr>
+                <a:srgbClr val="000000"/>
+              </a:buClr>
+              <a:buSzPct val="45000"/>
+              <a:buFont typeface="Wingdings" charset="2"/>
+              <a:buChar char=""/>
+            </a:pPr>
+            <a:r>
+              <a:rPr b="0" lang="en-IE" sz="2800" spc="-1" strike="noStrike">
+                <a:solidFill>
+                  <a:srgbClr val="0066cc"/>
+                </a:solidFill>
+                <a:latin typeface="Arial"/>
+                <a:ea typeface="DejaVu Sans"/>
+              </a:rPr>
+              <a:t>Each type of plot has its own method that can be used to create the plot with whatever meta values you wish to supply. </a:t>
+            </a:r>
+            <a:endParaRPr b="0" lang="en-IE" sz="2800" spc="-1" strike="noStrike">
+              <a:latin typeface="Arial"/>
+            </a:endParaRPr>
+          </a:p>
+        </p:txBody>
+      </p:sp>
+    </p:spTree>
+  </p:cSld>
+  <p:timing>
+    <p:tnLst>
+      <p:par>
+        <p:cTn id="51" dur="indefinite" restart="never" nodeType="tmRoot">
+          <p:childTnLst>
+            <p:seq>
+              <p:cTn id="52" dur="indefinite" nodeType="mainSeq"/>
+              <p:prevCondLst>
+                <p:cond delay="0" evt="onPrev">
+                  <p:tgtEl>
+                    <p:sldTgt/>
+                  </p:tgtEl>
+                </p:cond>
+              </p:prevCondLst>
+              <p:nextCondLst>
+                <p:cond delay="0" evt="onNext">
+                  <p:tgtEl>
+                    <p:sldTgt/>
+                  </p:tgtEl>
+                </p:cond>
+              </p:nextCondLst>
+            </p:seq>
+          </p:childTnLst>
+        </p:cTn>
+      </p:par>
+    </p:tnLst>
+  </p:timing>
+</p:sld>
+</file>
+
 <file path=ppt/slides/slide3.xml><?xml version="1.0" encoding="utf-8"?>
 <p:sld xmlns:a="http://schemas.openxmlformats.org/drawingml/2006/main" xmlns:p="http://schemas.openxmlformats.org/presentationml/2006/main" xmlns:r="http://schemas.openxmlformats.org/officeDocument/2006/relationships" xmlns:p14="http://schemas.microsoft.com/office/powerpoint/2010/main" xmlns:p15="http://schemas.microsoft.com/office/powerpoint/2012/main" xmlns:mc="http://schemas.openxmlformats.org/markup-compatibility/2006">
   <p:cSld>
@@ -8140,7 +9077,7 @@
         <p:spPr>
           <a:xfrm>
             <a:off x="504000" y="301320"/>
-            <a:ext cx="9071280" cy="637200"/>
+            <a:ext cx="9070920" cy="636840"/>
           </a:xfrm>
           <a:prstGeom prst="rect">
             <a:avLst/>
@@ -8170,8 +9107,9 @@
                   <a:srgbClr val="ffffff"/>
                 </a:solidFill>
                 <a:latin typeface="Arial"/>
+                <a:ea typeface="DejaVu Sans"/>
               </a:rPr>
-              <a:t>Introduction to Python</a:t>
+              <a:t>Importing and Consuming Data</a:t>
             </a:r>
             <a:endParaRPr b="0" lang="en-IE" sz="4400" spc="-1" strike="noStrike">
               <a:latin typeface="Arial"/>
@@ -8188,7 +9126,7 @@
         <p:spPr>
           <a:xfrm>
             <a:off x="504000" y="1769040"/>
-            <a:ext cx="9071280" cy="4384080"/>
+            <a:ext cx="9070920" cy="4383720"/>
           </a:xfrm>
           <a:prstGeom prst="rect">
             <a:avLst/>
@@ -8207,30 +9145,28 @@
         <p:txBody>
           <a:bodyPr lIns="0" rIns="0" tIns="0" bIns="0"/>
           <a:p>
-            <a:pPr marL="432000" indent="-323640">
+            <a:pPr>
               <a:lnSpc>
                 <a:spcPct val="100000"/>
               </a:lnSpc>
               <a:spcBef>
                 <a:spcPts val="1417"/>
               </a:spcBef>
-              <a:buClr>
-                <a:srgbClr val="000000"/>
-              </a:buClr>
-              <a:buSzPct val="45000"/>
-              <a:buFont typeface="Wingdings" charset="2"/>
-              <a:buChar char=""/>
-            </a:pPr>
-            <a:r>
-              <a:rPr b="0" lang="en-IE" sz="3200" spc="-1" strike="noStrike">
-                <a:solidFill>
-                  <a:srgbClr val="0066cc"/>
-                </a:solidFill>
-                <a:latin typeface="Arial"/>
-              </a:rPr>
-              <a:t> </a:t>
-            </a:r>
-            <a:endParaRPr b="0" lang="en-IE" sz="3200" spc="-1" strike="noStrike">
+            </a:pPr>
+            <a:endParaRPr b="0" lang="en-IE" sz="1800" spc="-1" strike="noStrike">
+              <a:latin typeface="Arial"/>
+            </a:endParaRPr>
+          </a:p>
+          <a:p>
+            <a:pPr>
+              <a:lnSpc>
+                <a:spcPct val="100000"/>
+              </a:lnSpc>
+              <a:spcBef>
+                <a:spcPts val="1417"/>
+              </a:spcBef>
+            </a:pPr>
+            <a:endParaRPr b="0" lang="en-IE" sz="1800" spc="-1" strike="noStrike">
               <a:latin typeface="Arial"/>
             </a:endParaRPr>
           </a:p>
@@ -8243,17 +9179,17 @@
           <p:nvPr/>
         </p:nvGraphicFramePr>
         <p:xfrm>
-          <a:off x="100800" y="1435320"/>
-          <a:ext cx="9646920" cy="4113000"/>
+          <a:off x="477720" y="2635920"/>
+          <a:ext cx="9421560" cy="1754640"/>
         </p:xfrm>
         <a:graphic>
           <a:graphicData uri="http://schemas.openxmlformats.org/drawingml/2006/table">
             <a:tbl>
               <a:tblPr/>
               <a:tblGrid>
-                <a:gridCol w="9647280"/>
+                <a:gridCol w="9421920"/>
               </a:tblGrid>
-              <a:tr h="4113360">
+              <a:tr h="1755000">
                 <a:tc>
                   <a:txBody>
                     <a:bodyPr lIns="90000" rIns="90000"/>
@@ -8264,170 +9200,86 @@
                         </a:lnSpc>
                       </a:pPr>
                       <a:r>
-                        <a:rPr b="0" lang="en-IE" sz="1800" spc="-1" strike="noStrike">
-                          <a:latin typeface="Courier New"/>
-                        </a:rPr>
-                        <a:t>Import pandas as pd</a:t>
-                      </a:r>
-                      <a:endParaRPr b="0" lang="en-IE" sz="1800" spc="-1" strike="noStrike">
-                        <a:latin typeface="Arial"/>
-                      </a:endParaRPr>
-                    </a:p>
-                    <a:p>
-                      <a:pPr>
-                        <a:lnSpc>
-                          <a:spcPct val="100000"/>
-                        </a:lnSpc>
-                      </a:pPr>
-                      <a:r>
-                        <a:rPr b="0" lang="en-IE" sz="1800" spc="-1" strike="noStrike">
-                          <a:latin typeface="Courier New"/>
-                        </a:rPr>
-                        <a:t># Create data</a:t>
-                      </a:r>
-                      <a:endParaRPr b="0" lang="en-IE" sz="1800" spc="-1" strike="noStrike">
-                        <a:latin typeface="Arial"/>
-                      </a:endParaRPr>
-                    </a:p>
-                    <a:p>
-                      <a:pPr>
-                        <a:lnSpc>
-                          <a:spcPct val="100000"/>
-                        </a:lnSpc>
-                      </a:pPr>
-                      <a:r>
-                        <a:rPr b="0" lang="en-IE" sz="1800" spc="-1" strike="noStrike">
-                          <a:latin typeface="Courier New"/>
-                        </a:rPr>
-                        <a:t>data = {'score': [1,1,1,2,2,2,3,3,3]}</a:t>
-                      </a:r>
-                      <a:endParaRPr b="0" lang="en-IE" sz="1800" spc="-1" strike="noStrike">
-                        <a:latin typeface="Arial"/>
-                      </a:endParaRPr>
-                    </a:p>
-                    <a:p>
-                      <a:pPr>
-                        <a:lnSpc>
-                          <a:spcPct val="100000"/>
-                        </a:lnSpc>
-                      </a:pPr>
-                      <a:endParaRPr b="0" lang="en-IE" sz="1800" spc="-1" strike="noStrike">
-                        <a:latin typeface="Arial"/>
-                      </a:endParaRPr>
-                    </a:p>
-                    <a:p>
-                      <a:pPr>
-                        <a:lnSpc>
-                          <a:spcPct val="100000"/>
-                        </a:lnSpc>
-                      </a:pPr>
-                      <a:r>
-                        <a:rPr b="0" lang="en-IE" sz="1800" spc="-1" strike="noStrike">
-                          <a:latin typeface="Courier New"/>
-                        </a:rPr>
-                        <a:t># Create dataframe</a:t>
-                      </a:r>
-                      <a:endParaRPr b="0" lang="en-IE" sz="1800" spc="-1" strike="noStrike">
-                        <a:latin typeface="Arial"/>
-                      </a:endParaRPr>
-                    </a:p>
-                    <a:p>
-                      <a:pPr>
-                        <a:lnSpc>
-                          <a:spcPct val="100000"/>
-                        </a:lnSpc>
-                      </a:pPr>
-                      <a:r>
-                        <a:rPr b="0" lang="en-IE" sz="1800" spc="-1" strike="noStrike">
-                          <a:latin typeface="Courier New"/>
-                        </a:rPr>
-                        <a:t>df = pd.DataFrame(data)</a:t>
-                      </a:r>
-                      <a:endParaRPr b="0" lang="en-IE" sz="1800" spc="-1" strike="noStrike">
-                        <a:latin typeface="Arial"/>
-                      </a:endParaRPr>
-                    </a:p>
-                    <a:p>
-                      <a:pPr>
-                        <a:lnSpc>
-                          <a:spcPct val="100000"/>
-                        </a:lnSpc>
-                      </a:pPr>
-                      <a:endParaRPr b="0" lang="en-IE" sz="1800" spc="-1" strike="noStrike">
-                        <a:latin typeface="Arial"/>
-                      </a:endParaRPr>
-                    </a:p>
-                    <a:p>
-                      <a:pPr>
-                        <a:lnSpc>
-                          <a:spcPct val="100000"/>
-                        </a:lnSpc>
-                      </a:pPr>
-                      <a:r>
-                        <a:rPr b="0" lang="en-IE" sz="1800" spc="-1" strike="noStrike">
-                          <a:latin typeface="Courier New"/>
-                        </a:rPr>
-                        <a:t># Calculate the moving average. That is, take</a:t>
-                      </a:r>
-                      <a:endParaRPr b="0" lang="en-IE" sz="1800" spc="-1" strike="noStrike">
-                        <a:latin typeface="Arial"/>
-                      </a:endParaRPr>
-                    </a:p>
-                    <a:p>
-                      <a:pPr>
-                        <a:lnSpc>
-                          <a:spcPct val="100000"/>
-                        </a:lnSpc>
-                      </a:pPr>
-                      <a:r>
-                        <a:rPr b="0" lang="en-IE" sz="1800" spc="-1" strike="noStrike">
-                          <a:latin typeface="Courier New"/>
-                        </a:rPr>
-                        <a:t># the first two values, average them, </a:t>
-                      </a:r>
-                      <a:endParaRPr b="0" lang="en-IE" sz="1800" spc="-1" strike="noStrike">
-                        <a:latin typeface="Arial"/>
-                      </a:endParaRPr>
-                    </a:p>
-                    <a:p>
-                      <a:pPr>
-                        <a:lnSpc>
-                          <a:spcPct val="100000"/>
-                        </a:lnSpc>
-                      </a:pPr>
-                      <a:r>
-                        <a:rPr b="0" lang="en-IE" sz="1800" spc="-1" strike="noStrike">
-                          <a:latin typeface="Courier New"/>
-                        </a:rPr>
-                        <a:t># then drop the first and add the third, etc.</a:t>
-                      </a:r>
-                      <a:endParaRPr b="0" lang="en-IE" sz="1800" spc="-1" strike="noStrike">
-                        <a:latin typeface="Arial"/>
-                      </a:endParaRPr>
-                    </a:p>
-                    <a:p>
-                      <a:pPr>
-                        <a:lnSpc>
-                          <a:spcPct val="100000"/>
-                        </a:lnSpc>
-                      </a:pPr>
-                      <a:r>
-                        <a:rPr b="0" lang="en-IE" sz="1800" spc="-1" strike="noStrike">
-                          <a:latin typeface="Courier New"/>
-                        </a:rPr>
-                        <a:t>df.rolling(window=2).mean()</a:t>
-                      </a:r>
-                      <a:endParaRPr b="0" lang="en-IE" sz="1800" spc="-1" strike="noStrike">
-                        <a:latin typeface="Arial"/>
-                      </a:endParaRPr>
-                    </a:p>
-                    <a:p>
-                      <a:pPr>
-                        <a:lnSpc>
-                          <a:spcPct val="100000"/>
-                        </a:lnSpc>
-                      </a:pPr>
-                      <a:endParaRPr b="0" lang="en-IE" sz="1800" spc="-1" strike="noStrike">
+                        <a:rPr b="0" lang="en-IE" sz="1600" spc="-1" strike="noStrike">
+                          <a:latin typeface="Courier New"/>
+                        </a:rPr>
+                        <a:t>import matplotlib.pyplot as plt</a:t>
+                      </a:r>
+                      <a:endParaRPr b="0" lang="en-IE" sz="1600" spc="-1" strike="noStrike">
+                        <a:latin typeface="Arial"/>
+                      </a:endParaRPr>
+                    </a:p>
+                    <a:p>
+                      <a:pPr>
+                        <a:lnSpc>
+                          <a:spcPct val="100000"/>
+                        </a:lnSpc>
+                      </a:pPr>
+                      <a:endParaRPr b="0" lang="en-IE" sz="1600" spc="-1" strike="noStrike">
+                        <a:latin typeface="Arial"/>
+                      </a:endParaRPr>
+                    </a:p>
+                    <a:p>
+                      <a:pPr>
+                        <a:lnSpc>
+                          <a:spcPct val="100000"/>
+                        </a:lnSpc>
+                      </a:pPr>
+                      <a:r>
+                        <a:rPr b="0" lang="en-IE" sz="1600" spc="-1" strike="noStrike">
+                          <a:latin typeface="Courier New"/>
+                        </a:rPr>
+                        <a:t>datalist = [1,2,3,4,5]</a:t>
+                      </a:r>
+                      <a:endParaRPr b="0" lang="en-IE" sz="1600" spc="-1" strike="noStrike">
+                        <a:latin typeface="Arial"/>
+                      </a:endParaRPr>
+                    </a:p>
+                    <a:p>
+                      <a:pPr>
+                        <a:lnSpc>
+                          <a:spcPct val="100000"/>
+                        </a:lnSpc>
+                      </a:pPr>
+                      <a:r>
+                        <a:rPr b="0" lang="en-IE" sz="1600" spc="-1" strike="noStrike">
+                          <a:latin typeface="Courier New"/>
+                        </a:rPr>
+                        <a:t>plt.plot(datalist)</a:t>
+                      </a:r>
+                      <a:endParaRPr b="0" lang="en-IE" sz="1600" spc="-1" strike="noStrike">
+                        <a:latin typeface="Arial"/>
+                      </a:endParaRPr>
+                    </a:p>
+                    <a:p>
+                      <a:pPr>
+                        <a:lnSpc>
+                          <a:spcPct val="100000"/>
+                        </a:lnSpc>
+                      </a:pPr>
+                      <a:r>
+                        <a:rPr b="0" lang="en-IE" sz="1600" spc="-1" strike="noStrike">
+                          <a:latin typeface="Courier New"/>
+                        </a:rPr>
+                        <a:t>plt.ylabel('datalist elements')</a:t>
+                      </a:r>
+                      <a:endParaRPr b="0" lang="en-IE" sz="1600" spc="-1" strike="noStrike">
+                        <a:latin typeface="Arial"/>
+                      </a:endParaRPr>
+                    </a:p>
+                    <a:p>
+                      <a:pPr>
+                        <a:lnSpc>
+                          <a:spcPct val="100000"/>
+                        </a:lnSpc>
+                      </a:pPr>
+                      <a:r>
+                        <a:rPr b="0" lang="en-IE" sz="1600" spc="-1" strike="noStrike">
+                          <a:latin typeface="Courier New"/>
+                        </a:rPr>
+                        <a:t>plt.show()</a:t>
+                      </a:r>
+                      <a:endParaRPr b="0" lang="en-IE" sz="1600" spc="-1" strike="noStrike">
                         <a:latin typeface="Arial"/>
                       </a:endParaRPr>
                     </a:p>
@@ -8521,7 +9373,7 @@
         <p:spPr>
           <a:xfrm>
             <a:off x="504000" y="301320"/>
-            <a:ext cx="9071280" cy="637200"/>
+            <a:ext cx="9070920" cy="636840"/>
           </a:xfrm>
           <a:prstGeom prst="rect">
             <a:avLst/>
@@ -8551,8 +9403,9 @@
                   <a:srgbClr val="ffffff"/>
                 </a:solidFill>
                 <a:latin typeface="Arial"/>
+                <a:ea typeface="DejaVu Sans"/>
               </a:rPr>
-              <a:t>Implementing Trading Strategies</a:t>
+              <a:t>Data Visualization</a:t>
             </a:r>
             <a:endParaRPr b="0" lang="en-IE" sz="4400" spc="-1" strike="noStrike">
               <a:latin typeface="Arial"/>
@@ -8569,7 +9422,7 @@
         <p:spPr>
           <a:xfrm>
             <a:off x="504000" y="1769040"/>
-            <a:ext cx="9071280" cy="4384080"/>
+            <a:ext cx="9070920" cy="4383720"/>
           </a:xfrm>
           <a:prstGeom prst="rect">
             <a:avLst/>
@@ -8588,7 +9441,20 @@
         <p:txBody>
           <a:bodyPr lIns="0" rIns="0" tIns="0" bIns="0"/>
           <a:p>
-            <a:pPr marL="432000" indent="-323640">
+            <a:pPr>
+              <a:lnSpc>
+                <a:spcPct val="100000"/>
+              </a:lnSpc>
+              <a:spcBef>
+                <a:spcPts val="1417"/>
+              </a:spcBef>
+            </a:pPr>
+            <a:endParaRPr b="0" lang="en-IE" sz="1800" spc="-1" strike="noStrike">
+              <a:latin typeface="Arial"/>
+            </a:endParaRPr>
+          </a:p>
+          <a:p>
+            <a:pPr marL="432000" indent="-323280">
               <a:lnSpc>
                 <a:spcPct val="100000"/>
               </a:lnSpc>
@@ -8608,33 +9474,16 @@
                   <a:srgbClr val="0066cc"/>
                 </a:solidFill>
                 <a:latin typeface="Arial"/>
+                <a:ea typeface="DejaVu Sans"/>
               </a:rPr>
-              <a:t>As we can see, Pandas offers a built-in method called </a:t>
-            </a:r>
-            <a:r>
-              <a:rPr b="0" i="1" lang="en-IE" sz="3200" spc="-1" strike="noStrike">
-                <a:solidFill>
-                  <a:srgbClr val="0066cc"/>
-                </a:solidFill>
-                <a:latin typeface="Arial"/>
-              </a:rPr>
-              <a:t>rolling.mean() </a:t>
-            </a:r>
-            <a:r>
-              <a:rPr b="0" lang="en-IE" sz="3200" spc="-1" strike="noStrike">
-                <a:solidFill>
-                  <a:srgbClr val="0066cc"/>
-                </a:solidFill>
-                <a:latin typeface="Arial"/>
-              </a:rPr>
-              <a:t>which will automatically calculate the moving average for us. </a:t>
+              <a:t>In the preceeding example, we import matplotlib.pyplot (pylot is a submodule under matplotlib). </a:t>
             </a:r>
             <a:endParaRPr b="0" lang="en-IE" sz="3200" spc="-1" strike="noStrike">
               <a:latin typeface="Arial"/>
             </a:endParaRPr>
           </a:p>
           <a:p>
-            <a:pPr marL="432000" indent="-323640">
+            <a:pPr marL="432000" indent="-323280">
               <a:lnSpc>
                 <a:spcPct val="100000"/>
               </a:lnSpc>
@@ -8654,26 +9503,38 @@
                   <a:srgbClr val="0066cc"/>
                 </a:solidFill>
                 <a:latin typeface="Arial"/>
+                <a:ea typeface="DejaVu Sans"/>
               </a:rPr>
-              <a:t>The </a:t>
+              <a:t>We then create a simple line graph and feed it some numbers. </a:t>
             </a:r>
-            <a:r>
-              <a:rPr b="0" i="1" lang="en-IE" sz="3200" spc="-1" strike="noStrike">
-                <a:solidFill>
-                  <a:srgbClr val="0066cc"/>
-                </a:solidFill>
-                <a:latin typeface="Arial"/>
-              </a:rPr>
-              <a:t>window</a:t>
-            </a:r>
+            <a:endParaRPr b="0" lang="en-IE" sz="3200" spc="-1" strike="noStrike">
+              <a:latin typeface="Arial"/>
+            </a:endParaRPr>
+          </a:p>
+          <a:p>
+            <a:pPr marL="432000" indent="-323280">
+              <a:lnSpc>
+                <a:spcPct val="100000"/>
+              </a:lnSpc>
+              <a:spcBef>
+                <a:spcPts val="1417"/>
+              </a:spcBef>
+              <a:buClr>
+                <a:srgbClr val="000000"/>
+              </a:buClr>
+              <a:buSzPct val="45000"/>
+              <a:buFont typeface="Wingdings" charset="2"/>
+              <a:buChar char=""/>
+            </a:pPr>
             <a:r>
               <a:rPr b="0" lang="en-IE" sz="3200" spc="-1" strike="noStrike">
                 <a:solidFill>
                   <a:srgbClr val="0066cc"/>
                 </a:solidFill>
                 <a:latin typeface="Arial"/>
+                <a:ea typeface="DejaVu Sans"/>
               </a:rPr>
-              <a:t> parameter tells us how many values to average before moving to the next set. </a:t>
+              <a:t>Note that in order actually to display the graph, we must finally run plt.show()</a:t>
             </a:r>
             <a:endParaRPr b="0" lang="en-IE" sz="3200" spc="-1" strike="noStrike">
               <a:latin typeface="Arial"/>
@@ -8739,7 +9600,7 @@
         <p:spPr>
           <a:xfrm>
             <a:off x="504000" y="301320"/>
-            <a:ext cx="9071280" cy="637200"/>
+            <a:ext cx="9070920" cy="636840"/>
           </a:xfrm>
           <a:prstGeom prst="rect">
             <a:avLst/>
@@ -8769,8 +9630,9 @@
                   <a:srgbClr val="ffffff"/>
                 </a:solidFill>
                 <a:latin typeface="Arial"/>
+                <a:ea typeface="DejaVu Sans"/>
               </a:rPr>
-              <a:t>Implenting Trading Strategies</a:t>
+              <a:t>Data Visualization</a:t>
             </a:r>
             <a:endParaRPr b="0" lang="en-IE" sz="4400" spc="-1" strike="noStrike">
               <a:latin typeface="Arial"/>
@@ -8787,7 +9649,7 @@
         <p:spPr>
           <a:xfrm>
             <a:off x="504000" y="1769040"/>
-            <a:ext cx="9071280" cy="4384080"/>
+            <a:ext cx="9070920" cy="4383720"/>
           </a:xfrm>
           <a:prstGeom prst="rect">
             <a:avLst/>
@@ -8806,7 +9668,20 @@
         <p:txBody>
           <a:bodyPr lIns="0" rIns="0" tIns="0" bIns="0"/>
           <a:p>
-            <a:pPr marL="432000" indent="-323640">
+            <a:pPr>
+              <a:lnSpc>
+                <a:spcPct val="100000"/>
+              </a:lnSpc>
+              <a:spcBef>
+                <a:spcPts val="1417"/>
+              </a:spcBef>
+            </a:pPr>
+            <a:endParaRPr b="0" lang="en-IE" sz="1800" spc="-1" strike="noStrike">
+              <a:latin typeface="Arial"/>
+            </a:endParaRPr>
+          </a:p>
+          <a:p>
+            <a:pPr marL="432000" indent="-323280">
               <a:lnSpc>
                 <a:spcPct val="100000"/>
               </a:lnSpc>
@@ -8826,15 +9701,16 @@
                   <a:srgbClr val="0066cc"/>
                 </a:solidFill>
                 <a:latin typeface="Arial"/>
+                <a:ea typeface="DejaVu Sans"/>
               </a:rPr>
-              <a:t>The next example shows how to use pandas to calculate a moving average for a specific stock, and how to perform various tasks, such as plotting it, computing and plotting the log change (The instantaneous rate of return) </a:t>
+              <a:t>Also note that we only provided the “y-axis values”.  Matplotlib will provide default x-axis values for us if we don’t provide them ourselves. </a:t>
             </a:r>
             <a:endParaRPr b="0" lang="en-IE" sz="3200" spc="-1" strike="noStrike">
               <a:latin typeface="Arial"/>
             </a:endParaRPr>
           </a:p>
           <a:p>
-            <a:pPr marL="432000" indent="-323640">
+            <a:pPr marL="432000" indent="-323280">
               <a:lnSpc>
                 <a:spcPct val="100000"/>
               </a:lnSpc>
@@ -8854,8 +9730,9 @@
                   <a:srgbClr val="0066cc"/>
                 </a:solidFill>
                 <a:latin typeface="Arial"/>
+                <a:ea typeface="DejaVu Sans"/>
               </a:rPr>
-              <a:t>Next, we’ll compute the rolling historical volatility and perform some price analysis using Pandas. </a:t>
+              <a:t>The plot() method takes a number of arguments, including x-axis values, y-axis values and graph colors.  For example:</a:t>
             </a:r>
             <a:endParaRPr b="0" lang="en-IE" sz="3200" spc="-1" strike="noStrike">
               <a:latin typeface="Arial"/>
@@ -8921,7 +9798,7 @@
         <p:spPr>
           <a:xfrm>
             <a:off x="504000" y="301320"/>
-            <a:ext cx="9071280" cy="637200"/>
+            <a:ext cx="9070920" cy="636840"/>
           </a:xfrm>
           <a:prstGeom prst="rect">
             <a:avLst/>
@@ -8951,8 +9828,9 @@
                   <a:srgbClr val="ffffff"/>
                 </a:solidFill>
                 <a:latin typeface="Arial"/>
+                <a:ea typeface="DejaVu Sans"/>
               </a:rPr>
-              <a:t>Introduction to Python</a:t>
+              <a:t>Data Visualization</a:t>
             </a:r>
             <a:endParaRPr b="0" lang="en-IE" sz="4400" spc="-1" strike="noStrike">
               <a:latin typeface="Arial"/>
@@ -8969,7 +9847,7 @@
         <p:spPr>
           <a:xfrm>
             <a:off x="504000" y="1769040"/>
-            <a:ext cx="9071280" cy="4384080"/>
+            <a:ext cx="9070920" cy="4383720"/>
           </a:xfrm>
           <a:prstGeom prst="rect">
             <a:avLst/>
@@ -8988,30 +9866,28 @@
         <p:txBody>
           <a:bodyPr lIns="0" rIns="0" tIns="0" bIns="0"/>
           <a:p>
-            <a:pPr marL="432000" indent="-323640">
+            <a:pPr>
               <a:lnSpc>
                 <a:spcPct val="100000"/>
               </a:lnSpc>
               <a:spcBef>
                 <a:spcPts val="1417"/>
               </a:spcBef>
-              <a:buClr>
-                <a:srgbClr val="000000"/>
-              </a:buClr>
-              <a:buSzPct val="45000"/>
-              <a:buFont typeface="Wingdings" charset="2"/>
-              <a:buChar char=""/>
-            </a:pPr>
-            <a:r>
-              <a:rPr b="0" lang="en-IE" sz="3200" spc="-1" strike="noStrike">
-                <a:solidFill>
-                  <a:srgbClr val="0066cc"/>
-                </a:solidFill>
-                <a:latin typeface="Arial"/>
-              </a:rPr>
-              <a:t> </a:t>
-            </a:r>
-            <a:endParaRPr b="0" lang="en-IE" sz="3200" spc="-1" strike="noStrike">
+            </a:pPr>
+            <a:endParaRPr b="0" lang="en-IE" sz="1800" spc="-1" strike="noStrike">
+              <a:latin typeface="Arial"/>
+            </a:endParaRPr>
+          </a:p>
+          <a:p>
+            <a:pPr>
+              <a:lnSpc>
+                <a:spcPct val="100000"/>
+              </a:lnSpc>
+              <a:spcBef>
+                <a:spcPts val="1417"/>
+              </a:spcBef>
+            </a:pPr>
+            <a:endParaRPr b="0" lang="en-IE" sz="1800" spc="-1" strike="noStrike">
               <a:latin typeface="Arial"/>
             </a:endParaRPr>
           </a:p>
@@ -9024,17 +9900,17 @@
           <p:nvPr/>
         </p:nvGraphicFramePr>
         <p:xfrm>
-          <a:off x="100800" y="1435320"/>
-          <a:ext cx="9646920" cy="4113000"/>
+          <a:off x="477720" y="2635920"/>
+          <a:ext cx="9421560" cy="1754640"/>
         </p:xfrm>
         <a:graphic>
           <a:graphicData uri="http://schemas.openxmlformats.org/drawingml/2006/table">
             <a:tbl>
               <a:tblPr/>
               <a:tblGrid>
-                <a:gridCol w="9647280"/>
+                <a:gridCol w="9421920"/>
               </a:tblGrid>
-              <a:tr h="4113360">
+              <a:tr h="1755000">
                 <a:tc>
                   <a:txBody>
                     <a:bodyPr lIns="90000" rIns="90000"/>
@@ -9045,262 +9921,118 @@
                         </a:lnSpc>
                       </a:pPr>
                       <a:r>
-                        <a:rPr b="0" lang="en-IE" sz="1800" spc="-1" strike="noStrike">
-                          <a:latin typeface="Courier New"/>
-                        </a:rPr>
-                        <a:t>import numpy as np</a:t>
-                      </a:r>
-                      <a:endParaRPr b="0" lang="en-IE" sz="1800" spc="-1" strike="noStrike">
-                        <a:latin typeface="Arial"/>
-                      </a:endParaRPr>
-                    </a:p>
-                    <a:p>
-                      <a:pPr>
-                        <a:lnSpc>
-                          <a:spcPct val="100000"/>
-                        </a:lnSpc>
-                      </a:pPr>
-                      <a:r>
-                        <a:rPr b="0" lang="en-IE" sz="1800" spc="-1" strike="noStrike">
-                          <a:latin typeface="Courier New"/>
-                        </a:rPr>
-                        <a:t>import pandas as pd</a:t>
-                      </a:r>
-                      <a:endParaRPr b="0" lang="en-IE" sz="1800" spc="-1" strike="noStrike">
-                        <a:latin typeface="Arial"/>
-                      </a:endParaRPr>
-                    </a:p>
-                    <a:p>
-                      <a:pPr>
-                        <a:lnSpc>
-                          <a:spcPct val="100000"/>
-                        </a:lnSpc>
-                      </a:pPr>
-                      <a:r>
-                        <a:rPr b="0" lang="en-IE" sz="1800" spc="-1" strike="noStrike">
-                          <a:latin typeface="Courier New"/>
-                        </a:rPr>
-                        <a:t>import pandas_datareader as pdr</a:t>
-                      </a:r>
-                      <a:endParaRPr b="0" lang="en-IE" sz="1800" spc="-1" strike="noStrike">
-                        <a:latin typeface="Arial"/>
-                      </a:endParaRPr>
-                    </a:p>
-                    <a:p>
-                      <a:pPr>
-                        <a:lnSpc>
-                          <a:spcPct val="100000"/>
-                        </a:lnSpc>
-                      </a:pPr>
-                      <a:r>
-                        <a:rPr b="0" lang="en-IE" sz="1800" spc="-1" strike="noStrike">
+                        <a:rPr b="0" lang="en-IE" sz="1600" spc="-1" strike="noStrike">
                           <a:latin typeface="Courier New"/>
                         </a:rPr>
                         <a:t>import matplotlib.pyplot as plt</a:t>
                       </a:r>
-                      <a:endParaRPr b="0" lang="en-IE" sz="1800" spc="-1" strike="noStrike">
-                        <a:latin typeface="Arial"/>
-                      </a:endParaRPr>
-                    </a:p>
-                    <a:p>
-                      <a:pPr>
-                        <a:lnSpc>
-                          <a:spcPct val="100000"/>
-                        </a:lnSpc>
-                      </a:pPr>
-                      <a:r>
-                        <a:rPr b="0" lang="en-IE" sz="1800" spc="-1" strike="noStrike">
-                          <a:latin typeface="Courier New"/>
-                        </a:rPr>
-                        <a:t>gld = pdr.get_data_yahoo('GLD', '2016-11-08')</a:t>
-                      </a:r>
-                      <a:endParaRPr b="0" lang="en-IE" sz="1800" spc="-1" strike="noStrike">
-                        <a:latin typeface="Arial"/>
-                      </a:endParaRPr>
-                    </a:p>
-                    <a:p>
-                      <a:pPr>
-                        <a:lnSpc>
-                          <a:spcPct val="100000"/>
-                        </a:lnSpc>
-                      </a:pPr>
-                      <a:r>
-                        <a:rPr b="0" lang="en-IE" sz="1800" spc="-1" strike="noStrike">
-                          <a:latin typeface="Courier New"/>
-                        </a:rPr>
-                        <a:t>gld_close = pd.DataFrame(gld.Close)</a:t>
-                      </a:r>
-                      <a:endParaRPr b="0" lang="en-IE" sz="1800" spc="-1" strike="noStrike">
-                        <a:latin typeface="Arial"/>
-                      </a:endParaRPr>
-                    </a:p>
-                    <a:p>
-                      <a:pPr>
-                        <a:lnSpc>
-                          <a:spcPct val="100000"/>
-                        </a:lnSpc>
-                      </a:pPr>
-                      <a:endParaRPr b="0" lang="en-IE" sz="1800" spc="-1" strike="noStrike">
-                        <a:latin typeface="Arial"/>
-                      </a:endParaRPr>
-                    </a:p>
-                    <a:p>
-                      <a:pPr>
-                        <a:lnSpc>
-                          <a:spcPct val="100000"/>
-                        </a:lnSpc>
-                      </a:pPr>
-                      <a:r>
-                        <a:rPr b="0" lang="en-IE" sz="1800" spc="-1" strike="noStrike">
-                          <a:latin typeface="Courier New"/>
-                        </a:rPr>
-                        <a:t>gld_close['MA_9'] = gld_close.Close.rolling(9).mean().shift()</a:t>
-                      </a:r>
-                      <a:endParaRPr b="0" lang="en-IE" sz="1800" spc="-1" strike="noStrike">
-                        <a:latin typeface="Arial"/>
-                      </a:endParaRPr>
-                    </a:p>
-                    <a:p>
-                      <a:pPr>
-                        <a:lnSpc>
-                          <a:spcPct val="100000"/>
-                        </a:lnSpc>
-                      </a:pPr>
-                      <a:r>
-                        <a:rPr b="0" lang="en-IE" sz="1800" spc="-1" strike="noStrike">
-                          <a:latin typeface="Courier New"/>
-                        </a:rPr>
-                        <a:t>gld_close['MA_21'] = gld_close.Close.rolling(21).mean()</a:t>
-                      </a:r>
-                      <a:endParaRPr b="0" lang="en-IE" sz="1800" spc="-1" strike="noStrike">
-                        <a:latin typeface="Arial"/>
-                      </a:endParaRPr>
-                    </a:p>
-                    <a:p>
-                      <a:pPr>
-                        <a:lnSpc>
-                          <a:spcPct val="100000"/>
-                        </a:lnSpc>
-                      </a:pPr>
-                      <a:r>
-                        <a:rPr b="0" lang="en-IE" sz="1800" spc="-1" strike="noStrike">
-                          <a:latin typeface="Courier New"/>
-                        </a:rPr>
-                        <a:t>plt.figure(figsize=(15,10))</a:t>
-                      </a:r>
-                      <a:endParaRPr b="0" lang="en-IE" sz="1800" spc="-1" strike="noStrike">
-                        <a:latin typeface="Arial"/>
-                      </a:endParaRPr>
-                    </a:p>
-                    <a:p>
-                      <a:pPr>
-                        <a:lnSpc>
-                          <a:spcPct val="100000"/>
-                        </a:lnSpc>
-                      </a:pPr>
-                      <a:r>
-                        <a:rPr b="0" lang="en-IE" sz="1800" spc="-1" strike="noStrike">
-                          <a:latin typeface="Courier New"/>
-                        </a:rPr>
-                        <a:t>plt.grid(True)</a:t>
-                      </a:r>
-                      <a:endParaRPr b="0" lang="en-IE" sz="1800" spc="-1" strike="noStrike">
-                        <a:latin typeface="Arial"/>
-                      </a:endParaRPr>
-                    </a:p>
-                    <a:p>
-                      <a:pPr>
-                        <a:lnSpc>
-                          <a:spcPct val="100000"/>
-                        </a:lnSpc>
-                      </a:pPr>
-                      <a:r>
-                        <a:rPr b="0" lang="en-IE" sz="1800" spc="-1" strike="noStrike">
-                          <a:latin typeface="Courier New"/>
-                        </a:rPr>
-                        <a:t>plt.plot(gld_close['Close'],label='GLD')</a:t>
-                      </a:r>
-                      <a:endParaRPr b="0" lang="en-IE" sz="1800" spc="-1" strike="noStrike">
-                        <a:latin typeface="Arial"/>
-                      </a:endParaRPr>
-                    </a:p>
-                    <a:p>
-                      <a:pPr>
-                        <a:lnSpc>
-                          <a:spcPct val="100000"/>
-                        </a:lnSpc>
-                      </a:pPr>
-                      <a:r>
-                        <a:rPr b="0" lang="en-IE" sz="1800" spc="-1" strike="noStrike">
-                          <a:latin typeface="Courier New"/>
-                        </a:rPr>
-                        <a:t>plt.plot(gld_close['MA_9'], label='MA 9 day')</a:t>
-                      </a:r>
-                      <a:endParaRPr b="0" lang="en-IE" sz="1800" spc="-1" strike="noStrike">
-                        <a:latin typeface="Arial"/>
-                      </a:endParaRPr>
-                    </a:p>
-                    <a:p>
-                      <a:pPr>
-                        <a:lnSpc>
-                          <a:spcPct val="100000"/>
-                        </a:lnSpc>
-                      </a:pPr>
-                      <a:r>
-                        <a:rPr b="0" lang="en-IE" sz="1800" spc="-1" strike="noStrike">
-                          <a:latin typeface="Courier New"/>
-                        </a:rPr>
-                        <a:t>plt.plot(gld_close['MA_21'], label='MA 21 day')</a:t>
-                      </a:r>
-                      <a:endParaRPr b="0" lang="en-IE" sz="1800" spc="-1" strike="noStrike">
-                        <a:latin typeface="Arial"/>
-                      </a:endParaRPr>
-                    </a:p>
-                    <a:p>
-                      <a:pPr>
-                        <a:lnSpc>
-                          <a:spcPct val="100000"/>
-                        </a:lnSpc>
-                      </a:pPr>
-                      <a:r>
-                        <a:rPr b="0" lang="en-IE" sz="1800" spc="-1" strike="noStrike">
-                          <a:latin typeface="Courier New"/>
-                        </a:rPr>
-                        <a:t>plt.legend(loc=2)</a:t>
-                      </a:r>
-                      <a:endParaRPr b="0" lang="en-IE" sz="1800" spc="-1" strike="noStrike">
-                        <a:latin typeface="Arial"/>
-                      </a:endParaRPr>
-                    </a:p>
-                    <a:p>
-                      <a:pPr>
-                        <a:lnSpc>
-                          <a:spcPct val="100000"/>
-                        </a:lnSpc>
-                      </a:pPr>
-                      <a:r>
-                        <a:rPr b="0" lang="en-IE" sz="1800" spc="-1" strike="noStrike">
+                      <a:endParaRPr b="0" lang="en-IE" sz="1600" spc="-1" strike="noStrike">
+                        <a:latin typeface="Arial"/>
+                      </a:endParaRPr>
+                    </a:p>
+                    <a:p>
+                      <a:pPr>
+                        <a:lnSpc>
+                          <a:spcPct val="100000"/>
+                        </a:lnSpc>
+                      </a:pPr>
+                      <a:endParaRPr b="0" lang="en-IE" sz="1600" spc="-1" strike="noStrike">
+                        <a:latin typeface="Arial"/>
+                      </a:endParaRPr>
+                    </a:p>
+                    <a:p>
+                      <a:pPr>
+                        <a:lnSpc>
+                          <a:spcPct val="100000"/>
+                        </a:lnSpc>
+                      </a:pPr>
+                      <a:r>
+                        <a:rPr b="0" lang="en-IE" sz="1600" spc="-1" strike="noStrike">
+                          <a:latin typeface="Courier New"/>
+                        </a:rPr>
+                        <a:t>y_datalist = [1,2,3,4,5]</a:t>
+                      </a:r>
+                      <a:endParaRPr b="0" lang="en-IE" sz="1600" spc="-1" strike="noStrike">
+                        <a:latin typeface="Arial"/>
+                      </a:endParaRPr>
+                    </a:p>
+                    <a:p>
+                      <a:pPr>
+                        <a:lnSpc>
+                          <a:spcPct val="100000"/>
+                        </a:lnSpc>
+                      </a:pPr>
+                      <a:r>
+                        <a:rPr b="0" lang="en-IE" sz="1600" spc="-1" strike="noStrike">
+                          <a:latin typeface="Courier New"/>
+                        </a:rPr>
+                        <a:t>x_datalist = [0.5,0.6,0.7,0.8,0.9]</a:t>
+                      </a:r>
+                      <a:endParaRPr b="0" lang="en-IE" sz="1600" spc="-1" strike="noStrike">
+                        <a:latin typeface="Arial"/>
+                      </a:endParaRPr>
+                    </a:p>
+                    <a:p>
+                      <a:pPr>
+                        <a:lnSpc>
+                          <a:spcPct val="100000"/>
+                        </a:lnSpc>
+                      </a:pPr>
+                      <a:r>
+                        <a:rPr b="0" lang="en-IE" sz="1600" spc="-1" strike="noStrike">
+                          <a:latin typeface="Courier New"/>
+                        </a:rPr>
+                        <a:t>plt.plot(x_datalist,y_datalist,color=’ro’)</a:t>
+                      </a:r>
+                      <a:endParaRPr b="0" lang="en-IE" sz="1600" spc="-1" strike="noStrike">
+                        <a:latin typeface="Arial"/>
+                      </a:endParaRPr>
+                    </a:p>
+                    <a:p>
+                      <a:pPr>
+                        <a:lnSpc>
+                          <a:spcPct val="100000"/>
+                        </a:lnSpc>
+                      </a:pPr>
+                      <a:r>
+                        <a:rPr b="0" lang="en-IE" sz="1600" spc="-1" strike="noStrike">
+                          <a:latin typeface="Courier New"/>
+                        </a:rPr>
+                        <a:t>plt.ylabel('y_datalist elements')</a:t>
+                      </a:r>
+                      <a:endParaRPr b="0" lang="en-IE" sz="1600" spc="-1" strike="noStrike">
+                        <a:latin typeface="Arial"/>
+                      </a:endParaRPr>
+                    </a:p>
+                    <a:p>
+                      <a:pPr>
+                        <a:lnSpc>
+                          <a:spcPct val="100000"/>
+                        </a:lnSpc>
+                      </a:pPr>
+                      <a:r>
+                        <a:rPr b="0" lang="en-IE" sz="1600" spc="-1" strike="noStrike">
+                          <a:latin typeface="Courier New"/>
+                        </a:rPr>
+                        <a:t>plt.xlabel(‘x_datalist elements’)</a:t>
+                      </a:r>
+                      <a:endParaRPr b="0" lang="en-IE" sz="1600" spc="-1" strike="noStrike">
+                        <a:latin typeface="Arial"/>
+                      </a:endParaRPr>
+                    </a:p>
+                    <a:p>
+                      <a:pPr>
+                        <a:lnSpc>
+                          <a:spcPct val="100000"/>
+                        </a:lnSpc>
+                      </a:pPr>
+                      <a:r>
+                        <a:rPr b="0" lang="en-IE" sz="1600" spc="-1" strike="noStrike">
                           <a:latin typeface="Courier New"/>
                         </a:rPr>
                         <a:t>plt.show()</a:t>
                       </a:r>
-                      <a:endParaRPr b="0" lang="en-IE" sz="1800" spc="-1" strike="noStrike">
-                        <a:latin typeface="Arial"/>
-                      </a:endParaRPr>
-                    </a:p>
-                    <a:p>
-                      <a:pPr>
-                        <a:lnSpc>
-                          <a:spcPct val="100000"/>
-                        </a:lnSpc>
-                      </a:pPr>
-                      <a:r>
-                        <a:rPr b="0" lang="en-IE" sz="1800" spc="-1" strike="noStrike">
-                          <a:latin typeface="Courier New"/>
-                        </a:rPr>
-                        <a:t>gld_close["change"] = np.log(gld_close["Close"] / gld_close["Close"].shift())</a:t>
-                      </a:r>
-                      <a:endParaRPr b="0" lang="en-IE" sz="1800" spc="-1" strike="noStrike">
+                      <a:endParaRPr b="0" lang="en-IE" sz="1600" spc="-1" strike="noStrike">
                         <a:latin typeface="Arial"/>
                       </a:endParaRPr>
                     </a:p>
@@ -9394,7 +10126,7 @@
         <p:spPr>
           <a:xfrm>
             <a:off x="504000" y="301320"/>
-            <a:ext cx="9071280" cy="637200"/>
+            <a:ext cx="9070920" cy="636840"/>
           </a:xfrm>
           <a:prstGeom prst="rect">
             <a:avLst/>
@@ -9424,8 +10156,9 @@
                   <a:srgbClr val="ffffff"/>
                 </a:solidFill>
                 <a:latin typeface="Arial"/>
+                <a:ea typeface="DejaVu Sans"/>
               </a:rPr>
-              <a:t>Introduction to Python</a:t>
+              <a:t>Data Visualization</a:t>
             </a:r>
             <a:endParaRPr b="0" lang="en-IE" sz="4400" spc="-1" strike="noStrike">
               <a:latin typeface="Arial"/>
@@ -9442,7 +10175,7 @@
         <p:spPr>
           <a:xfrm>
             <a:off x="504000" y="1769040"/>
-            <a:ext cx="9071280" cy="4384080"/>
+            <a:ext cx="9070920" cy="4383720"/>
           </a:xfrm>
           <a:prstGeom prst="rect">
             <a:avLst/>
@@ -9461,7 +10194,20 @@
         <p:txBody>
           <a:bodyPr lIns="0" rIns="0" tIns="0" bIns="0"/>
           <a:p>
-            <a:pPr marL="432000" indent="-323640">
+            <a:pPr>
+              <a:lnSpc>
+                <a:spcPct val="100000"/>
+              </a:lnSpc>
+              <a:spcBef>
+                <a:spcPts val="1417"/>
+              </a:spcBef>
+            </a:pPr>
+            <a:endParaRPr b="0" lang="en-IE" sz="1800" spc="-1" strike="noStrike">
+              <a:latin typeface="Arial"/>
+            </a:endParaRPr>
+          </a:p>
+          <a:p>
+            <a:pPr marL="432000" indent="-323280">
               <a:lnSpc>
                 <a:spcPct val="100000"/>
               </a:lnSpc>
@@ -9481,264 +10227,74 @@
                   <a:srgbClr val="0066cc"/>
                 </a:solidFill>
                 <a:latin typeface="Arial"/>
+                <a:ea typeface="DejaVu Sans"/>
               </a:rPr>
-              <a:t> </a:t>
+              <a:t>In this example, we provide both the x-axis and y-axis values. </a:t>
             </a:r>
             <a:endParaRPr b="0" lang="en-IE" sz="3200" spc="-1" strike="noStrike">
               <a:latin typeface="Arial"/>
             </a:endParaRPr>
           </a:p>
-        </p:txBody>
-      </p:sp>
-      <p:graphicFrame>
-        <p:nvGraphicFramePr>
-          <p:cNvPr id="94" name="Table 3"/>
-          <p:cNvGraphicFramePr/>
-          <p:nvPr/>
-        </p:nvGraphicFramePr>
-        <p:xfrm>
-          <a:off x="100800" y="1435320"/>
-          <a:ext cx="9646920" cy="4113000"/>
-        </p:xfrm>
-        <a:graphic>
-          <a:graphicData uri="http://schemas.openxmlformats.org/drawingml/2006/table">
-            <a:tbl>
-              <a:tblPr/>
-              <a:tblGrid>
-                <a:gridCol w="9647280"/>
-              </a:tblGrid>
-              <a:tr h="4113360">
-                <a:tc>
-                  <a:txBody>
-                    <a:bodyPr lIns="90000" rIns="90000"/>
-                    <a:p>
-                      <a:pPr>
-                        <a:lnSpc>
-                          <a:spcPct val="100000"/>
-                        </a:lnSpc>
-                      </a:pPr>
-                      <a:r>
-                        <a:rPr b="0" lang="en-IE" sz="1800" spc="-1" strike="noStrike">
-                          <a:latin typeface="Courier New"/>
-                        </a:rPr>
-                        <a:t>gld_close['Volatility'] = gld_close.change.rolling(21).std().shift()</a:t>
-                      </a:r>
-                      <a:endParaRPr b="0" lang="en-IE" sz="1800" spc="-1" strike="noStrike">
-                        <a:latin typeface="Arial"/>
-                      </a:endParaRPr>
-                    </a:p>
-                    <a:p>
-                      <a:pPr>
-                        <a:lnSpc>
-                          <a:spcPct val="100000"/>
-                        </a:lnSpc>
-                      </a:pPr>
-                      <a:r>
-                        <a:rPr b="0" lang="en-IE" sz="1800" spc="-1" strike="noStrike">
-                          <a:latin typeface="Courier New"/>
-                        </a:rPr>
-                        <a:t>gld_close['Volatility'].plot()</a:t>
-                      </a:r>
-                      <a:endParaRPr b="0" lang="en-IE" sz="1800" spc="-1" strike="noStrike">
-                        <a:latin typeface="Arial"/>
-                      </a:endParaRPr>
-                    </a:p>
-                    <a:p>
-                      <a:pPr>
-                        <a:lnSpc>
-                          <a:spcPct val="100000"/>
-                        </a:lnSpc>
-                      </a:pPr>
-                      <a:endParaRPr b="0" lang="en-IE" sz="1800" spc="-1" strike="noStrike">
-                        <a:latin typeface="Arial"/>
-                      </a:endParaRPr>
-                    </a:p>
-                    <a:p>
-                      <a:pPr>
-                        <a:lnSpc>
-                          <a:spcPct val="100000"/>
-                        </a:lnSpc>
-                      </a:pPr>
-                      <a:r>
-                        <a:rPr b="0" lang="en-IE" sz="1800" spc="-1" strike="noStrike">
-                          <a:latin typeface="Courier New"/>
-                        </a:rPr>
-                        <a:t>#offset expected change 1-day</a:t>
-                      </a:r>
-                      <a:endParaRPr b="0" lang="en-IE" sz="1800" spc="-1" strike="noStrike">
-                        <a:latin typeface="Arial"/>
-                      </a:endParaRPr>
-                    </a:p>
-                    <a:p>
-                      <a:pPr>
-                        <a:lnSpc>
-                          <a:spcPct val="100000"/>
-                        </a:lnSpc>
-                      </a:pPr>
-                      <a:r>
-                        <a:rPr b="0" lang="en-IE" sz="1800" spc="-1" strike="noStrike">
-                          <a:latin typeface="Courier New"/>
-                        </a:rPr>
-                        <a:t>gld_close['exp_chng'] = gld_close['Volatility'] * gld_close['Close'].shift()</a:t>
-                      </a:r>
-                      <a:endParaRPr b="0" lang="en-IE" sz="1800" spc="-1" strike="noStrike">
-                        <a:latin typeface="Arial"/>
-                      </a:endParaRPr>
-                    </a:p>
-                    <a:p>
-                      <a:pPr>
-                        <a:lnSpc>
-                          <a:spcPct val="100000"/>
-                        </a:lnSpc>
-                      </a:pPr>
-                      <a:r>
-                        <a:rPr b="0" lang="en-IE" sz="1800" spc="-1" strike="noStrike">
-                          <a:latin typeface="Courier New"/>
-                        </a:rPr>
-                        <a:t>gld_close['actual_chng'] = gld_close['Close'] – gld_close['Close'].shift()</a:t>
-                      </a:r>
-                      <a:endParaRPr b="0" lang="en-IE" sz="1800" spc="-1" strike="noStrike">
-                        <a:latin typeface="Arial"/>
-                      </a:endParaRPr>
-                    </a:p>
-                    <a:p>
-                      <a:pPr>
-                        <a:lnSpc>
-                          <a:spcPct val="100000"/>
-                        </a:lnSpc>
-                      </a:pPr>
-                      <a:endParaRPr b="0" lang="en-IE" sz="1800" spc="-1" strike="noStrike">
-                        <a:latin typeface="Arial"/>
-                      </a:endParaRPr>
-                    </a:p>
-                    <a:p>
-                      <a:pPr>
-                        <a:lnSpc>
-                          <a:spcPct val="100000"/>
-                        </a:lnSpc>
-                      </a:pPr>
-                      <a:r>
-                        <a:rPr b="0" lang="en-IE" sz="1800" spc="-1" strike="noStrike">
-                          <a:latin typeface="Courier New"/>
-                        </a:rPr>
-                        <a:t> </a:t>
-                      </a:r>
-                      <a:endParaRPr b="0" lang="en-IE" sz="1800" spc="-1" strike="noStrike">
-                        <a:latin typeface="Arial"/>
-                      </a:endParaRPr>
-                    </a:p>
-                    <a:p>
-                      <a:pPr>
-                        <a:lnSpc>
-                          <a:spcPct val="100000"/>
-                        </a:lnSpc>
-                      </a:pPr>
-                      <a:r>
-                        <a:rPr b="0" lang="en-IE" sz="1800" spc="-1" strike="noStrike">
-                          <a:latin typeface="Courier New"/>
-                        </a:rPr>
-                        <a:t>gld_close = pd.DataFrame(gld_close.iloc[22:])</a:t>
-                      </a:r>
-                      <a:endParaRPr b="0" lang="en-IE" sz="1800" spc="-1" strike="noStrike">
-                        <a:latin typeface="Arial"/>
-                      </a:endParaRPr>
-                    </a:p>
-                    <a:p>
-                      <a:pPr>
-                        <a:lnSpc>
-                          <a:spcPct val="100000"/>
-                        </a:lnSpc>
-                      </a:pPr>
-                      <a:r>
-                        <a:rPr b="0" lang="en-IE" sz="1800" spc="-1" strike="noStrike">
-                          <a:latin typeface="Courier New"/>
-                        </a:rPr>
-                        <a:t>gld_close['Magnitude'] = gld_close['actual_chng'] / gld_close['exp_chng'] </a:t>
-                      </a:r>
-                      <a:endParaRPr b="0" lang="en-IE" sz="1800" spc="-1" strike="noStrike">
-                        <a:latin typeface="Arial"/>
-                      </a:endParaRPr>
-                    </a:p>
-                    <a:p>
-                      <a:pPr>
-                        <a:lnSpc>
-                          <a:spcPct val="100000"/>
-                        </a:lnSpc>
-                      </a:pPr>
-                      <a:r>
-                        <a:rPr b="0" lang="en-IE" sz="1800" spc="-1" strike="noStrike">
-                          <a:latin typeface="Courier New"/>
-                        </a:rPr>
-                        <a:t>gld_close['abs_magni'] = np.abs(gld_close['Magnitude'])</a:t>
-                      </a:r>
-                      <a:endParaRPr b="0" lang="en-IE" sz="1800" spc="-1" strike="noStrike">
-                        <a:latin typeface="Arial"/>
-                      </a:endParaRPr>
-                    </a:p>
-                    <a:p>
-                      <a:pPr>
-                        <a:lnSpc>
-                          <a:spcPct val="100000"/>
-                        </a:lnSpc>
-                      </a:pPr>
-                      <a:r>
-                        <a:rPr b="0" lang="en-IE" sz="1800" spc="-1" strike="noStrike">
-                          <a:latin typeface="Courier New"/>
-                        </a:rPr>
-                        <a:t>plt.scatter(gld_close['actual_chng'], gld_close['abs_magni'])</a:t>
-                      </a:r>
-                      <a:endParaRPr b="0" lang="en-IE" sz="1800" spc="-1" strike="noStrike">
-                        <a:latin typeface="Arial"/>
-                      </a:endParaRPr>
-                    </a:p>
-                    <a:p>
-                      <a:pPr>
-                        <a:lnSpc>
-                          <a:spcPct val="100000"/>
-                        </a:lnSpc>
-                      </a:pPr>
-                      <a:r>
-                        <a:rPr b="0" lang="en-IE" sz="1800" spc="-1" strike="noStrike">
-                          <a:latin typeface="Courier New"/>
-                        </a:rPr>
-                        <a:t>plt.show()</a:t>
-                      </a:r>
-                      <a:endParaRPr b="0" lang="en-IE" sz="1800" spc="-1" strike="noStrike">
-                        <a:latin typeface="Arial"/>
-                      </a:endParaRPr>
-                    </a:p>
-                  </a:txBody>
-                  <a:tcPr marL="90000" marR="90000">
-                    <a:lnL w="720">
-                      <a:solidFill>
-                        <a:srgbClr val="ffffff"/>
-                      </a:solidFill>
-                    </a:lnL>
-                    <a:lnR w="720">
-                      <a:solidFill>
-                        <a:srgbClr val="ffffff"/>
-                      </a:solidFill>
-                    </a:lnR>
-                    <a:lnT w="720">
-                      <a:solidFill>
-                        <a:srgbClr val="ffffff"/>
-                      </a:solidFill>
-                    </a:lnT>
-                    <a:lnB w="720">
-                      <a:solidFill>
-                        <a:srgbClr val="ffffff"/>
-                      </a:solidFill>
-                    </a:lnB>
-                    <a:solidFill>
-                      <a:srgbClr val="b3b3b3"/>
-                    </a:solidFill>
-                  </a:tcPr>
-                </a:tc>
-              </a:tr>
-            </a:tbl>
-          </a:graphicData>
-        </a:graphic>
-      </p:graphicFrame>
+          <a:p>
+            <a:pPr marL="432000" indent="-323280">
+              <a:lnSpc>
+                <a:spcPct val="100000"/>
+              </a:lnSpc>
+              <a:spcBef>
+                <a:spcPts val="1417"/>
+              </a:spcBef>
+              <a:buClr>
+                <a:srgbClr val="000000"/>
+              </a:buClr>
+              <a:buSzPct val="45000"/>
+              <a:buFont typeface="Wingdings" charset="2"/>
+              <a:buChar char=""/>
+            </a:pPr>
+            <a:r>
+              <a:rPr b="0" lang="en-IE" sz="3200" spc="-1" strike="noStrike">
+                <a:solidFill>
+                  <a:srgbClr val="0066cc"/>
+                </a:solidFill>
+                <a:latin typeface="Arial"/>
+                <a:ea typeface="DejaVu Sans"/>
+              </a:rPr>
+              <a:t>Additionally, the third argument ‘ro’ specifies both the color (r for red) and the plot type (o for circle marker). </a:t>
+            </a:r>
+            <a:endParaRPr b="0" lang="en-IE" sz="3200" spc="-1" strike="noStrike">
+              <a:latin typeface="Arial"/>
+            </a:endParaRPr>
+          </a:p>
+          <a:p>
+            <a:pPr marL="432000" indent="-323280">
+              <a:lnSpc>
+                <a:spcPct val="100000"/>
+              </a:lnSpc>
+              <a:spcBef>
+                <a:spcPts val="1417"/>
+              </a:spcBef>
+              <a:buClr>
+                <a:srgbClr val="000000"/>
+              </a:buClr>
+              <a:buSzPct val="45000"/>
+              <a:buFont typeface="Wingdings" charset="2"/>
+              <a:buChar char=""/>
+            </a:pPr>
+            <a:r>
+              <a:rPr b="0" lang="en-IE" sz="3200" spc="-1" strike="noStrike">
+                <a:solidFill>
+                  <a:srgbClr val="0066cc"/>
+                </a:solidFill>
+                <a:latin typeface="Arial"/>
+                <a:ea typeface="DejaVu Sans"/>
+              </a:rPr>
+              <a:t>The documentation for the plot() method tells us what codes are supported for plot types and colors. </a:t>
+            </a:r>
+            <a:endParaRPr b="0" lang="en-IE" sz="3200" spc="-1" strike="noStrike">
+              <a:latin typeface="Arial"/>
+            </a:endParaRPr>
+          </a:p>
+        </p:txBody>
+      </p:sp>
     </p:spTree>
   </p:cSld>
   <p:timing>
@@ -9790,14 +10346,14 @@
       </p:grpSpPr>
       <p:sp>
         <p:nvSpPr>
-          <p:cNvPr id="95" name="CustomShape 1"/>
+          <p:cNvPr id="94" name="CustomShape 1"/>
           <p:cNvSpPr/>
           <p:nvPr/>
         </p:nvSpPr>
         <p:spPr>
           <a:xfrm>
             <a:off x="504000" y="301320"/>
-            <a:ext cx="9071280" cy="637200"/>
+            <a:ext cx="9070920" cy="636840"/>
           </a:xfrm>
           <a:prstGeom prst="rect">
             <a:avLst/>
@@ -9827,8 +10383,9 @@
                   <a:srgbClr val="ffffff"/>
                 </a:solidFill>
                 <a:latin typeface="Arial"/>
+                <a:ea typeface="DejaVu Sans"/>
               </a:rPr>
-              <a:t>Implenting Trading Strategies</a:t>
+              <a:t>Data Visualization</a:t>
             </a:r>
             <a:endParaRPr b="0" lang="en-IE" sz="4400" spc="-1" strike="noStrike">
               <a:latin typeface="Arial"/>
@@ -9838,14 +10395,14 @@
       </p:sp>
       <p:sp>
         <p:nvSpPr>
-          <p:cNvPr id="96" name="CustomShape 2"/>
+          <p:cNvPr id="95" name="CustomShape 2"/>
           <p:cNvSpPr/>
           <p:nvPr/>
         </p:nvSpPr>
         <p:spPr>
           <a:xfrm>
             <a:off x="504000" y="1769040"/>
-            <a:ext cx="9071280" cy="4384080"/>
+            <a:ext cx="9070920" cy="4383720"/>
           </a:xfrm>
           <a:prstGeom prst="rect">
             <a:avLst/>
@@ -9864,7 +10421,20 @@
         <p:txBody>
           <a:bodyPr lIns="0" rIns="0" tIns="0" bIns="0"/>
           <a:p>
-            <a:pPr marL="432000" indent="-323640">
+            <a:pPr>
+              <a:lnSpc>
+                <a:spcPct val="100000"/>
+              </a:lnSpc>
+              <a:spcBef>
+                <a:spcPts val="1417"/>
+              </a:spcBef>
+            </a:pPr>
+            <a:endParaRPr b="0" lang="en-IE" sz="1800" spc="-1" strike="noStrike">
+              <a:latin typeface="Arial"/>
+            </a:endParaRPr>
+          </a:p>
+          <a:p>
+            <a:pPr marL="432000" indent="-323280">
               <a:lnSpc>
                 <a:spcPct val="100000"/>
               </a:lnSpc>
@@ -9884,15 +10454,16 @@
                   <a:srgbClr val="0066cc"/>
                 </a:solidFill>
                 <a:latin typeface="Arial"/>
+                <a:ea typeface="DejaVu Sans"/>
               </a:rPr>
-              <a:t>In the previous example, we pull information about the price of gold with a start date of 08-11-2016 (The latest national US election) </a:t>
+              <a:t>Matplotlib also allows us to display multiple lots on the same graph.</a:t>
             </a:r>
             <a:endParaRPr b="0" lang="en-IE" sz="3200" spc="-1" strike="noStrike">
               <a:latin typeface="Arial"/>
             </a:endParaRPr>
           </a:p>
           <a:p>
-            <a:pPr marL="432000" indent="-323640">
+            <a:pPr marL="432000" indent="-323280">
               <a:lnSpc>
                 <a:spcPct val="100000"/>
               </a:lnSpc>
@@ -9912,36 +10483,9 @@
                   <a:srgbClr val="0066cc"/>
                 </a:solidFill>
                 <a:latin typeface="Arial"/>
+                <a:ea typeface="DejaVu Sans"/>
               </a:rPr>
-              <a:t>We extract only the closing price as that is all we are interested in. </a:t>
-            </a:r>
-            <a:endParaRPr b="0" lang="en-IE" sz="3200" spc="-1" strike="noStrike">
-              <a:latin typeface="Arial"/>
-            </a:endParaRPr>
-          </a:p>
-          <a:p>
-            <a:pPr marL="432000" indent="-323640">
-              <a:lnSpc>
-                <a:spcPct val="100000"/>
-              </a:lnSpc>
-              <a:spcBef>
-                <a:spcPts val="1417"/>
-              </a:spcBef>
-              <a:buClr>
-                <a:srgbClr val="000000"/>
-              </a:buClr>
-              <a:buSzPct val="45000"/>
-              <a:buFont typeface="Wingdings" charset="2"/>
-              <a:buChar char=""/>
-            </a:pPr>
-            <a:r>
-              <a:rPr b="0" lang="en-IE" sz="3200" spc="-1" strike="noStrike">
-                <a:solidFill>
-                  <a:srgbClr val="0066cc"/>
-                </a:solidFill>
-                <a:latin typeface="Arial"/>
-              </a:rPr>
-              <a:t>Next, we add two columns of data to the new dataframe. One is the nine day rolling average, the other is the 21 day rolling average. </a:t>
+              <a:t>In the next example, we display three plots.  The first being numbers in a range from 1 to 5, at intervals of 0.2.  The second dataset is the first data set squared, and the third dataset is the first data set cubed. </a:t>
             </a:r>
             <a:endParaRPr b="0" lang="en-IE" sz="3200" spc="-1" strike="noStrike">
               <a:latin typeface="Arial"/>
@@ -10000,14 +10544,14 @@
       </p:grpSpPr>
       <p:sp>
         <p:nvSpPr>
-          <p:cNvPr id="97" name="CustomShape 1"/>
+          <p:cNvPr id="96" name="CustomShape 1"/>
           <p:cNvSpPr/>
           <p:nvPr/>
         </p:nvSpPr>
         <p:spPr>
           <a:xfrm>
             <a:off x="504000" y="301320"/>
-            <a:ext cx="9071280" cy="637200"/>
+            <a:ext cx="9070920" cy="636840"/>
           </a:xfrm>
           <a:prstGeom prst="rect">
             <a:avLst/>
@@ -10037,8 +10581,9 @@
                   <a:srgbClr val="ffffff"/>
                 </a:solidFill>
                 <a:latin typeface="Arial"/>
+                <a:ea typeface="DejaVu Sans"/>
               </a:rPr>
-              <a:t>Implenting Trading Strategies</a:t>
+              <a:t>Data Visualization</a:t>
             </a:r>
             <a:endParaRPr b="0" lang="en-IE" sz="4400" spc="-1" strike="noStrike">
               <a:latin typeface="Arial"/>
@@ -10048,14 +10593,14 @@
       </p:sp>
       <p:sp>
         <p:nvSpPr>
-          <p:cNvPr id="98" name="CustomShape 2"/>
+          <p:cNvPr id="97" name="CustomShape 2"/>
           <p:cNvSpPr/>
           <p:nvPr/>
         </p:nvSpPr>
         <p:spPr>
           <a:xfrm>
             <a:off x="504000" y="1769040"/>
-            <a:ext cx="9071280" cy="4384080"/>
+            <a:ext cx="9070920" cy="4383720"/>
           </a:xfrm>
           <a:prstGeom prst="rect">
             <a:avLst/>
@@ -10074,91 +10619,290 @@
         <p:txBody>
           <a:bodyPr lIns="0" rIns="0" tIns="0" bIns="0"/>
           <a:p>
-            <a:pPr marL="432000" indent="-323640">
+            <a:pPr>
               <a:lnSpc>
                 <a:spcPct val="100000"/>
               </a:lnSpc>
               <a:spcBef>
                 <a:spcPts val="1417"/>
               </a:spcBef>
-              <a:buClr>
-                <a:srgbClr val="000000"/>
-              </a:buClr>
-              <a:buSzPct val="45000"/>
-              <a:buFont typeface="Wingdings" charset="2"/>
-              <a:buChar char=""/>
-            </a:pPr>
-            <a:r>
-              <a:rPr b="0" lang="en-IE" sz="3200" spc="-1" strike="noStrike">
-                <a:solidFill>
-                  <a:srgbClr val="0066cc"/>
-                </a:solidFill>
-                <a:latin typeface="Arial"/>
-              </a:rPr>
-              <a:t>The parameter Center=True shifts (lags) the moving average.</a:t>
-            </a:r>
-            <a:endParaRPr b="0" lang="en-IE" sz="3200" spc="-1" strike="noStrike">
-              <a:latin typeface="Arial"/>
-            </a:endParaRPr>
-          </a:p>
-          <a:p>
-            <a:pPr marL="432000" indent="-323640">
+            </a:pPr>
+            <a:endParaRPr b="0" lang="en-IE" sz="1800" spc="-1" strike="noStrike">
+              <a:latin typeface="Arial"/>
+            </a:endParaRPr>
+          </a:p>
+          <a:p>
+            <a:pPr>
               <a:lnSpc>
                 <a:spcPct val="100000"/>
               </a:lnSpc>
               <a:spcBef>
                 <a:spcPts val="1417"/>
               </a:spcBef>
-              <a:buClr>
-                <a:srgbClr val="000000"/>
-              </a:buClr>
-              <a:buSzPct val="45000"/>
-              <a:buFont typeface="Wingdings" charset="2"/>
-              <a:buChar char=""/>
-            </a:pPr>
-            <a:r>
-              <a:rPr b="0" lang="en-IE" sz="3200" spc="-1" strike="noStrike">
-                <a:solidFill>
-                  <a:srgbClr val="0066cc"/>
-                </a:solidFill>
-                <a:latin typeface="Arial"/>
-              </a:rPr>
-              <a:t>The shift() method shifts the observation window by a default value of one. </a:t>
-            </a:r>
-            <a:endParaRPr b="0" lang="en-IE" sz="3200" spc="-1" strike="noStrike">
-              <a:latin typeface="Arial"/>
-            </a:endParaRPr>
-          </a:p>
-          <a:p>
-            <a:pPr marL="432000" indent="-323640">
-              <a:lnSpc>
-                <a:spcPct val="100000"/>
-              </a:lnSpc>
-              <a:spcBef>
-                <a:spcPts val="1417"/>
-              </a:spcBef>
-              <a:buClr>
-                <a:srgbClr val="000000"/>
-              </a:buClr>
-              <a:buSzPct val="45000"/>
-              <a:buFont typeface="Wingdings" charset="2"/>
-              <a:buChar char=""/>
-            </a:pPr>
-            <a:r>
-              <a:rPr b="0" lang="en-IE" sz="3200" spc="-1" strike="noStrike">
-                <a:solidFill>
-                  <a:srgbClr val="0066cc"/>
-                </a:solidFill>
-                <a:latin typeface="Arial"/>
-              </a:rPr>
-              <a:t>Next, we calculate the instantaneous rate of return by taking the log of the current closing price and divide it by the previous day’s price and then graphing it. </a:t>
-            </a:r>
-            <a:endParaRPr b="0" lang="en-IE" sz="3200" spc="-1" strike="noStrike">
-              <a:latin typeface="Arial"/>
-            </a:endParaRPr>
-          </a:p>
-        </p:txBody>
-      </p:sp>
+            </a:pPr>
+            <a:endParaRPr b="0" lang="en-IE" sz="1800" spc="-1" strike="noStrike">
+              <a:latin typeface="Arial"/>
+            </a:endParaRPr>
+          </a:p>
+        </p:txBody>
+      </p:sp>
+      <p:graphicFrame>
+        <p:nvGraphicFramePr>
+          <p:cNvPr id="98" name="Table 3"/>
+          <p:cNvGraphicFramePr/>
+          <p:nvPr/>
+        </p:nvGraphicFramePr>
+        <p:xfrm>
+          <a:off x="477720" y="2635920"/>
+          <a:ext cx="9421560" cy="1754640"/>
+        </p:xfrm>
+        <a:graphic>
+          <a:graphicData uri="http://schemas.openxmlformats.org/drawingml/2006/table">
+            <a:tbl>
+              <a:tblPr/>
+              <a:tblGrid>
+                <a:gridCol w="9421920"/>
+              </a:tblGrid>
+              <a:tr h="1755000">
+                <a:tc>
+                  <a:txBody>
+                    <a:bodyPr lIns="90000" rIns="90000"/>
+                    <a:p>
+                      <a:pPr>
+                        <a:lnSpc>
+                          <a:spcPct val="100000"/>
+                        </a:lnSpc>
+                      </a:pPr>
+                      <a:endParaRPr b="0" lang="en-IE" sz="1800" spc="-1" strike="noStrike">
+                        <a:latin typeface="Arial"/>
+                      </a:endParaRPr>
+                    </a:p>
+                    <a:p>
+                      <a:pPr>
+                        <a:lnSpc>
+                          <a:spcPct val="100000"/>
+                        </a:lnSpc>
+                      </a:pPr>
+                      <a:r>
+                        <a:rPr b="0" lang="en-IE" sz="1600" spc="-1" strike="noStrike">
+                          <a:latin typeface="Courier New"/>
+                        </a:rPr>
+                        <a:t>import matplotlib.pyplot as plt</a:t>
+                      </a:r>
+                      <a:endParaRPr b="0" lang="en-IE" sz="1600" spc="-1" strike="noStrike">
+                        <a:latin typeface="Arial"/>
+                      </a:endParaRPr>
+                    </a:p>
+                    <a:p>
+                      <a:pPr>
+                        <a:lnSpc>
+                          <a:spcPct val="100000"/>
+                        </a:lnSpc>
+                      </a:pPr>
+                      <a:endParaRPr b="0" lang="en-IE" sz="1600" spc="-1" strike="noStrike">
+                        <a:latin typeface="Arial"/>
+                      </a:endParaRPr>
+                    </a:p>
+                    <a:p>
+                      <a:pPr>
+                        <a:lnSpc>
+                          <a:spcPct val="100000"/>
+                        </a:lnSpc>
+                      </a:pPr>
+                      <a:r>
+                        <a:rPr b="0" lang="en-IE" sz="1600" spc="-1" strike="noStrike">
+                          <a:latin typeface="Courier New"/>
+                        </a:rPr>
+                        <a:t>y_1 = [0.,0.2,0.4,0.6,0.8,1.,</a:t>
+                      </a:r>
+                      <a:endParaRPr b="0" lang="en-IE" sz="1600" spc="-1" strike="noStrike">
+                        <a:latin typeface="Arial"/>
+                      </a:endParaRPr>
+                    </a:p>
+                    <a:p>
+                      <a:pPr>
+                        <a:lnSpc>
+                          <a:spcPct val="100000"/>
+                        </a:lnSpc>
+                      </a:pPr>
+                      <a:r>
+                        <a:rPr b="0" lang="en-IE" sz="1600" spc="-1" strike="noStrike">
+                          <a:latin typeface="Courier New"/>
+                        </a:rPr>
+                        <a:t>       </a:t>
+                      </a:r>
+                      <a:r>
+                        <a:rPr b="0" lang="en-IE" sz="1600" spc="-1" strike="noStrike">
+                          <a:latin typeface="Courier New"/>
+                        </a:rPr>
+                        <a:t>1.2,1.4,1.6,1.8,2.,</a:t>
+                      </a:r>
+                      <a:endParaRPr b="0" lang="en-IE" sz="1600" spc="-1" strike="noStrike">
+                        <a:latin typeface="Arial"/>
+                      </a:endParaRPr>
+                    </a:p>
+                    <a:p>
+                      <a:pPr>
+                        <a:lnSpc>
+                          <a:spcPct val="100000"/>
+                        </a:lnSpc>
+                      </a:pPr>
+                      <a:r>
+                        <a:rPr b="0" lang="en-IE" sz="1600" spc="-1" strike="noStrike">
+                          <a:latin typeface="Courier New"/>
+                        </a:rPr>
+                        <a:t>       </a:t>
+                      </a:r>
+                      <a:r>
+                        <a:rPr b="0" lang="en-IE" sz="1600" spc="-1" strike="noStrike">
+                          <a:latin typeface="Courier New"/>
+                        </a:rPr>
+                        <a:t>2.2,2.4,2.6,2.8,3.,</a:t>
+                      </a:r>
+                      <a:endParaRPr b="0" lang="en-IE" sz="1600" spc="-1" strike="noStrike">
+                        <a:latin typeface="Arial"/>
+                      </a:endParaRPr>
+                    </a:p>
+                    <a:p>
+                      <a:pPr>
+                        <a:lnSpc>
+                          <a:spcPct val="100000"/>
+                        </a:lnSpc>
+                      </a:pPr>
+                      <a:r>
+                        <a:rPr b="0" lang="en-IE" sz="1600" spc="-1" strike="noStrike">
+                          <a:latin typeface="Courier New"/>
+                        </a:rPr>
+                        <a:t>       </a:t>
+                      </a:r>
+                      <a:r>
+                        <a:rPr b="0" lang="en-IE" sz="1600" spc="-1" strike="noStrike">
+                          <a:latin typeface="Courier New"/>
+                        </a:rPr>
+                        <a:t>3.2,3.4,3.6,3.8,4.,</a:t>
+                      </a:r>
+                      <a:endParaRPr b="0" lang="en-IE" sz="1600" spc="-1" strike="noStrike">
+                        <a:latin typeface="Arial"/>
+                      </a:endParaRPr>
+                    </a:p>
+                    <a:p>
+                      <a:pPr>
+                        <a:lnSpc>
+                          <a:spcPct val="100000"/>
+                        </a:lnSpc>
+                      </a:pPr>
+                      <a:r>
+                        <a:rPr b="0" lang="en-IE" sz="1600" spc="-1" strike="noStrike">
+                          <a:latin typeface="Courier New"/>
+                        </a:rPr>
+                        <a:t>       </a:t>
+                      </a:r>
+                      <a:r>
+                        <a:rPr b="0" lang="en-IE" sz="1600" spc="-1" strike="noStrike">
+                          <a:latin typeface="Courier New"/>
+                        </a:rPr>
+                        <a:t>4.2,4.4,4.6,4.8,5.]</a:t>
+                      </a:r>
+                      <a:endParaRPr b="0" lang="en-IE" sz="1600" spc="-1" strike="noStrike">
+                        <a:latin typeface="Arial"/>
+                      </a:endParaRPr>
+                    </a:p>
+                    <a:p>
+                      <a:pPr>
+                        <a:lnSpc>
+                          <a:spcPct val="100000"/>
+                        </a:lnSpc>
+                      </a:pPr>
+                      <a:r>
+                        <a:rPr b="0" lang="en-IE" sz="1600" spc="-1" strike="noStrike">
+                          <a:latin typeface="Courier New"/>
+                        </a:rPr>
+                        <a:t>y_2 = [v**2 for v in y_1]</a:t>
+                      </a:r>
+                      <a:endParaRPr b="0" lang="en-IE" sz="1600" spc="-1" strike="noStrike">
+                        <a:latin typeface="Arial"/>
+                      </a:endParaRPr>
+                    </a:p>
+                    <a:p>
+                      <a:pPr>
+                        <a:lnSpc>
+                          <a:spcPct val="100000"/>
+                        </a:lnSpc>
+                      </a:pPr>
+                      <a:r>
+                        <a:rPr b="0" lang="en-IE" sz="1600" spc="-1" strike="noStrike">
+                          <a:latin typeface="Courier New"/>
+                        </a:rPr>
+                        <a:t>y_3 = [v**3 for v in y_1]</a:t>
+                      </a:r>
+                      <a:endParaRPr b="0" lang="en-IE" sz="1600" spc="-1" strike="noStrike">
+                        <a:latin typeface="Arial"/>
+                      </a:endParaRPr>
+                    </a:p>
+                    <a:p>
+                      <a:pPr>
+                        <a:lnSpc>
+                          <a:spcPct val="100000"/>
+                        </a:lnSpc>
+                      </a:pPr>
+                      <a:r>
+                        <a:rPr b="0" lang="en-IE" sz="1600" spc="-1" strike="noStrike">
+                          <a:latin typeface="Courier New"/>
+                        </a:rPr>
+                        <a:t>plt.plot(y_1, y_1, 'r--', y_1, y_2, 'bs', y_1, y_3, 'g^') </a:t>
+                      </a:r>
+                      <a:endParaRPr b="0" lang="en-IE" sz="1600" spc="-1" strike="noStrike">
+                        <a:latin typeface="Arial"/>
+                      </a:endParaRPr>
+                    </a:p>
+                    <a:p>
+                      <a:pPr>
+                        <a:lnSpc>
+                          <a:spcPct val="100000"/>
+                        </a:lnSpc>
+                      </a:pPr>
+                      <a:r>
+                        <a:rPr b="0" lang="en-IE" sz="1600" spc="-1" strike="noStrike">
+                          <a:latin typeface="Courier New"/>
+                        </a:rPr>
+                        <a:t>plt.show()</a:t>
+                      </a:r>
+                      <a:endParaRPr b="0" lang="en-IE" sz="1600" spc="-1" strike="noStrike">
+                        <a:latin typeface="Arial"/>
+                      </a:endParaRPr>
+                    </a:p>
+                  </a:txBody>
+                  <a:tcPr marL="90000" marR="90000">
+                    <a:lnL w="720">
+                      <a:solidFill>
+                        <a:srgbClr val="ffffff"/>
+                      </a:solidFill>
+                    </a:lnL>
+                    <a:lnR w="720">
+                      <a:solidFill>
+                        <a:srgbClr val="ffffff"/>
+                      </a:solidFill>
+                    </a:lnR>
+                    <a:lnT w="720">
+                      <a:solidFill>
+                        <a:srgbClr val="ffffff"/>
+                      </a:solidFill>
+                    </a:lnT>
+                    <a:lnB w="720">
+                      <a:solidFill>
+                        <a:srgbClr val="ffffff"/>
+                      </a:solidFill>
+                    </a:lnB>
+                    <a:solidFill>
+                      <a:srgbClr val="b3b3b3"/>
+                    </a:solidFill>
+                  </a:tcPr>
+                </a:tc>
+              </a:tr>
+            </a:tbl>
+          </a:graphicData>
+        </a:graphic>
+      </p:graphicFrame>
     </p:spTree>
   </p:cSld>
   <p:timing>
